--- a/Modul.pptx
+++ b/Modul.pptx
@@ -13,12 +13,7 @@
     <p:sldId id="262" r:id="rId7"/>
     <p:sldId id="263" r:id="rId8"/>
     <p:sldId id="264" r:id="rId9"/>
-    <p:sldId id="265" r:id="rId10"/>
-    <p:sldId id="266" r:id="rId11"/>
-    <p:sldId id="269" r:id="rId12"/>
-    <p:sldId id="267" r:id="rId13"/>
-    <p:sldId id="268" r:id="rId14"/>
-    <p:sldId id="257" r:id="rId15"/>
+    <p:sldId id="257" r:id="rId10"/>
   </p:sldIdLst>
   <p:sldSz cx="12192000" cy="6858000"/>
   <p:notesSz cx="6858000" cy="9144000"/>
@@ -3563,7 +3558,7 @@
         </p:nvSpPr>
         <p:spPr>
           <a:xfrm>
-            <a:off x="1786313" y="3310810"/>
+            <a:off x="1880442" y="2340785"/>
             <a:ext cx="8619369" cy="461665"/>
           </a:xfrm>
           <a:prstGeom prst="rect">
@@ -3610,7 +3605,7 @@
         </p:nvSpPr>
         <p:spPr>
           <a:xfrm>
-            <a:off x="1786313" y="4055550"/>
+            <a:off x="1786315" y="2896383"/>
             <a:ext cx="8619369" cy="369332"/>
           </a:xfrm>
           <a:prstGeom prst="rect">
@@ -3662,7 +3657,7 @@
 </p:sld>
 </file>
 
-<file path=ppt/slides/slide10.xml><?xml version="1.0" encoding="utf-8"?>
+<file path=ppt/slides/slide2.xml><?xml version="1.0" encoding="utf-8"?>
 <p:sld xmlns:a="http://schemas.openxmlformats.org/drawingml/2006/main" xmlns:r="http://schemas.openxmlformats.org/officeDocument/2006/relationships" xmlns:p="http://schemas.openxmlformats.org/presentationml/2006/main">
   <p:cSld>
     <p:spTree>
@@ -3681,10 +3676,10 @@
       </p:grpSpPr>
       <p:sp>
         <p:nvSpPr>
-          <p:cNvPr id="3" name="Arrow: Curved Left 2">
-            <a:extLst>
-              <a:ext uri="{FF2B5EF4-FFF2-40B4-BE49-F238E27FC236}">
-                <a16:creationId xmlns:a16="http://schemas.microsoft.com/office/drawing/2014/main" id="{53B6485E-7D22-426F-9178-E86B34A4E1F6}"/>
+          <p:cNvPr id="4" name="Flowchart: Data 3">
+            <a:extLst>
+              <a:ext uri="{FF2B5EF4-FFF2-40B4-BE49-F238E27FC236}">
+                <a16:creationId xmlns:a16="http://schemas.microsoft.com/office/drawing/2014/main" id="{9C89988B-7B51-403B-988B-9E78A06F397E}"/>
               </a:ext>
             </a:extLst>
           </p:cNvPr>
@@ -3692,11 +3687,55 @@
           <p:nvPr/>
         </p:nvSpPr>
         <p:spPr>
-          <a:xfrm rot="9248176">
-            <a:off x="9497342" y="-1291775"/>
-            <a:ext cx="4003129" cy="3239550"/>
-          </a:xfrm>
-          <a:prstGeom prst="curvedLeftArrow">
+          <a:xfrm>
+            <a:off x="10860156" y="662610"/>
+            <a:ext cx="4147930" cy="6679096"/>
+          </a:xfrm>
+          <a:prstGeom prst="flowChartInputOutput">
+            <a:avLst/>
+          </a:prstGeom>
+        </p:spPr>
+        <p:style>
+          <a:lnRef idx="0">
+            <a:schemeClr val="accent5"/>
+          </a:lnRef>
+          <a:fillRef idx="3">
+            <a:schemeClr val="accent5"/>
+          </a:fillRef>
+          <a:effectRef idx="3">
+            <a:schemeClr val="accent5"/>
+          </a:effectRef>
+          <a:fontRef idx="minor">
+            <a:schemeClr val="lt1"/>
+          </a:fontRef>
+        </p:style>
+        <p:txBody>
+          <a:bodyPr rtlCol="0" anchor="ctr"/>
+          <a:lstStyle/>
+          <a:p>
+            <a:pPr algn="ctr"/>
+            <a:endParaRPr lang="en-US"/>
+          </a:p>
+        </p:txBody>
+      </p:sp>
+      <p:sp>
+        <p:nvSpPr>
+          <p:cNvPr id="8" name="Flowchart: Data 7">
+            <a:extLst>
+              <a:ext uri="{FF2B5EF4-FFF2-40B4-BE49-F238E27FC236}">
+                <a16:creationId xmlns:a16="http://schemas.microsoft.com/office/drawing/2014/main" id="{F4F96CE4-7398-4006-BA99-29BDF3EA1978}"/>
+              </a:ext>
+            </a:extLst>
+          </p:cNvPr>
+          <p:cNvSpPr/>
+          <p:nvPr/>
+        </p:nvSpPr>
+        <p:spPr>
+          <a:xfrm>
+            <a:off x="10118034" y="823301"/>
+            <a:ext cx="2816087" cy="6679096"/>
+          </a:xfrm>
+          <a:prstGeom prst="flowChartInputOutput">
             <a:avLst/>
           </a:prstGeom>
           <a:solidFill>
@@ -3725,20 +3764,76 @@
           <a:lstStyle/>
           <a:p>
             <a:pPr algn="ctr"/>
-            <a:endParaRPr lang="en-US">
+            <a:endParaRPr lang="en-US"/>
+          </a:p>
+        </p:txBody>
+      </p:sp>
+      <p:sp>
+        <p:nvSpPr>
+          <p:cNvPr id="3" name="Rectangle 2">
+            <a:extLst>
+              <a:ext uri="{FF2B5EF4-FFF2-40B4-BE49-F238E27FC236}">
+                <a16:creationId xmlns:a16="http://schemas.microsoft.com/office/drawing/2014/main" id="{197E43EF-E10A-4C5F-B51C-37E2516FE931}"/>
+              </a:ext>
+            </a:extLst>
+          </p:cNvPr>
+          <p:cNvSpPr/>
+          <p:nvPr/>
+        </p:nvSpPr>
+        <p:spPr>
+          <a:xfrm>
+            <a:off x="386734" y="1536812"/>
+            <a:ext cx="2923364" cy="369332"/>
+          </a:xfrm>
+          <a:prstGeom prst="rect">
+            <a:avLst/>
+          </a:prstGeom>
+          <a:noFill/>
+        </p:spPr>
+        <p:txBody>
+          <a:bodyPr wrap="none" lIns="91440" tIns="45720" rIns="91440" bIns="45720">
+            <a:spAutoFit/>
+          </a:bodyPr>
+          <a:lstStyle/>
+          <a:p>
+            <a:pPr algn="ctr"/>
+            <a:r>
+              <a:rPr lang="en-US" dirty="0">
+                <a:ln w="0"/>
+                <a:effectLst>
+                  <a:outerShdw blurRad="38100" dist="19050" dir="2700000" algn="tl" rotWithShape="0">
+                    <a:schemeClr val="dk1">
+                      <a:alpha val="40000"/>
+                    </a:schemeClr>
+                  </a:outerShdw>
+                </a:effectLst>
+                <a:latin typeface="Rockwell" panose="02060603020205020403" pitchFamily="18" charset="0"/>
+              </a:rPr>
+              <a:t>1. FILTERING REGISTRASI</a:t>
+            </a:r>
+            <a:endParaRPr lang="en-US" b="0" cap="none" spc="0" dirty="0">
+              <a:ln w="0"/>
               <a:solidFill>
                 <a:schemeClr val="tx1"/>
               </a:solidFill>
+              <a:effectLst>
+                <a:outerShdw blurRad="38100" dist="19050" dir="2700000" algn="tl" rotWithShape="0">
+                  <a:schemeClr val="dk1">
+                    <a:alpha val="40000"/>
+                  </a:schemeClr>
+                </a:outerShdw>
+              </a:effectLst>
+              <a:latin typeface="Rockwell" panose="02060603020205020403" pitchFamily="18" charset="0"/>
             </a:endParaRPr>
           </a:p>
         </p:txBody>
       </p:sp>
       <p:sp>
         <p:nvSpPr>
-          <p:cNvPr id="4" name="L-Shape 3">
-            <a:extLst>
-              <a:ext uri="{FF2B5EF4-FFF2-40B4-BE49-F238E27FC236}">
-                <a16:creationId xmlns:a16="http://schemas.microsoft.com/office/drawing/2014/main" id="{7AE73EFB-B90B-4355-8A59-A84EC123FBC0}"/>
+          <p:cNvPr id="39" name="Rectangle 38">
+            <a:extLst>
+              <a:ext uri="{FF2B5EF4-FFF2-40B4-BE49-F238E27FC236}">
+                <a16:creationId xmlns:a16="http://schemas.microsoft.com/office/drawing/2014/main" id="{EC5A828B-7CDA-4D9E-AAFC-2ABE70509B72}"/>
               </a:ext>
             </a:extLst>
           </p:cNvPr>
@@ -3747,10 +3842,73 @@
         </p:nvSpPr>
         <p:spPr>
           <a:xfrm>
-            <a:off x="-304800" y="6162260"/>
-            <a:ext cx="5870713" cy="543339"/>
-          </a:xfrm>
-          <a:prstGeom prst="corner">
+            <a:off x="386734" y="2111470"/>
+            <a:ext cx="2655663" cy="369332"/>
+          </a:xfrm>
+          <a:prstGeom prst="rect">
+            <a:avLst/>
+          </a:prstGeom>
+          <a:noFill/>
+        </p:spPr>
+        <p:txBody>
+          <a:bodyPr wrap="none" lIns="91440" tIns="45720" rIns="91440" bIns="45720">
+            <a:spAutoFit/>
+          </a:bodyPr>
+          <a:lstStyle/>
+          <a:p>
+            <a:pPr algn="ctr"/>
+            <a:r>
+              <a:rPr lang="en-US" dirty="0">
+                <a:ln w="0"/>
+                <a:effectLst>
+                  <a:outerShdw blurRad="38100" dist="19050" dir="2700000" algn="tl" rotWithShape="0">
+                    <a:schemeClr val="dk1">
+                      <a:alpha val="40000"/>
+                    </a:schemeClr>
+                  </a:outerShdw>
+                </a:effectLst>
+                <a:latin typeface="Rockwell" panose="02060603020205020403" pitchFamily="18" charset="0"/>
+              </a:rPr>
+              <a:t>2. </a:t>
+            </a:r>
+            <a:r>
+              <a:rPr lang="en-US" b="0" cap="none" spc="0" dirty="0">
+                <a:ln w="0"/>
+                <a:solidFill>
+                  <a:schemeClr val="tx1"/>
+                </a:solidFill>
+                <a:effectLst>
+                  <a:outerShdw blurRad="38100" dist="19050" dir="2700000" algn="tl" rotWithShape="0">
+                    <a:schemeClr val="dk1">
+                      <a:alpha val="40000"/>
+                    </a:schemeClr>
+                  </a:outerShdw>
+                </a:effectLst>
+                <a:latin typeface="Rockwell" panose="02060603020205020403" pitchFamily="18" charset="0"/>
+              </a:rPr>
+              <a:t>UNGGAH DOKUMEN</a:t>
+            </a:r>
+          </a:p>
+        </p:txBody>
+      </p:sp>
+      <p:sp>
+        <p:nvSpPr>
+          <p:cNvPr id="32" name="Rectangle 31">
+            <a:extLst>
+              <a:ext uri="{FF2B5EF4-FFF2-40B4-BE49-F238E27FC236}">
+                <a16:creationId xmlns:a16="http://schemas.microsoft.com/office/drawing/2014/main" id="{DD98E04A-1A10-4332-841A-A8A07900628E}"/>
+              </a:ext>
+            </a:extLst>
+          </p:cNvPr>
+          <p:cNvSpPr/>
+          <p:nvPr/>
+        </p:nvSpPr>
+        <p:spPr>
+          <a:xfrm>
+            <a:off x="0" y="297021"/>
+            <a:ext cx="7342496" cy="397565"/>
+          </a:xfrm>
+          <a:prstGeom prst="rect">
             <a:avLst/>
           </a:prstGeom>
           <a:gradFill flip="none" rotWithShape="1">
@@ -3805,124 +3963,10 @@
       </p:sp>
       <p:sp>
         <p:nvSpPr>
-          <p:cNvPr id="5" name="Rectangle: Rounded Corners 4">
-            <a:extLst>
-              <a:ext uri="{FF2B5EF4-FFF2-40B4-BE49-F238E27FC236}">
-                <a16:creationId xmlns:a16="http://schemas.microsoft.com/office/drawing/2014/main" id="{21EEA19F-FD1E-4E7F-B65A-A1506E03E1F5}"/>
-              </a:ext>
-            </a:extLst>
-          </p:cNvPr>
-          <p:cNvSpPr/>
-          <p:nvPr/>
-        </p:nvSpPr>
-        <p:spPr>
-          <a:xfrm>
-            <a:off x="-106015" y="6241772"/>
-            <a:ext cx="5870712" cy="251792"/>
-          </a:xfrm>
-          <a:prstGeom prst="roundRect">
-            <a:avLst/>
-          </a:prstGeom>
-        </p:spPr>
-        <p:style>
-          <a:lnRef idx="0">
-            <a:schemeClr val="accent4"/>
-          </a:lnRef>
-          <a:fillRef idx="3">
-            <a:schemeClr val="accent4"/>
-          </a:fillRef>
-          <a:effectRef idx="3">
-            <a:schemeClr val="accent4"/>
-          </a:effectRef>
-          <a:fontRef idx="minor">
-            <a:schemeClr val="lt1"/>
-          </a:fontRef>
-        </p:style>
-        <p:txBody>
-          <a:bodyPr rtlCol="0" anchor="ctr"/>
-          <a:lstStyle/>
-          <a:p>
-            <a:pPr algn="ctr"/>
-            <a:endParaRPr lang="en-US"/>
-          </a:p>
-        </p:txBody>
-      </p:sp>
-      <p:sp>
-        <p:nvSpPr>
-          <p:cNvPr id="14" name="Rectangle 13">
-            <a:extLst>
-              <a:ext uri="{FF2B5EF4-FFF2-40B4-BE49-F238E27FC236}">
-                <a16:creationId xmlns:a16="http://schemas.microsoft.com/office/drawing/2014/main" id="{5B0058D2-BD0B-4453-91A6-04DB7F8FA60B}"/>
-              </a:ext>
-            </a:extLst>
-          </p:cNvPr>
-          <p:cNvSpPr/>
-          <p:nvPr/>
-        </p:nvSpPr>
-        <p:spPr>
-          <a:xfrm>
-            <a:off x="0" y="405760"/>
-            <a:ext cx="7342496" cy="397565"/>
-          </a:xfrm>
-          <a:prstGeom prst="rect">
-            <a:avLst/>
-          </a:prstGeom>
-          <a:gradFill flip="none" rotWithShape="1">
-            <a:gsLst>
-              <a:gs pos="0">
-                <a:schemeClr val="accent5">
-                  <a:lumMod val="67000"/>
-                </a:schemeClr>
-              </a:gs>
-              <a:gs pos="48000">
-                <a:schemeClr val="accent5">
-                  <a:lumMod val="97000"/>
-                  <a:lumOff val="3000"/>
-                </a:schemeClr>
-              </a:gs>
-              <a:gs pos="100000">
-                <a:schemeClr val="accent5">
-                  <a:lumMod val="60000"/>
-                  <a:lumOff val="40000"/>
-                </a:schemeClr>
-              </a:gs>
-            </a:gsLst>
-            <a:lin ang="16200000" scaled="1"/>
-            <a:tileRect/>
-          </a:gradFill>
-          <a:ln>
-            <a:noFill/>
-          </a:ln>
-        </p:spPr>
-        <p:style>
-          <a:lnRef idx="0">
-            <a:scrgbClr r="0" g="0" b="0"/>
-          </a:lnRef>
-          <a:fillRef idx="0">
-            <a:scrgbClr r="0" g="0" b="0"/>
-          </a:fillRef>
-          <a:effectRef idx="0">
-            <a:scrgbClr r="0" g="0" b="0"/>
-          </a:effectRef>
-          <a:fontRef idx="minor">
-            <a:schemeClr val="lt1"/>
-          </a:fontRef>
-        </p:style>
-        <p:txBody>
-          <a:bodyPr rtlCol="0" anchor="ctr"/>
-          <a:lstStyle/>
-          <a:p>
-            <a:pPr algn="ctr"/>
-            <a:endParaRPr lang="en-US"/>
-          </a:p>
-        </p:txBody>
-      </p:sp>
-      <p:sp>
-        <p:nvSpPr>
-          <p:cNvPr id="15" name="TextBox 14">
-            <a:extLst>
-              <a:ext uri="{FF2B5EF4-FFF2-40B4-BE49-F238E27FC236}">
-                <a16:creationId xmlns:a16="http://schemas.microsoft.com/office/drawing/2014/main" id="{0696D02C-5416-4FA0-BC7E-3BB1CB4F9EB3}"/>
+          <p:cNvPr id="35" name="TextBox 34">
+            <a:extLst>
+              <a:ext uri="{FF2B5EF4-FFF2-40B4-BE49-F238E27FC236}">
+                <a16:creationId xmlns:a16="http://schemas.microsoft.com/office/drawing/2014/main" id="{F12014FC-716A-4288-A0FD-E656D71F3296}"/>
               </a:ext>
             </a:extLst>
           </p:cNvPr>
@@ -3931,54 +3975,8 @@
         </p:nvSpPr>
         <p:spPr>
           <a:xfrm>
-            <a:off x="218365" y="354129"/>
-            <a:ext cx="3397533" cy="461665"/>
-          </a:xfrm>
-          <a:prstGeom prst="rect">
-            <a:avLst/>
-          </a:prstGeom>
-          <a:noFill/>
-        </p:spPr>
-        <p:txBody>
-          <a:bodyPr wrap="none" rtlCol="0">
-            <a:spAutoFit/>
-          </a:bodyPr>
-          <a:lstStyle/>
-          <a:p>
-            <a:r>
-              <a:rPr lang="en-US" sz="2400" dirty="0">
-                <a:latin typeface="Rockwell" panose="02060603020205020403" pitchFamily="18" charset="0"/>
-              </a:rPr>
-              <a:t>Hasil Dan </a:t>
-            </a:r>
-            <a:r>
-              <a:rPr lang="en-US" sz="2400" dirty="0" err="1">
-                <a:latin typeface="Rockwell" panose="02060603020205020403" pitchFamily="18" charset="0"/>
-              </a:rPr>
-              <a:t>Pembahasan</a:t>
-            </a:r>
-            <a:endParaRPr lang="en-US" sz="2400" dirty="0">
-              <a:latin typeface="Rockwell" panose="02060603020205020403" pitchFamily="18" charset="0"/>
-            </a:endParaRPr>
-          </a:p>
-        </p:txBody>
-      </p:sp>
-      <p:sp>
-        <p:nvSpPr>
-          <p:cNvPr id="16" name="TextBox 15">
-            <a:extLst>
-              <a:ext uri="{FF2B5EF4-FFF2-40B4-BE49-F238E27FC236}">
-                <a16:creationId xmlns:a16="http://schemas.microsoft.com/office/drawing/2014/main" id="{3C9D4102-9A2C-476C-B666-22CCB662B582}"/>
-              </a:ext>
-            </a:extLst>
-          </p:cNvPr>
-          <p:cNvSpPr txBox="1"/>
-          <p:nvPr/>
-        </p:nvSpPr>
-        <p:spPr>
-          <a:xfrm>
-            <a:off x="193076" y="6162260"/>
-            <a:ext cx="3719964" cy="369332"/>
+            <a:off x="-3086092" y="315486"/>
+            <a:ext cx="8619369" cy="369332"/>
           </a:xfrm>
           <a:prstGeom prst="rect">
             <a:avLst/>
@@ -4000,16 +3998,17 @@
               </a:spcAft>
             </a:pPr>
             <a:r>
-              <a:rPr lang="en-US" b="1" dirty="0">
+              <a:rPr lang="en-US" sz="1800" b="1" dirty="0">
+                <a:effectLst/>
                 <a:latin typeface="Times New Roman" panose="02020603050405020304" pitchFamily="18" charset="0"/>
                 <a:ea typeface="Calibri" panose="020F0502020204030204" pitchFamily="34" charset="0"/>
                 <a:cs typeface="Times New Roman" panose="02020603050405020304" pitchFamily="18" charset="0"/>
               </a:rPr>
-              <a:t>UNIVERSITAS PAMULANG 2021</a:t>
-            </a:r>
-            <a:endParaRPr lang="en-US" dirty="0">
+              <a:t>PEMBAHASAN</a:t>
+            </a:r>
+            <a:endParaRPr lang="en-US" sz="1400" dirty="0">
               <a:effectLst/>
-              <a:latin typeface="Times New Roman" panose="02020603050405020304" pitchFamily="18" charset="0"/>
+              <a:latin typeface="Calibri" panose="020F0502020204030204" pitchFamily="34" charset="0"/>
               <a:ea typeface="Calibri" panose="020F0502020204030204" pitchFamily="34" charset="0"/>
               <a:cs typeface="Times New Roman" panose="02020603050405020304" pitchFamily="18" charset="0"/>
             </a:endParaRPr>
@@ -4018,671 +4017,33 @@
       </p:sp>
       <p:sp>
         <p:nvSpPr>
-          <p:cNvPr id="17" name="TextBox 16">
-            <a:extLst>
-              <a:ext uri="{FF2B5EF4-FFF2-40B4-BE49-F238E27FC236}">
-                <a16:creationId xmlns:a16="http://schemas.microsoft.com/office/drawing/2014/main" id="{E75C81E9-E595-4752-BF38-FEB5C9847211}"/>
-              </a:ext>
-            </a:extLst>
-          </p:cNvPr>
-          <p:cNvSpPr txBox="1"/>
+          <p:cNvPr id="38" name="Arrow: Pentagon 37">
+            <a:extLst>
+              <a:ext uri="{FF2B5EF4-FFF2-40B4-BE49-F238E27FC236}">
+                <a16:creationId xmlns:a16="http://schemas.microsoft.com/office/drawing/2014/main" id="{9F25CD45-1149-446B-ABDE-7A6636B7CDA2}"/>
+              </a:ext>
+            </a:extLst>
+          </p:cNvPr>
+          <p:cNvSpPr/>
           <p:nvPr/>
         </p:nvSpPr>
         <p:spPr>
-          <a:xfrm>
-            <a:off x="285723" y="891774"/>
-            <a:ext cx="1119858" cy="369332"/>
-          </a:xfrm>
-          <a:prstGeom prst="rect">
-            <a:avLst/>
-          </a:prstGeom>
-          <a:noFill/>
-        </p:spPr>
-        <p:txBody>
-          <a:bodyPr wrap="none" rtlCol="0">
-            <a:spAutoFit/>
-          </a:bodyPr>
-          <a:lstStyle/>
-          <a:p>
-            <a:r>
-              <a:rPr lang="en-US" dirty="0" err="1">
-                <a:ln w="0"/>
-                <a:effectLst>
-                  <a:outerShdw blurRad="38100" dist="19050" dir="2700000" algn="tl" rotWithShape="0">
-                    <a:schemeClr val="dk1">
-                      <a:alpha val="40000"/>
-                    </a:schemeClr>
-                  </a:outerShdw>
-                </a:effectLst>
-                <a:latin typeface="Rockwell" panose="02060603020205020403" pitchFamily="18" charset="0"/>
-              </a:rPr>
-              <a:t>Kalibrasi</a:t>
-            </a:r>
-            <a:endParaRPr lang="en-US" dirty="0">
-              <a:latin typeface="Rockwell" panose="02060603020205020403" pitchFamily="18" charset="0"/>
-            </a:endParaRPr>
-          </a:p>
-        </p:txBody>
-      </p:sp>
-      <p:pic>
-        <p:nvPicPr>
-          <p:cNvPr id="10" name="Picture 9">
-            <a:extLst>
-              <a:ext uri="{FF2B5EF4-FFF2-40B4-BE49-F238E27FC236}">
-                <a16:creationId xmlns:a16="http://schemas.microsoft.com/office/drawing/2014/main" id="{1725C69C-3F01-4E56-8EB5-63C3C81A5BB2}"/>
-              </a:ext>
-            </a:extLst>
-          </p:cNvPr>
-          <p:cNvPicPr>
-            <a:picLocks noChangeAspect="1"/>
-          </p:cNvPicPr>
-          <p:nvPr/>
-        </p:nvPicPr>
-        <p:blipFill>
-          <a:blip r:embed="rId2">
-            <a:extLst>
-              <a:ext uri="{28A0092B-C50C-407E-A947-70E740481C1C}">
-                <a14:useLocalDpi xmlns:a14="http://schemas.microsoft.com/office/drawing/2010/main" val="0"/>
-              </a:ext>
-            </a:extLst>
-          </a:blip>
-          <a:stretch>
-            <a:fillRect/>
-          </a:stretch>
-        </p:blipFill>
-        <p:spPr>
-          <a:xfrm>
-            <a:off x="218365" y="1302822"/>
-            <a:ext cx="2528064" cy="1677500"/>
-          </a:xfrm>
-          <a:prstGeom prst="rect">
-            <a:avLst/>
-          </a:prstGeom>
-        </p:spPr>
-      </p:pic>
-      <p:pic>
-        <p:nvPicPr>
-          <p:cNvPr id="21" name="Picture 20">
-            <a:extLst>
-              <a:ext uri="{FF2B5EF4-FFF2-40B4-BE49-F238E27FC236}">
-                <a16:creationId xmlns:a16="http://schemas.microsoft.com/office/drawing/2014/main" id="{D4AFFDE9-55C4-4FD7-B6D3-1B7AFF969729}"/>
-              </a:ext>
-            </a:extLst>
-          </p:cNvPr>
-          <p:cNvPicPr>
-            <a:picLocks noChangeAspect="1"/>
-          </p:cNvPicPr>
-          <p:nvPr/>
-        </p:nvPicPr>
-        <p:blipFill>
-          <a:blip r:embed="rId3">
-            <a:extLst>
-              <a:ext uri="{28A0092B-C50C-407E-A947-70E740481C1C}">
-                <a14:useLocalDpi xmlns:a14="http://schemas.microsoft.com/office/drawing/2010/main" val="0"/>
-              </a:ext>
-            </a:extLst>
-          </a:blip>
-          <a:stretch>
-            <a:fillRect/>
-          </a:stretch>
-        </p:blipFill>
-        <p:spPr>
-          <a:xfrm>
-            <a:off x="4579585" y="3272101"/>
-            <a:ext cx="3877566" cy="2581151"/>
-          </a:xfrm>
-          <a:prstGeom prst="rect">
-            <a:avLst/>
-          </a:prstGeom>
-        </p:spPr>
-      </p:pic>
-      <p:grpSp>
-        <p:nvGrpSpPr>
-          <p:cNvPr id="36" name="Group 35">
-            <a:extLst>
-              <a:ext uri="{FF2B5EF4-FFF2-40B4-BE49-F238E27FC236}">
-                <a16:creationId xmlns:a16="http://schemas.microsoft.com/office/drawing/2014/main" id="{E4874ECF-02E2-4E03-838C-3D21C587961B}"/>
-              </a:ext>
-            </a:extLst>
-          </p:cNvPr>
-          <p:cNvGrpSpPr/>
-          <p:nvPr/>
-        </p:nvGrpSpPr>
-        <p:grpSpPr>
-          <a:xfrm>
-            <a:off x="2826825" y="1254551"/>
-            <a:ext cx="6084010" cy="1843543"/>
-            <a:chOff x="3204836" y="1257200"/>
-            <a:chExt cx="6084010" cy="1843543"/>
-          </a:xfrm>
-        </p:grpSpPr>
-        <p:pic>
-          <p:nvPicPr>
-            <p:cNvPr id="19" name="Picture 18">
-              <a:extLst>
-                <a:ext uri="{FF2B5EF4-FFF2-40B4-BE49-F238E27FC236}">
-                  <a16:creationId xmlns:a16="http://schemas.microsoft.com/office/drawing/2014/main" id="{89F3D1BC-2DD5-4C1D-BB76-B12DBAEDDD7A}"/>
-                </a:ext>
-              </a:extLst>
-            </p:cNvPr>
-            <p:cNvPicPr>
-              <a:picLocks noChangeAspect="1"/>
-            </p:cNvPicPr>
-            <p:nvPr/>
-          </p:nvPicPr>
-          <p:blipFill>
-            <a:blip r:embed="rId4">
-              <a:extLst>
-                <a:ext uri="{28A0092B-C50C-407E-A947-70E740481C1C}">
-                  <a14:useLocalDpi xmlns:a14="http://schemas.microsoft.com/office/drawing/2010/main" val="0"/>
-                </a:ext>
-              </a:extLst>
-            </a:blip>
-            <a:stretch>
-              <a:fillRect/>
-            </a:stretch>
-          </p:blipFill>
-          <p:spPr>
-            <a:xfrm>
-              <a:off x="3204836" y="1278304"/>
-              <a:ext cx="1999358" cy="1796214"/>
-            </a:xfrm>
-            <a:prstGeom prst="rect">
-              <a:avLst/>
-            </a:prstGeom>
-          </p:spPr>
-        </p:pic>
-        <p:pic>
-          <p:nvPicPr>
-            <p:cNvPr id="32" name="Picture 31">
-              <a:extLst>
-                <a:ext uri="{FF2B5EF4-FFF2-40B4-BE49-F238E27FC236}">
-                  <a16:creationId xmlns:a16="http://schemas.microsoft.com/office/drawing/2014/main" id="{30C00CFA-E886-44F9-B36C-DFCCC2533C3A}"/>
-                </a:ext>
-              </a:extLst>
-            </p:cNvPr>
-            <p:cNvPicPr>
-              <a:picLocks noChangeAspect="1"/>
-            </p:cNvPicPr>
-            <p:nvPr/>
-          </p:nvPicPr>
-          <p:blipFill>
-            <a:blip r:embed="rId5">
-              <a:extLst>
-                <a:ext uri="{28A0092B-C50C-407E-A947-70E740481C1C}">
-                  <a14:useLocalDpi xmlns:a14="http://schemas.microsoft.com/office/drawing/2010/main" val="0"/>
-                </a:ext>
-              </a:extLst>
-            </a:blip>
-            <a:stretch>
-              <a:fillRect/>
-            </a:stretch>
-          </p:blipFill>
-          <p:spPr>
-            <a:xfrm>
-              <a:off x="7289488" y="1276115"/>
-              <a:ext cx="1999358" cy="1811376"/>
-            </a:xfrm>
-            <a:prstGeom prst="rect">
-              <a:avLst/>
-            </a:prstGeom>
-          </p:spPr>
-        </p:pic>
-        <p:pic>
-          <p:nvPicPr>
-            <p:cNvPr id="35" name="Picture 34">
-              <a:extLst>
-                <a:ext uri="{FF2B5EF4-FFF2-40B4-BE49-F238E27FC236}">
-                  <a16:creationId xmlns:a16="http://schemas.microsoft.com/office/drawing/2014/main" id="{5D96588B-7A1E-44A4-9871-A656C9BFB55A}"/>
-                </a:ext>
-              </a:extLst>
-            </p:cNvPr>
-            <p:cNvPicPr>
-              <a:picLocks noChangeAspect="1"/>
-            </p:cNvPicPr>
-            <p:nvPr/>
-          </p:nvPicPr>
-          <p:blipFill>
-            <a:blip r:embed="rId6">
-              <a:extLst>
-                <a:ext uri="{28A0092B-C50C-407E-A947-70E740481C1C}">
-                  <a14:useLocalDpi xmlns:a14="http://schemas.microsoft.com/office/drawing/2010/main" val="0"/>
-                </a:ext>
-              </a:extLst>
-            </a:blip>
-            <a:stretch>
-              <a:fillRect/>
-            </a:stretch>
-          </p:blipFill>
-          <p:spPr>
-            <a:xfrm>
-              <a:off x="5204194" y="1257200"/>
-              <a:ext cx="2063474" cy="1843543"/>
-            </a:xfrm>
-            <a:prstGeom prst="rect">
-              <a:avLst/>
-            </a:prstGeom>
-          </p:spPr>
-        </p:pic>
-      </p:grpSp>
-      <p:cxnSp>
-        <p:nvCxnSpPr>
-          <p:cNvPr id="38" name="Straight Arrow Connector 37">
-            <a:extLst>
-              <a:ext uri="{FF2B5EF4-FFF2-40B4-BE49-F238E27FC236}">
-                <a16:creationId xmlns:a16="http://schemas.microsoft.com/office/drawing/2014/main" id="{AF1D92B4-524A-45BC-9305-CC760C8B0F07}"/>
-              </a:ext>
-            </a:extLst>
-          </p:cNvPr>
-          <p:cNvCxnSpPr>
-            <a:cxnSpLocks/>
-          </p:cNvCxnSpPr>
-          <p:nvPr/>
-        </p:nvCxnSpPr>
-        <p:spPr>
-          <a:xfrm>
-            <a:off x="2630556" y="1855304"/>
-            <a:ext cx="196269" cy="0"/>
-          </a:xfrm>
-          <a:prstGeom prst="straightConnector1">
-            <a:avLst/>
-          </a:prstGeom>
-          <a:ln>
-            <a:tailEnd type="triangle"/>
-          </a:ln>
+          <a:xfrm rot="10800000">
+            <a:off x="9403306" y="6305265"/>
+            <a:ext cx="3398293" cy="340699"/>
+          </a:xfrm>
+          <a:prstGeom prst="homePlate">
+            <a:avLst/>
+          </a:prstGeom>
         </p:spPr>
         <p:style>
           <a:lnRef idx="1">
-            <a:schemeClr val="accent1"/>
-          </a:lnRef>
-          <a:fillRef idx="0">
-            <a:schemeClr val="accent1"/>
-          </a:fillRef>
-          <a:effectRef idx="0">
-            <a:schemeClr val="accent1"/>
-          </a:effectRef>
-          <a:fontRef idx="minor">
-            <a:schemeClr val="tx1"/>
-          </a:fontRef>
-        </p:style>
-      </p:cxnSp>
-      <p:cxnSp>
-        <p:nvCxnSpPr>
-          <p:cNvPr id="40" name="Connector: Elbow 39">
-            <a:extLst>
-              <a:ext uri="{FF2B5EF4-FFF2-40B4-BE49-F238E27FC236}">
-                <a16:creationId xmlns:a16="http://schemas.microsoft.com/office/drawing/2014/main" id="{1188FC98-0D69-485E-8DF4-CEADC20A866B}"/>
-              </a:ext>
-            </a:extLst>
-          </p:cNvPr>
-          <p:cNvCxnSpPr>
-            <a:stCxn id="32" idx="3"/>
-            <a:endCxn id="21" idx="3"/>
-          </p:cNvCxnSpPr>
-          <p:nvPr/>
-        </p:nvCxnSpPr>
-        <p:spPr>
-          <a:xfrm flipH="1">
-            <a:off x="8457151" y="2179154"/>
-            <a:ext cx="453684" cy="2383523"/>
-          </a:xfrm>
-          <a:prstGeom prst="bentConnector3">
-            <a:avLst>
-              <a:gd name="adj1" fmla="val -50387"/>
-            </a:avLst>
-          </a:prstGeom>
-          <a:ln>
-            <a:tailEnd type="triangle"/>
-          </a:ln>
-        </p:spPr>
-        <p:style>
-          <a:lnRef idx="1">
-            <a:schemeClr val="accent1"/>
-          </a:lnRef>
-          <a:fillRef idx="0">
-            <a:schemeClr val="accent1"/>
-          </a:fillRef>
-          <a:effectRef idx="0">
-            <a:schemeClr val="accent1"/>
-          </a:effectRef>
-          <a:fontRef idx="minor">
-            <a:schemeClr val="tx1"/>
-          </a:fontRef>
-        </p:style>
-      </p:cxnSp>
-      <p:pic>
-        <p:nvPicPr>
-          <p:cNvPr id="43" name="Picture 42">
-            <a:extLst>
-              <a:ext uri="{FF2B5EF4-FFF2-40B4-BE49-F238E27FC236}">
-                <a16:creationId xmlns:a16="http://schemas.microsoft.com/office/drawing/2014/main" id="{0E309F93-343D-4C9E-AAA6-899DA606ADF4}"/>
-              </a:ext>
-            </a:extLst>
-          </p:cNvPr>
-          <p:cNvPicPr>
-            <a:picLocks noChangeAspect="1"/>
-          </p:cNvPicPr>
-          <p:nvPr/>
-        </p:nvPicPr>
-        <p:blipFill>
-          <a:blip r:embed="rId7">
-            <a:extLst>
-              <a:ext uri="{28A0092B-C50C-407E-A947-70E740481C1C}">
-                <a14:useLocalDpi xmlns:a14="http://schemas.microsoft.com/office/drawing/2010/main" val="0"/>
-              </a:ext>
-            </a:extLst>
-          </a:blip>
-          <a:stretch>
-            <a:fillRect/>
-          </a:stretch>
-        </p:blipFill>
-        <p:spPr>
-          <a:xfrm>
-            <a:off x="611150" y="3175130"/>
-            <a:ext cx="3321952" cy="2775095"/>
-          </a:xfrm>
-          <a:prstGeom prst="rect">
-            <a:avLst/>
-          </a:prstGeom>
-        </p:spPr>
-      </p:pic>
-      <p:cxnSp>
-        <p:nvCxnSpPr>
-          <p:cNvPr id="45" name="Straight Arrow Connector 44">
-            <a:extLst>
-              <a:ext uri="{FF2B5EF4-FFF2-40B4-BE49-F238E27FC236}">
-                <a16:creationId xmlns:a16="http://schemas.microsoft.com/office/drawing/2014/main" id="{9788C61D-4DCC-4CC7-819B-01E3A0AAD311}"/>
-              </a:ext>
-            </a:extLst>
-          </p:cNvPr>
-          <p:cNvCxnSpPr>
-            <a:stCxn id="21" idx="1"/>
-            <a:endCxn id="43" idx="3"/>
-          </p:cNvCxnSpPr>
-          <p:nvPr/>
-        </p:nvCxnSpPr>
-        <p:spPr>
-          <a:xfrm flipH="1">
-            <a:off x="3933102" y="4562677"/>
-            <a:ext cx="646483" cy="1"/>
-          </a:xfrm>
-          <a:prstGeom prst="straightConnector1">
-            <a:avLst/>
-          </a:prstGeom>
-          <a:ln>
-            <a:tailEnd type="triangle"/>
-          </a:ln>
-        </p:spPr>
-        <p:style>
-          <a:lnRef idx="1">
-            <a:schemeClr val="accent1"/>
-          </a:lnRef>
-          <a:fillRef idx="0">
-            <a:schemeClr val="accent1"/>
-          </a:fillRef>
-          <a:effectRef idx="0">
-            <a:schemeClr val="accent1"/>
-          </a:effectRef>
-          <a:fontRef idx="minor">
-            <a:schemeClr val="tx1"/>
-          </a:fontRef>
-        </p:style>
-      </p:cxnSp>
-      <p:pic>
-        <p:nvPicPr>
-          <p:cNvPr id="48" name="Picture 47">
-            <a:extLst>
-              <a:ext uri="{FF2B5EF4-FFF2-40B4-BE49-F238E27FC236}">
-                <a16:creationId xmlns:a16="http://schemas.microsoft.com/office/drawing/2014/main" id="{1947F9C2-6B24-44F5-B1F1-86CE05998B4E}"/>
-              </a:ext>
-            </a:extLst>
-          </p:cNvPr>
-          <p:cNvPicPr>
-            <a:picLocks noChangeAspect="1"/>
-          </p:cNvPicPr>
-          <p:nvPr/>
-        </p:nvPicPr>
-        <p:blipFill>
-          <a:blip r:embed="rId8">
-            <a:extLst>
-              <a:ext uri="{28A0092B-C50C-407E-A947-70E740481C1C}">
-                <a14:useLocalDpi xmlns:a14="http://schemas.microsoft.com/office/drawing/2010/main" val="0"/>
-              </a:ext>
-            </a:extLst>
-          </a:blip>
-          <a:stretch>
-            <a:fillRect/>
-          </a:stretch>
-        </p:blipFill>
-        <p:spPr>
-          <a:xfrm>
-            <a:off x="10289438" y="328000"/>
-            <a:ext cx="1253414" cy="1215811"/>
-          </a:xfrm>
-          <a:prstGeom prst="rect">
-            <a:avLst/>
-          </a:prstGeom>
-        </p:spPr>
-      </p:pic>
-      <p:pic>
-        <p:nvPicPr>
-          <p:cNvPr id="11" name="Picture 10">
-            <a:extLst>
-              <a:ext uri="{FF2B5EF4-FFF2-40B4-BE49-F238E27FC236}">
-                <a16:creationId xmlns:a16="http://schemas.microsoft.com/office/drawing/2014/main" id="{D20F6923-DA44-4074-9552-0AEADA2F3C81}"/>
-              </a:ext>
-            </a:extLst>
-          </p:cNvPr>
-          <p:cNvPicPr>
-            <a:picLocks noChangeAspect="1"/>
-          </p:cNvPicPr>
-          <p:nvPr/>
-        </p:nvPicPr>
-        <p:blipFill>
-          <a:blip r:embed="rId9">
-            <a:extLst>
-              <a:ext uri="{28A0092B-C50C-407E-A947-70E740481C1C}">
-                <a14:useLocalDpi xmlns:a14="http://schemas.microsoft.com/office/drawing/2010/main" val="0"/>
-              </a:ext>
-            </a:extLst>
-          </a:blip>
-          <a:stretch>
-            <a:fillRect/>
-          </a:stretch>
-        </p:blipFill>
-        <p:spPr>
-          <a:xfrm>
-            <a:off x="9230697" y="2159666"/>
-            <a:ext cx="2782673" cy="4370334"/>
-          </a:xfrm>
-          <a:prstGeom prst="rect">
-            <a:avLst/>
-          </a:prstGeom>
-        </p:spPr>
-      </p:pic>
-    </p:spTree>
-    <p:extLst>
-      <p:ext uri="{BB962C8B-B14F-4D97-AF65-F5344CB8AC3E}">
-        <p14:creationId xmlns:p14="http://schemas.microsoft.com/office/powerpoint/2010/main" val="445245892"/>
-      </p:ext>
-    </p:extLst>
-  </p:cSld>
-  <p:clrMapOvr>
-    <a:masterClrMapping/>
-  </p:clrMapOvr>
-</p:sld>
-</file>
-
-<file path=ppt/slides/slide11.xml><?xml version="1.0" encoding="utf-8"?>
-<p:sld xmlns:a="http://schemas.openxmlformats.org/drawingml/2006/main" xmlns:r="http://schemas.openxmlformats.org/officeDocument/2006/relationships" xmlns:p="http://schemas.openxmlformats.org/presentationml/2006/main">
-  <p:cSld>
-    <p:spTree>
-      <p:nvGrpSpPr>
-        <p:cNvPr id="1" name=""/>
-        <p:cNvGrpSpPr/>
-        <p:nvPr/>
-      </p:nvGrpSpPr>
-      <p:grpSpPr>
-        <a:xfrm>
-          <a:off x="0" y="0"/>
-          <a:ext cx="0" cy="0"/>
-          <a:chOff x="0" y="0"/>
-          <a:chExt cx="0" cy="0"/>
-        </a:xfrm>
-      </p:grpSpPr>
-      <p:sp>
-        <p:nvSpPr>
-          <p:cNvPr id="3" name="Arrow: Curved Left 2">
-            <a:extLst>
-              <a:ext uri="{FF2B5EF4-FFF2-40B4-BE49-F238E27FC236}">
-                <a16:creationId xmlns:a16="http://schemas.microsoft.com/office/drawing/2014/main" id="{53B6485E-7D22-426F-9178-E86B34A4E1F6}"/>
-              </a:ext>
-            </a:extLst>
-          </p:cNvPr>
-          <p:cNvSpPr/>
-          <p:nvPr/>
-        </p:nvSpPr>
-        <p:spPr>
-          <a:xfrm rot="9248176">
-            <a:off x="9497342" y="-1291775"/>
-            <a:ext cx="4003129" cy="3239550"/>
-          </a:xfrm>
-          <a:prstGeom prst="curvedLeftArrow">
-            <a:avLst/>
-          </a:prstGeom>
-          <a:solidFill>
-            <a:schemeClr val="accent4"/>
-          </a:solidFill>
-          <a:ln>
-            <a:noFill/>
-          </a:ln>
-        </p:spPr>
-        <p:style>
-          <a:lnRef idx="0">
-            <a:scrgbClr r="0" g="0" b="0"/>
-          </a:lnRef>
-          <a:fillRef idx="0">
-            <a:scrgbClr r="0" g="0" b="0"/>
-          </a:fillRef>
-          <a:effectRef idx="0">
-            <a:scrgbClr r="0" g="0" b="0"/>
-          </a:effectRef>
-          <a:fontRef idx="minor">
-            <a:schemeClr val="lt1"/>
-          </a:fontRef>
-        </p:style>
-        <p:txBody>
-          <a:bodyPr rtlCol="0" anchor="ctr"/>
-          <a:lstStyle/>
-          <a:p>
-            <a:pPr algn="ctr"/>
-            <a:endParaRPr lang="en-US">
-              <a:solidFill>
-                <a:schemeClr val="tx1"/>
-              </a:solidFill>
-            </a:endParaRPr>
-          </a:p>
-        </p:txBody>
-      </p:sp>
-      <p:sp>
-        <p:nvSpPr>
-          <p:cNvPr id="4" name="L-Shape 3">
-            <a:extLst>
-              <a:ext uri="{FF2B5EF4-FFF2-40B4-BE49-F238E27FC236}">
-                <a16:creationId xmlns:a16="http://schemas.microsoft.com/office/drawing/2014/main" id="{7AE73EFB-B90B-4355-8A59-A84EC123FBC0}"/>
-              </a:ext>
-            </a:extLst>
-          </p:cNvPr>
-          <p:cNvSpPr/>
-          <p:nvPr/>
-        </p:nvSpPr>
-        <p:spPr>
-          <a:xfrm>
-            <a:off x="-304800" y="6162260"/>
-            <a:ext cx="5870713" cy="543339"/>
-          </a:xfrm>
-          <a:prstGeom prst="corner">
-            <a:avLst/>
-          </a:prstGeom>
-          <a:gradFill flip="none" rotWithShape="1">
-            <a:gsLst>
-              <a:gs pos="0">
-                <a:schemeClr val="accent5">
-                  <a:lumMod val="67000"/>
-                </a:schemeClr>
-              </a:gs>
-              <a:gs pos="48000">
-                <a:schemeClr val="accent5">
-                  <a:lumMod val="97000"/>
-                  <a:lumOff val="3000"/>
-                </a:schemeClr>
-              </a:gs>
-              <a:gs pos="100000">
-                <a:schemeClr val="accent5">
-                  <a:lumMod val="60000"/>
-                  <a:lumOff val="40000"/>
-                </a:schemeClr>
-              </a:gs>
-            </a:gsLst>
-            <a:lin ang="16200000" scaled="1"/>
-            <a:tileRect/>
-          </a:gradFill>
-          <a:ln>
-            <a:noFill/>
-          </a:ln>
-        </p:spPr>
-        <p:style>
-          <a:lnRef idx="0">
-            <a:scrgbClr r="0" g="0" b="0"/>
-          </a:lnRef>
-          <a:fillRef idx="0">
-            <a:scrgbClr r="0" g="0" b="0"/>
-          </a:fillRef>
-          <a:effectRef idx="0">
-            <a:scrgbClr r="0" g="0" b="0"/>
-          </a:effectRef>
-          <a:fontRef idx="minor">
-            <a:schemeClr val="lt1"/>
-          </a:fontRef>
-        </p:style>
-        <p:txBody>
-          <a:bodyPr rtlCol="0" anchor="ctr"/>
-          <a:lstStyle/>
-          <a:p>
-            <a:pPr algn="ctr"/>
-            <a:endParaRPr lang="en-US"/>
-          </a:p>
-        </p:txBody>
-      </p:sp>
-      <p:sp>
-        <p:nvSpPr>
-          <p:cNvPr id="5" name="Rectangle: Rounded Corners 4">
-            <a:extLst>
-              <a:ext uri="{FF2B5EF4-FFF2-40B4-BE49-F238E27FC236}">
-                <a16:creationId xmlns:a16="http://schemas.microsoft.com/office/drawing/2014/main" id="{21EEA19F-FD1E-4E7F-B65A-A1506E03E1F5}"/>
-              </a:ext>
-            </a:extLst>
-          </p:cNvPr>
-          <p:cNvSpPr/>
-          <p:nvPr/>
-        </p:nvSpPr>
-        <p:spPr>
-          <a:xfrm>
-            <a:off x="-106015" y="6241772"/>
-            <a:ext cx="5870712" cy="251792"/>
-          </a:xfrm>
-          <a:prstGeom prst="roundRect">
-            <a:avLst/>
-          </a:prstGeom>
-        </p:spPr>
-        <p:style>
-          <a:lnRef idx="0">
             <a:schemeClr val="accent4"/>
           </a:lnRef>
           <a:fillRef idx="3">
             <a:schemeClr val="accent4"/>
           </a:fillRef>
-          <a:effectRef idx="3">
+          <a:effectRef idx="2">
             <a:schemeClr val="accent4"/>
           </a:effectRef>
           <a:fontRef idx="minor">
@@ -4700,10 +4061,10 @@
       </p:sp>
       <p:sp>
         <p:nvSpPr>
-          <p:cNvPr id="14" name="Rectangle 13">
-            <a:extLst>
-              <a:ext uri="{FF2B5EF4-FFF2-40B4-BE49-F238E27FC236}">
-                <a16:creationId xmlns:a16="http://schemas.microsoft.com/office/drawing/2014/main" id="{5B0058D2-BD0B-4453-91A6-04DB7F8FA60B}"/>
+          <p:cNvPr id="40" name="Arrow: Pentagon 39">
+            <a:extLst>
+              <a:ext uri="{FF2B5EF4-FFF2-40B4-BE49-F238E27FC236}">
+                <a16:creationId xmlns:a16="http://schemas.microsoft.com/office/drawing/2014/main" id="{E2B6A269-55CB-4829-BA94-40EFB6DD6A1A}"/>
               </a:ext>
             </a:extLst>
           </p:cNvPr>
@@ -4711,3427 +4072,11 @@
           <p:nvPr/>
         </p:nvSpPr>
         <p:spPr>
-          <a:xfrm>
-            <a:off x="0" y="405760"/>
-            <a:ext cx="7342496" cy="397565"/>
-          </a:xfrm>
-          <a:prstGeom prst="rect">
-            <a:avLst/>
-          </a:prstGeom>
-          <a:gradFill flip="none" rotWithShape="1">
-            <a:gsLst>
-              <a:gs pos="0">
-                <a:schemeClr val="accent5">
-                  <a:lumMod val="67000"/>
-                </a:schemeClr>
-              </a:gs>
-              <a:gs pos="48000">
-                <a:schemeClr val="accent5">
-                  <a:lumMod val="97000"/>
-                  <a:lumOff val="3000"/>
-                </a:schemeClr>
-              </a:gs>
-              <a:gs pos="100000">
-                <a:schemeClr val="accent5">
-                  <a:lumMod val="60000"/>
-                  <a:lumOff val="40000"/>
-                </a:schemeClr>
-              </a:gs>
-            </a:gsLst>
-            <a:lin ang="16200000" scaled="1"/>
-            <a:tileRect/>
-          </a:gradFill>
-          <a:ln>
-            <a:noFill/>
-          </a:ln>
-        </p:spPr>
-        <p:style>
-          <a:lnRef idx="0">
-            <a:scrgbClr r="0" g="0" b="0"/>
-          </a:lnRef>
-          <a:fillRef idx="0">
-            <a:scrgbClr r="0" g="0" b="0"/>
-          </a:fillRef>
-          <a:effectRef idx="0">
-            <a:scrgbClr r="0" g="0" b="0"/>
-          </a:effectRef>
-          <a:fontRef idx="minor">
-            <a:schemeClr val="lt1"/>
-          </a:fontRef>
-        </p:style>
-        <p:txBody>
-          <a:bodyPr rtlCol="0" anchor="ctr"/>
-          <a:lstStyle/>
-          <a:p>
-            <a:pPr algn="ctr"/>
-            <a:endParaRPr lang="en-US"/>
-          </a:p>
-        </p:txBody>
-      </p:sp>
-      <p:sp>
-        <p:nvSpPr>
-          <p:cNvPr id="15" name="TextBox 14">
-            <a:extLst>
-              <a:ext uri="{FF2B5EF4-FFF2-40B4-BE49-F238E27FC236}">
-                <a16:creationId xmlns:a16="http://schemas.microsoft.com/office/drawing/2014/main" id="{0696D02C-5416-4FA0-BC7E-3BB1CB4F9EB3}"/>
-              </a:ext>
-            </a:extLst>
-          </p:cNvPr>
-          <p:cNvSpPr txBox="1"/>
-          <p:nvPr/>
-        </p:nvSpPr>
-        <p:spPr>
-          <a:xfrm>
-            <a:off x="218365" y="354129"/>
-            <a:ext cx="3397533" cy="461665"/>
-          </a:xfrm>
-          <a:prstGeom prst="rect">
-            <a:avLst/>
-          </a:prstGeom>
-          <a:noFill/>
-        </p:spPr>
-        <p:txBody>
-          <a:bodyPr wrap="none" rtlCol="0">
-            <a:spAutoFit/>
-          </a:bodyPr>
-          <a:lstStyle/>
-          <a:p>
-            <a:r>
-              <a:rPr lang="en-US" sz="2400" dirty="0">
-                <a:latin typeface="Rockwell" panose="02060603020205020403" pitchFamily="18" charset="0"/>
-              </a:rPr>
-              <a:t>Hasil Dan </a:t>
-            </a:r>
-            <a:r>
-              <a:rPr lang="en-US" sz="2400" dirty="0" err="1">
-                <a:latin typeface="Rockwell" panose="02060603020205020403" pitchFamily="18" charset="0"/>
-              </a:rPr>
-              <a:t>Pembahasan</a:t>
-            </a:r>
-            <a:endParaRPr lang="en-US" sz="2400" dirty="0">
-              <a:latin typeface="Rockwell" panose="02060603020205020403" pitchFamily="18" charset="0"/>
-            </a:endParaRPr>
-          </a:p>
-        </p:txBody>
-      </p:sp>
-      <p:sp>
-        <p:nvSpPr>
-          <p:cNvPr id="16" name="TextBox 15">
-            <a:extLst>
-              <a:ext uri="{FF2B5EF4-FFF2-40B4-BE49-F238E27FC236}">
-                <a16:creationId xmlns:a16="http://schemas.microsoft.com/office/drawing/2014/main" id="{3C9D4102-9A2C-476C-B666-22CCB662B582}"/>
-              </a:ext>
-            </a:extLst>
-          </p:cNvPr>
-          <p:cNvSpPr txBox="1"/>
-          <p:nvPr/>
-        </p:nvSpPr>
-        <p:spPr>
-          <a:xfrm>
-            <a:off x="193076" y="6162260"/>
-            <a:ext cx="3719964" cy="369332"/>
-          </a:xfrm>
-          <a:prstGeom prst="rect">
-            <a:avLst/>
-          </a:prstGeom>
-          <a:noFill/>
-        </p:spPr>
-        <p:txBody>
-          <a:bodyPr wrap="square">
-            <a:spAutoFit/>
-          </a:bodyPr>
-          <a:lstStyle/>
-          <a:p>
-            <a:pPr marL="0" marR="0" algn="ctr">
-              <a:spcBef>
-                <a:spcPts val="0"/>
-              </a:spcBef>
-              <a:spcAft>
-                <a:spcPts val="0"/>
-              </a:spcAft>
-            </a:pPr>
-            <a:r>
-              <a:rPr lang="en-US" b="1" dirty="0">
-                <a:latin typeface="Times New Roman" panose="02020603050405020304" pitchFamily="18" charset="0"/>
-                <a:ea typeface="Calibri" panose="020F0502020204030204" pitchFamily="34" charset="0"/>
-                <a:cs typeface="Times New Roman" panose="02020603050405020304" pitchFamily="18" charset="0"/>
-              </a:rPr>
-              <a:t>UNIVERSITAS PAMULANG 2021</a:t>
-            </a:r>
-            <a:endParaRPr lang="en-US" dirty="0">
-              <a:effectLst/>
-              <a:latin typeface="Times New Roman" panose="02020603050405020304" pitchFamily="18" charset="0"/>
-              <a:ea typeface="Calibri" panose="020F0502020204030204" pitchFamily="34" charset="0"/>
-              <a:cs typeface="Times New Roman" panose="02020603050405020304" pitchFamily="18" charset="0"/>
-            </a:endParaRPr>
-          </a:p>
-        </p:txBody>
-      </p:sp>
-      <p:sp>
-        <p:nvSpPr>
-          <p:cNvPr id="17" name="TextBox 16">
-            <a:extLst>
-              <a:ext uri="{FF2B5EF4-FFF2-40B4-BE49-F238E27FC236}">
-                <a16:creationId xmlns:a16="http://schemas.microsoft.com/office/drawing/2014/main" id="{E75C81E9-E595-4752-BF38-FEB5C9847211}"/>
-              </a:ext>
-            </a:extLst>
-          </p:cNvPr>
-          <p:cNvSpPr txBox="1"/>
-          <p:nvPr/>
-        </p:nvSpPr>
-        <p:spPr>
-          <a:xfrm>
-            <a:off x="649148" y="1302656"/>
-            <a:ext cx="1240596" cy="369332"/>
-          </a:xfrm>
-          <a:prstGeom prst="rect">
-            <a:avLst/>
-          </a:prstGeom>
-          <a:noFill/>
-        </p:spPr>
-        <p:txBody>
-          <a:bodyPr wrap="none" rtlCol="0">
-            <a:spAutoFit/>
-          </a:bodyPr>
-          <a:lstStyle/>
-          <a:p>
-            <a:r>
-              <a:rPr lang="en-US" dirty="0" err="1">
-                <a:ln w="0"/>
-                <a:effectLst>
-                  <a:outerShdw blurRad="38100" dist="19050" dir="2700000" algn="tl" rotWithShape="0">
-                    <a:schemeClr val="dk1">
-                      <a:alpha val="40000"/>
-                    </a:schemeClr>
-                  </a:outerShdw>
-                </a:effectLst>
-                <a:latin typeface="Rockwell" panose="02060603020205020403" pitchFamily="18" charset="0"/>
-              </a:rPr>
-              <a:t>Pengujian</a:t>
-            </a:r>
-            <a:endParaRPr lang="en-US" dirty="0">
-              <a:latin typeface="Rockwell" panose="02060603020205020403" pitchFamily="18" charset="0"/>
-            </a:endParaRPr>
-          </a:p>
-        </p:txBody>
-      </p:sp>
-      <p:pic>
-        <p:nvPicPr>
-          <p:cNvPr id="7" name="Picture 6">
-            <a:extLst>
-              <a:ext uri="{FF2B5EF4-FFF2-40B4-BE49-F238E27FC236}">
-                <a16:creationId xmlns:a16="http://schemas.microsoft.com/office/drawing/2014/main" id="{24D4EDA3-3905-476B-AA12-3E244405E3ED}"/>
-              </a:ext>
-            </a:extLst>
-          </p:cNvPr>
-          <p:cNvPicPr>
-            <a:picLocks noChangeAspect="1"/>
-          </p:cNvPicPr>
-          <p:nvPr/>
-        </p:nvPicPr>
-        <p:blipFill>
-          <a:blip r:embed="rId2">
-            <a:extLst>
-              <a:ext uri="{28A0092B-C50C-407E-A947-70E740481C1C}">
-                <a14:useLocalDpi xmlns:a14="http://schemas.microsoft.com/office/drawing/2010/main" val="0"/>
-              </a:ext>
-            </a:extLst>
-          </a:blip>
-          <a:stretch>
-            <a:fillRect/>
-          </a:stretch>
-        </p:blipFill>
-        <p:spPr>
-          <a:xfrm>
-            <a:off x="498256" y="1751500"/>
-            <a:ext cx="3117642" cy="1750387"/>
-          </a:xfrm>
-          <a:prstGeom prst="rect">
-            <a:avLst/>
-          </a:prstGeom>
-        </p:spPr>
-      </p:pic>
-      <p:pic>
-        <p:nvPicPr>
-          <p:cNvPr id="9" name="Picture 8">
-            <a:extLst>
-              <a:ext uri="{FF2B5EF4-FFF2-40B4-BE49-F238E27FC236}">
-                <a16:creationId xmlns:a16="http://schemas.microsoft.com/office/drawing/2014/main" id="{04945A32-86BA-4A59-AB63-44BF30A2EBCD}"/>
-              </a:ext>
-            </a:extLst>
-          </p:cNvPr>
-          <p:cNvPicPr>
-            <a:picLocks noChangeAspect="1"/>
-          </p:cNvPicPr>
-          <p:nvPr/>
-        </p:nvPicPr>
-        <p:blipFill>
-          <a:blip r:embed="rId3">
-            <a:extLst>
-              <a:ext uri="{28A0092B-C50C-407E-A947-70E740481C1C}">
-                <a14:useLocalDpi xmlns:a14="http://schemas.microsoft.com/office/drawing/2010/main" val="0"/>
-              </a:ext>
-            </a:extLst>
-          </a:blip>
-          <a:stretch>
-            <a:fillRect/>
-          </a:stretch>
-        </p:blipFill>
-        <p:spPr>
-          <a:xfrm>
-            <a:off x="3778695" y="1515989"/>
-            <a:ext cx="3972003" cy="2739312"/>
-          </a:xfrm>
-          <a:prstGeom prst="rect">
-            <a:avLst/>
-          </a:prstGeom>
-        </p:spPr>
-      </p:pic>
-      <p:sp>
-        <p:nvSpPr>
-          <p:cNvPr id="18" name="TextBox 17">
-            <a:extLst>
-              <a:ext uri="{FF2B5EF4-FFF2-40B4-BE49-F238E27FC236}">
-                <a16:creationId xmlns:a16="http://schemas.microsoft.com/office/drawing/2014/main" id="{549E31FE-B397-4275-BDE0-7FA7BE570344}"/>
-              </a:ext>
-            </a:extLst>
-          </p:cNvPr>
-          <p:cNvSpPr txBox="1"/>
-          <p:nvPr/>
-        </p:nvSpPr>
-        <p:spPr>
-          <a:xfrm>
-            <a:off x="4597987" y="4204509"/>
-            <a:ext cx="1935851" cy="369332"/>
-          </a:xfrm>
-          <a:prstGeom prst="rect">
-            <a:avLst/>
-          </a:prstGeom>
-          <a:noFill/>
-        </p:spPr>
-        <p:txBody>
-          <a:bodyPr wrap="none" rtlCol="0">
-            <a:spAutoFit/>
-          </a:bodyPr>
-          <a:lstStyle/>
-          <a:p>
-            <a:r>
-              <a:rPr lang="en-US" dirty="0" err="1">
-                <a:ln w="0"/>
-                <a:effectLst>
-                  <a:outerShdw blurRad="38100" dist="19050" dir="2700000" algn="tl" rotWithShape="0">
-                    <a:schemeClr val="dk1">
-                      <a:alpha val="40000"/>
-                    </a:schemeClr>
-                  </a:outerShdw>
-                </a:effectLst>
-              </a:rPr>
-              <a:t>Pengujian</a:t>
-            </a:r>
-            <a:r>
-              <a:rPr lang="en-US" dirty="0">
-                <a:ln w="0"/>
-                <a:effectLst>
-                  <a:outerShdw blurRad="38100" dist="19050" dir="2700000" algn="tl" rotWithShape="0">
-                    <a:schemeClr val="dk1">
-                      <a:alpha val="40000"/>
-                    </a:schemeClr>
-                  </a:outerShdw>
-                </a:effectLst>
-              </a:rPr>
-              <a:t> </a:t>
-            </a:r>
-            <a:r>
-              <a:rPr lang="en-US" dirty="0" err="1">
-                <a:ln w="0"/>
-                <a:effectLst>
-                  <a:outerShdw blurRad="38100" dist="19050" dir="2700000" algn="tl" rotWithShape="0">
-                    <a:schemeClr val="dk1">
-                      <a:alpha val="40000"/>
-                    </a:schemeClr>
-                  </a:outerShdw>
-                </a:effectLst>
-              </a:rPr>
-              <a:t>Jaringan</a:t>
-            </a:r>
-            <a:endParaRPr lang="en-US" dirty="0"/>
-          </a:p>
-        </p:txBody>
-      </p:sp>
-      <p:sp>
-        <p:nvSpPr>
-          <p:cNvPr id="20" name="TextBox 19">
-            <a:extLst>
-              <a:ext uri="{FF2B5EF4-FFF2-40B4-BE49-F238E27FC236}">
-                <a16:creationId xmlns:a16="http://schemas.microsoft.com/office/drawing/2014/main" id="{E48192AE-43F5-4665-9D04-2DC44841769E}"/>
-              </a:ext>
-            </a:extLst>
-          </p:cNvPr>
-          <p:cNvSpPr txBox="1"/>
-          <p:nvPr/>
-        </p:nvSpPr>
-        <p:spPr>
-          <a:xfrm>
-            <a:off x="592271" y="3634606"/>
-            <a:ext cx="2562048" cy="276999"/>
-          </a:xfrm>
-          <a:prstGeom prst="rect">
-            <a:avLst/>
-          </a:prstGeom>
-          <a:noFill/>
-        </p:spPr>
-        <p:txBody>
-          <a:bodyPr wrap="none" rtlCol="0">
-            <a:spAutoFit/>
-          </a:bodyPr>
-          <a:lstStyle/>
-          <a:p>
-            <a:r>
-              <a:rPr lang="en-US" sz="1200" dirty="0" err="1">
-                <a:ln w="0"/>
-                <a:effectLst>
-                  <a:outerShdw blurRad="38100" dist="19050" dir="2700000" algn="tl" rotWithShape="0">
-                    <a:schemeClr val="dk1">
-                      <a:alpha val="40000"/>
-                    </a:schemeClr>
-                  </a:outerShdw>
-                </a:effectLst>
-              </a:rPr>
-              <a:t>Pengujian</a:t>
-            </a:r>
-            <a:r>
-              <a:rPr lang="en-US" sz="1200" dirty="0">
-                <a:ln w="0"/>
-                <a:effectLst>
-                  <a:outerShdw blurRad="38100" dist="19050" dir="2700000" algn="tl" rotWithShape="0">
-                    <a:schemeClr val="dk1">
-                      <a:alpha val="40000"/>
-                    </a:schemeClr>
-                  </a:outerShdw>
-                </a:effectLst>
-              </a:rPr>
-              <a:t> </a:t>
-            </a:r>
-            <a:r>
-              <a:rPr lang="en-US" sz="1200" dirty="0" err="1">
-                <a:ln w="0"/>
-                <a:effectLst>
-                  <a:outerShdw blurRad="38100" dist="19050" dir="2700000" algn="tl" rotWithShape="0">
-                    <a:schemeClr val="dk1">
-                      <a:alpha val="40000"/>
-                    </a:schemeClr>
-                  </a:outerShdw>
-                </a:effectLst>
-              </a:rPr>
-              <a:t>modul</a:t>
-            </a:r>
-            <a:r>
-              <a:rPr lang="en-US" sz="1200" dirty="0">
-                <a:ln w="0"/>
-                <a:effectLst>
-                  <a:outerShdw blurRad="38100" dist="19050" dir="2700000" algn="tl" rotWithShape="0">
-                    <a:schemeClr val="dk1">
-                      <a:alpha val="40000"/>
-                    </a:schemeClr>
-                  </a:outerShdw>
-                </a:effectLst>
-              </a:rPr>
-              <a:t> DHT 11 dan Esp8266</a:t>
-            </a:r>
-            <a:endParaRPr lang="en-US" sz="1200" dirty="0"/>
-          </a:p>
-        </p:txBody>
-      </p:sp>
-      <p:pic>
-        <p:nvPicPr>
-          <p:cNvPr id="21" name="Picture 20">
-            <a:extLst>
-              <a:ext uri="{FF2B5EF4-FFF2-40B4-BE49-F238E27FC236}">
-                <a16:creationId xmlns:a16="http://schemas.microsoft.com/office/drawing/2014/main" id="{C381781F-C578-449B-9E28-51E8E90DFDE7}"/>
-              </a:ext>
-            </a:extLst>
-          </p:cNvPr>
-          <p:cNvPicPr>
-            <a:picLocks noChangeAspect="1"/>
-          </p:cNvPicPr>
-          <p:nvPr/>
-        </p:nvPicPr>
-        <p:blipFill>
-          <a:blip r:embed="rId4">
-            <a:extLst>
-              <a:ext uri="{28A0092B-C50C-407E-A947-70E740481C1C}">
-                <a14:useLocalDpi xmlns:a14="http://schemas.microsoft.com/office/drawing/2010/main" val="0"/>
-              </a:ext>
-            </a:extLst>
-          </a:blip>
-          <a:stretch>
-            <a:fillRect/>
-          </a:stretch>
-        </p:blipFill>
-        <p:spPr>
-          <a:xfrm>
-            <a:off x="10289438" y="328000"/>
-            <a:ext cx="1253414" cy="1215811"/>
-          </a:xfrm>
-          <a:prstGeom prst="rect">
-            <a:avLst/>
-          </a:prstGeom>
-        </p:spPr>
-      </p:pic>
-      <p:pic>
-        <p:nvPicPr>
-          <p:cNvPr id="6" name="Picture 5">
-            <a:extLst>
-              <a:ext uri="{FF2B5EF4-FFF2-40B4-BE49-F238E27FC236}">
-                <a16:creationId xmlns:a16="http://schemas.microsoft.com/office/drawing/2014/main" id="{3AB50F21-E4E1-4A7C-81CB-65817FB02BF0}"/>
-              </a:ext>
-            </a:extLst>
-          </p:cNvPr>
-          <p:cNvPicPr>
-            <a:picLocks noChangeAspect="1"/>
-          </p:cNvPicPr>
-          <p:nvPr/>
-        </p:nvPicPr>
-        <p:blipFill>
-          <a:blip r:embed="rId5">
-            <a:extLst>
-              <a:ext uri="{28A0092B-C50C-407E-A947-70E740481C1C}">
-                <a14:useLocalDpi xmlns:a14="http://schemas.microsoft.com/office/drawing/2010/main" val="0"/>
-              </a:ext>
-            </a:extLst>
-          </a:blip>
-          <a:stretch>
-            <a:fillRect/>
-          </a:stretch>
-        </p:blipFill>
-        <p:spPr>
-          <a:xfrm>
-            <a:off x="7913495" y="2220548"/>
-            <a:ext cx="3943046" cy="1414058"/>
-          </a:xfrm>
-          <a:prstGeom prst="rect">
-            <a:avLst/>
-          </a:prstGeom>
-        </p:spPr>
-      </p:pic>
-      <p:sp>
-        <p:nvSpPr>
-          <p:cNvPr id="19" name="TextBox 18">
-            <a:extLst>
-              <a:ext uri="{FF2B5EF4-FFF2-40B4-BE49-F238E27FC236}">
-                <a16:creationId xmlns:a16="http://schemas.microsoft.com/office/drawing/2014/main" id="{8FB04EBC-CF6A-426B-BEE2-897D7DE4EEF0}"/>
-              </a:ext>
-            </a:extLst>
-          </p:cNvPr>
-          <p:cNvSpPr txBox="1"/>
-          <p:nvPr/>
-        </p:nvSpPr>
-        <p:spPr>
-          <a:xfrm>
-            <a:off x="8412595" y="3585540"/>
-            <a:ext cx="2944845" cy="369332"/>
-          </a:xfrm>
-          <a:prstGeom prst="rect">
-            <a:avLst/>
-          </a:prstGeom>
-          <a:noFill/>
-        </p:spPr>
-        <p:txBody>
-          <a:bodyPr wrap="none" rtlCol="0">
-            <a:spAutoFit/>
-          </a:bodyPr>
-          <a:lstStyle/>
-          <a:p>
-            <a:r>
-              <a:rPr lang="en-US" dirty="0" err="1">
-                <a:ln w="0"/>
-                <a:effectLst>
-                  <a:outerShdw blurRad="38100" dist="19050" dir="2700000" algn="tl" rotWithShape="0">
-                    <a:schemeClr val="dk1">
-                      <a:alpha val="40000"/>
-                    </a:schemeClr>
-                  </a:outerShdw>
-                </a:effectLst>
-              </a:rPr>
-              <a:t>Pengujian</a:t>
-            </a:r>
-            <a:r>
-              <a:rPr lang="en-US" dirty="0">
-                <a:ln w="0"/>
-                <a:effectLst>
-                  <a:outerShdw blurRad="38100" dist="19050" dir="2700000" algn="tl" rotWithShape="0">
-                    <a:schemeClr val="dk1">
-                      <a:alpha val="40000"/>
-                    </a:schemeClr>
-                  </a:outerShdw>
-                </a:effectLst>
-              </a:rPr>
-              <a:t> </a:t>
-            </a:r>
-            <a:r>
-              <a:rPr lang="en-US" dirty="0" err="1">
-                <a:ln w="0"/>
-                <a:effectLst>
-                  <a:outerShdw blurRad="38100" dist="19050" dir="2700000" algn="tl" rotWithShape="0">
-                    <a:schemeClr val="dk1">
-                      <a:alpha val="40000"/>
-                    </a:schemeClr>
-                  </a:outerShdw>
-                </a:effectLst>
-              </a:rPr>
-              <a:t>Notifikasi</a:t>
-            </a:r>
-            <a:r>
-              <a:rPr lang="en-US" dirty="0">
-                <a:ln w="0"/>
-                <a:effectLst>
-                  <a:outerShdw blurRad="38100" dist="19050" dir="2700000" algn="tl" rotWithShape="0">
-                    <a:schemeClr val="dk1">
-                      <a:alpha val="40000"/>
-                    </a:schemeClr>
-                  </a:outerShdw>
-                </a:effectLst>
-              </a:rPr>
-              <a:t> Telegram</a:t>
-            </a:r>
-            <a:endParaRPr lang="en-US" dirty="0"/>
-          </a:p>
-        </p:txBody>
-      </p:sp>
-    </p:spTree>
-    <p:extLst>
-      <p:ext uri="{BB962C8B-B14F-4D97-AF65-F5344CB8AC3E}">
-        <p14:creationId xmlns:p14="http://schemas.microsoft.com/office/powerpoint/2010/main" val="1325206694"/>
-      </p:ext>
-    </p:extLst>
-  </p:cSld>
-  <p:clrMapOvr>
-    <a:masterClrMapping/>
-  </p:clrMapOvr>
-</p:sld>
-</file>
-
-<file path=ppt/slides/slide12.xml><?xml version="1.0" encoding="utf-8"?>
-<p:sld xmlns:a="http://schemas.openxmlformats.org/drawingml/2006/main" xmlns:r="http://schemas.openxmlformats.org/officeDocument/2006/relationships" xmlns:p="http://schemas.openxmlformats.org/presentationml/2006/main">
-  <p:cSld>
-    <p:spTree>
-      <p:nvGrpSpPr>
-        <p:cNvPr id="1" name=""/>
-        <p:cNvGrpSpPr/>
-        <p:nvPr/>
-      </p:nvGrpSpPr>
-      <p:grpSpPr>
-        <a:xfrm>
-          <a:off x="0" y="0"/>
-          <a:ext cx="0" cy="0"/>
-          <a:chOff x="0" y="0"/>
-          <a:chExt cx="0" cy="0"/>
-        </a:xfrm>
-      </p:grpSpPr>
-      <p:sp>
-        <p:nvSpPr>
-          <p:cNvPr id="3" name="Arrow: Curved Left 2">
-            <a:extLst>
-              <a:ext uri="{FF2B5EF4-FFF2-40B4-BE49-F238E27FC236}">
-                <a16:creationId xmlns:a16="http://schemas.microsoft.com/office/drawing/2014/main" id="{53B6485E-7D22-426F-9178-E86B34A4E1F6}"/>
-              </a:ext>
-            </a:extLst>
-          </p:cNvPr>
-          <p:cNvSpPr/>
-          <p:nvPr/>
-        </p:nvSpPr>
-        <p:spPr>
-          <a:xfrm rot="9248176">
-            <a:off x="9497342" y="-1291775"/>
-            <a:ext cx="4003129" cy="3239550"/>
-          </a:xfrm>
-          <a:prstGeom prst="curvedLeftArrow">
-            <a:avLst/>
-          </a:prstGeom>
-          <a:solidFill>
-            <a:schemeClr val="accent4"/>
-          </a:solidFill>
-          <a:ln>
-            <a:noFill/>
-          </a:ln>
-        </p:spPr>
-        <p:style>
-          <a:lnRef idx="0">
-            <a:scrgbClr r="0" g="0" b="0"/>
-          </a:lnRef>
-          <a:fillRef idx="0">
-            <a:scrgbClr r="0" g="0" b="0"/>
-          </a:fillRef>
-          <a:effectRef idx="0">
-            <a:scrgbClr r="0" g="0" b="0"/>
-          </a:effectRef>
-          <a:fontRef idx="minor">
-            <a:schemeClr val="lt1"/>
-          </a:fontRef>
-        </p:style>
-        <p:txBody>
-          <a:bodyPr rtlCol="0" anchor="ctr"/>
-          <a:lstStyle/>
-          <a:p>
-            <a:pPr algn="ctr"/>
-            <a:endParaRPr lang="en-US">
-              <a:solidFill>
-                <a:schemeClr val="tx1"/>
-              </a:solidFill>
-            </a:endParaRPr>
-          </a:p>
-        </p:txBody>
-      </p:sp>
-      <p:sp>
-        <p:nvSpPr>
-          <p:cNvPr id="4" name="L-Shape 3">
-            <a:extLst>
-              <a:ext uri="{FF2B5EF4-FFF2-40B4-BE49-F238E27FC236}">
-                <a16:creationId xmlns:a16="http://schemas.microsoft.com/office/drawing/2014/main" id="{7AE73EFB-B90B-4355-8A59-A84EC123FBC0}"/>
-              </a:ext>
-            </a:extLst>
-          </p:cNvPr>
-          <p:cNvSpPr/>
-          <p:nvPr/>
-        </p:nvSpPr>
-        <p:spPr>
-          <a:xfrm>
-            <a:off x="-304800" y="6162260"/>
-            <a:ext cx="5870713" cy="543339"/>
-          </a:xfrm>
-          <a:prstGeom prst="corner">
-            <a:avLst/>
-          </a:prstGeom>
-          <a:gradFill flip="none" rotWithShape="1">
-            <a:gsLst>
-              <a:gs pos="0">
-                <a:schemeClr val="accent5">
-                  <a:lumMod val="67000"/>
-                </a:schemeClr>
-              </a:gs>
-              <a:gs pos="48000">
-                <a:schemeClr val="accent5">
-                  <a:lumMod val="97000"/>
-                  <a:lumOff val="3000"/>
-                </a:schemeClr>
-              </a:gs>
-              <a:gs pos="100000">
-                <a:schemeClr val="accent5">
-                  <a:lumMod val="60000"/>
-                  <a:lumOff val="40000"/>
-                </a:schemeClr>
-              </a:gs>
-            </a:gsLst>
-            <a:lin ang="16200000" scaled="1"/>
-            <a:tileRect/>
-          </a:gradFill>
-          <a:ln>
-            <a:noFill/>
-          </a:ln>
-        </p:spPr>
-        <p:style>
-          <a:lnRef idx="0">
-            <a:scrgbClr r="0" g="0" b="0"/>
-          </a:lnRef>
-          <a:fillRef idx="0">
-            <a:scrgbClr r="0" g="0" b="0"/>
-          </a:fillRef>
-          <a:effectRef idx="0">
-            <a:scrgbClr r="0" g="0" b="0"/>
-          </a:effectRef>
-          <a:fontRef idx="minor">
-            <a:schemeClr val="lt1"/>
-          </a:fontRef>
-        </p:style>
-        <p:txBody>
-          <a:bodyPr rtlCol="0" anchor="ctr"/>
-          <a:lstStyle/>
-          <a:p>
-            <a:pPr algn="ctr"/>
-            <a:endParaRPr lang="en-US"/>
-          </a:p>
-        </p:txBody>
-      </p:sp>
-      <p:sp>
-        <p:nvSpPr>
-          <p:cNvPr id="5" name="Rectangle: Rounded Corners 4">
-            <a:extLst>
-              <a:ext uri="{FF2B5EF4-FFF2-40B4-BE49-F238E27FC236}">
-                <a16:creationId xmlns:a16="http://schemas.microsoft.com/office/drawing/2014/main" id="{21EEA19F-FD1E-4E7F-B65A-A1506E03E1F5}"/>
-              </a:ext>
-            </a:extLst>
-          </p:cNvPr>
-          <p:cNvSpPr/>
-          <p:nvPr/>
-        </p:nvSpPr>
-        <p:spPr>
-          <a:xfrm>
-            <a:off x="-106015" y="6241772"/>
-            <a:ext cx="5870712" cy="251792"/>
-          </a:xfrm>
-          <a:prstGeom prst="roundRect">
-            <a:avLst/>
-          </a:prstGeom>
-        </p:spPr>
-        <p:style>
-          <a:lnRef idx="0">
-            <a:schemeClr val="accent4"/>
-          </a:lnRef>
-          <a:fillRef idx="3">
-            <a:schemeClr val="accent4"/>
-          </a:fillRef>
-          <a:effectRef idx="3">
-            <a:schemeClr val="accent4"/>
-          </a:effectRef>
-          <a:fontRef idx="minor">
-            <a:schemeClr val="lt1"/>
-          </a:fontRef>
-        </p:style>
-        <p:txBody>
-          <a:bodyPr rtlCol="0" anchor="ctr"/>
-          <a:lstStyle/>
-          <a:p>
-            <a:pPr algn="ctr"/>
-            <a:endParaRPr lang="en-US"/>
-          </a:p>
-        </p:txBody>
-      </p:sp>
-      <p:sp>
-        <p:nvSpPr>
-          <p:cNvPr id="12" name="TextBox 11">
-            <a:extLst>
-              <a:ext uri="{FF2B5EF4-FFF2-40B4-BE49-F238E27FC236}">
-                <a16:creationId xmlns:a16="http://schemas.microsoft.com/office/drawing/2014/main" id="{89926E4F-A591-440F-B628-EEE00A33A2DD}"/>
-              </a:ext>
-            </a:extLst>
-          </p:cNvPr>
-          <p:cNvSpPr txBox="1"/>
-          <p:nvPr/>
-        </p:nvSpPr>
-        <p:spPr>
-          <a:xfrm>
-            <a:off x="218365" y="1065236"/>
-            <a:ext cx="1632178" cy="369332"/>
-          </a:xfrm>
-          <a:prstGeom prst="rect">
-            <a:avLst/>
-          </a:prstGeom>
-          <a:noFill/>
-        </p:spPr>
-        <p:txBody>
-          <a:bodyPr wrap="none" rtlCol="0">
-            <a:spAutoFit/>
-          </a:bodyPr>
-          <a:lstStyle/>
-          <a:p>
-            <a:r>
-              <a:rPr lang="en-US" dirty="0" err="1">
-                <a:latin typeface="Rockwell" panose="02060603020205020403" pitchFamily="18" charset="0"/>
-              </a:rPr>
-              <a:t>Implementasi</a:t>
-            </a:r>
-            <a:endParaRPr lang="en-US" dirty="0">
-              <a:latin typeface="Rockwell" panose="02060603020205020403" pitchFamily="18" charset="0"/>
-            </a:endParaRPr>
-          </a:p>
-        </p:txBody>
-      </p:sp>
-      <p:sp>
-        <p:nvSpPr>
-          <p:cNvPr id="13" name="Rectangle 12">
-            <a:extLst>
-              <a:ext uri="{FF2B5EF4-FFF2-40B4-BE49-F238E27FC236}">
-                <a16:creationId xmlns:a16="http://schemas.microsoft.com/office/drawing/2014/main" id="{C6E0281A-1F89-4E65-8CFA-8F360AA1EC0A}"/>
-              </a:ext>
-            </a:extLst>
-          </p:cNvPr>
-          <p:cNvSpPr/>
-          <p:nvPr/>
-        </p:nvSpPr>
-        <p:spPr>
-          <a:xfrm>
-            <a:off x="0" y="405760"/>
-            <a:ext cx="7342496" cy="397565"/>
-          </a:xfrm>
-          <a:prstGeom prst="rect">
-            <a:avLst/>
-          </a:prstGeom>
-          <a:gradFill flip="none" rotWithShape="1">
-            <a:gsLst>
-              <a:gs pos="0">
-                <a:schemeClr val="accent5">
-                  <a:lumMod val="67000"/>
-                </a:schemeClr>
-              </a:gs>
-              <a:gs pos="48000">
-                <a:schemeClr val="accent5">
-                  <a:lumMod val="97000"/>
-                  <a:lumOff val="3000"/>
-                </a:schemeClr>
-              </a:gs>
-              <a:gs pos="100000">
-                <a:schemeClr val="accent5">
-                  <a:lumMod val="60000"/>
-                  <a:lumOff val="40000"/>
-                </a:schemeClr>
-              </a:gs>
-            </a:gsLst>
-            <a:lin ang="16200000" scaled="1"/>
-            <a:tileRect/>
-          </a:gradFill>
-          <a:ln>
-            <a:noFill/>
-          </a:ln>
-        </p:spPr>
-        <p:style>
-          <a:lnRef idx="0">
-            <a:scrgbClr r="0" g="0" b="0"/>
-          </a:lnRef>
-          <a:fillRef idx="0">
-            <a:scrgbClr r="0" g="0" b="0"/>
-          </a:fillRef>
-          <a:effectRef idx="0">
-            <a:scrgbClr r="0" g="0" b="0"/>
-          </a:effectRef>
-          <a:fontRef idx="minor">
-            <a:schemeClr val="lt1"/>
-          </a:fontRef>
-        </p:style>
-        <p:txBody>
-          <a:bodyPr rtlCol="0" anchor="ctr"/>
-          <a:lstStyle/>
-          <a:p>
-            <a:pPr algn="ctr"/>
-            <a:endParaRPr lang="en-US"/>
-          </a:p>
-        </p:txBody>
-      </p:sp>
-      <p:sp>
-        <p:nvSpPr>
-          <p:cNvPr id="14" name="TextBox 13">
-            <a:extLst>
-              <a:ext uri="{FF2B5EF4-FFF2-40B4-BE49-F238E27FC236}">
-                <a16:creationId xmlns:a16="http://schemas.microsoft.com/office/drawing/2014/main" id="{6D3F5726-866F-4D25-B332-7A11C1C8C3E6}"/>
-              </a:ext>
-            </a:extLst>
-          </p:cNvPr>
-          <p:cNvSpPr txBox="1"/>
-          <p:nvPr/>
-        </p:nvSpPr>
-        <p:spPr>
-          <a:xfrm>
-            <a:off x="218365" y="354129"/>
-            <a:ext cx="3397533" cy="461665"/>
-          </a:xfrm>
-          <a:prstGeom prst="rect">
-            <a:avLst/>
-          </a:prstGeom>
-          <a:noFill/>
-        </p:spPr>
-        <p:txBody>
-          <a:bodyPr wrap="none" rtlCol="0">
-            <a:spAutoFit/>
-          </a:bodyPr>
-          <a:lstStyle/>
-          <a:p>
-            <a:r>
-              <a:rPr lang="en-US" sz="2400" dirty="0">
-                <a:latin typeface="Rockwell" panose="02060603020205020403" pitchFamily="18" charset="0"/>
-              </a:rPr>
-              <a:t>Hasil Dan </a:t>
-            </a:r>
-            <a:r>
-              <a:rPr lang="en-US" sz="2400" dirty="0" err="1">
-                <a:latin typeface="Rockwell" panose="02060603020205020403" pitchFamily="18" charset="0"/>
-              </a:rPr>
-              <a:t>Pembahasan</a:t>
-            </a:r>
-            <a:endParaRPr lang="en-US" sz="2400" dirty="0">
-              <a:latin typeface="Rockwell" panose="02060603020205020403" pitchFamily="18" charset="0"/>
-            </a:endParaRPr>
-          </a:p>
-        </p:txBody>
-      </p:sp>
-      <p:pic>
-        <p:nvPicPr>
-          <p:cNvPr id="15" name="Picture 14">
-            <a:extLst>
-              <a:ext uri="{FF2B5EF4-FFF2-40B4-BE49-F238E27FC236}">
-                <a16:creationId xmlns:a16="http://schemas.microsoft.com/office/drawing/2014/main" id="{7CB4FE14-6D16-4174-8116-03FA76A3C203}"/>
-              </a:ext>
-            </a:extLst>
-          </p:cNvPr>
-          <p:cNvPicPr>
-            <a:picLocks noChangeAspect="1"/>
-          </p:cNvPicPr>
-          <p:nvPr/>
-        </p:nvPicPr>
-        <p:blipFill>
-          <a:blip r:embed="rId2">
-            <a:extLst>
-              <a:ext uri="{28A0092B-C50C-407E-A947-70E740481C1C}">
-                <a14:useLocalDpi xmlns:a14="http://schemas.microsoft.com/office/drawing/2010/main" val="0"/>
-              </a:ext>
-            </a:extLst>
-          </a:blip>
-          <a:stretch>
-            <a:fillRect/>
-          </a:stretch>
-        </p:blipFill>
-        <p:spPr>
-          <a:xfrm>
-            <a:off x="400240" y="1543811"/>
-            <a:ext cx="3305636" cy="2457793"/>
-          </a:xfrm>
-          <a:prstGeom prst="rect">
-            <a:avLst/>
-          </a:prstGeom>
-        </p:spPr>
-      </p:pic>
-      <p:pic>
-        <p:nvPicPr>
-          <p:cNvPr id="17" name="Picture 16">
-            <a:extLst>
-              <a:ext uri="{FF2B5EF4-FFF2-40B4-BE49-F238E27FC236}">
-                <a16:creationId xmlns:a16="http://schemas.microsoft.com/office/drawing/2014/main" id="{CFC0737D-D19F-43A2-A295-D7C9BE3AB176}"/>
-              </a:ext>
-            </a:extLst>
-          </p:cNvPr>
-          <p:cNvPicPr>
-            <a:picLocks noChangeAspect="1"/>
-          </p:cNvPicPr>
-          <p:nvPr/>
-        </p:nvPicPr>
-        <p:blipFill>
-          <a:blip r:embed="rId3">
-            <a:extLst>
-              <a:ext uri="{28A0092B-C50C-407E-A947-70E740481C1C}">
-                <a14:useLocalDpi xmlns:a14="http://schemas.microsoft.com/office/drawing/2010/main" val="0"/>
-              </a:ext>
-            </a:extLst>
-          </a:blip>
-          <a:stretch>
-            <a:fillRect/>
-          </a:stretch>
-        </p:blipFill>
-        <p:spPr>
-          <a:xfrm>
-            <a:off x="629530" y="3989112"/>
-            <a:ext cx="3599372" cy="1680501"/>
-          </a:xfrm>
-          <a:prstGeom prst="rect">
-            <a:avLst/>
-          </a:prstGeom>
-        </p:spPr>
-      </p:pic>
-      <p:pic>
-        <p:nvPicPr>
-          <p:cNvPr id="23" name="Picture 22">
-            <a:extLst>
-              <a:ext uri="{FF2B5EF4-FFF2-40B4-BE49-F238E27FC236}">
-                <a16:creationId xmlns:a16="http://schemas.microsoft.com/office/drawing/2014/main" id="{59F12C72-408F-43C5-9291-E7A915B08604}"/>
-              </a:ext>
-            </a:extLst>
-          </p:cNvPr>
-          <p:cNvPicPr>
-            <a:picLocks noChangeAspect="1"/>
-          </p:cNvPicPr>
-          <p:nvPr/>
-        </p:nvPicPr>
-        <p:blipFill>
-          <a:blip r:embed="rId4">
-            <a:extLst>
-              <a:ext uri="{28A0092B-C50C-407E-A947-70E740481C1C}">
-                <a14:useLocalDpi xmlns:a14="http://schemas.microsoft.com/office/drawing/2010/main" val="0"/>
-              </a:ext>
-            </a:extLst>
-          </a:blip>
-          <a:stretch>
-            <a:fillRect/>
-          </a:stretch>
-        </p:blipFill>
-        <p:spPr>
-          <a:xfrm>
-            <a:off x="4918778" y="1328240"/>
-            <a:ext cx="4711961" cy="2660872"/>
-          </a:xfrm>
-          <a:prstGeom prst="rect">
-            <a:avLst/>
-          </a:prstGeom>
-        </p:spPr>
-      </p:pic>
-      <p:pic>
-        <p:nvPicPr>
-          <p:cNvPr id="24" name="Picture 23">
-            <a:extLst>
-              <a:ext uri="{FF2B5EF4-FFF2-40B4-BE49-F238E27FC236}">
-                <a16:creationId xmlns:a16="http://schemas.microsoft.com/office/drawing/2014/main" id="{7F7137E3-7EB6-45BD-9106-5F1C2DB3123E}"/>
-              </a:ext>
-            </a:extLst>
-          </p:cNvPr>
-          <p:cNvPicPr>
-            <a:picLocks noChangeAspect="1"/>
-          </p:cNvPicPr>
-          <p:nvPr/>
-        </p:nvPicPr>
-        <p:blipFill>
-          <a:blip r:embed="rId5">
-            <a:extLst>
-              <a:ext uri="{28A0092B-C50C-407E-A947-70E740481C1C}">
-                <a14:useLocalDpi xmlns:a14="http://schemas.microsoft.com/office/drawing/2010/main" val="0"/>
-              </a:ext>
-            </a:extLst>
-          </a:blip>
-          <a:stretch>
-            <a:fillRect/>
-          </a:stretch>
-        </p:blipFill>
-        <p:spPr>
-          <a:xfrm>
-            <a:off x="10289438" y="328000"/>
-            <a:ext cx="1253414" cy="1215811"/>
-          </a:xfrm>
-          <a:prstGeom prst="rect">
-            <a:avLst/>
-          </a:prstGeom>
-        </p:spPr>
-      </p:pic>
-      <p:sp>
-        <p:nvSpPr>
-          <p:cNvPr id="25" name="TextBox 24">
-            <a:extLst>
-              <a:ext uri="{FF2B5EF4-FFF2-40B4-BE49-F238E27FC236}">
-                <a16:creationId xmlns:a16="http://schemas.microsoft.com/office/drawing/2014/main" id="{9EEA865B-C86F-4EEF-8071-DA4C4848CEBC}"/>
-              </a:ext>
-            </a:extLst>
-          </p:cNvPr>
-          <p:cNvSpPr txBox="1"/>
-          <p:nvPr/>
-        </p:nvSpPr>
-        <p:spPr>
-          <a:xfrm>
-            <a:off x="193076" y="6162260"/>
-            <a:ext cx="3719964" cy="369332"/>
-          </a:xfrm>
-          <a:prstGeom prst="rect">
-            <a:avLst/>
-          </a:prstGeom>
-          <a:noFill/>
-        </p:spPr>
-        <p:txBody>
-          <a:bodyPr wrap="square">
-            <a:spAutoFit/>
-          </a:bodyPr>
-          <a:lstStyle/>
-          <a:p>
-            <a:pPr marL="0" marR="0" algn="ctr">
-              <a:spcBef>
-                <a:spcPts val="0"/>
-              </a:spcBef>
-              <a:spcAft>
-                <a:spcPts val="0"/>
-              </a:spcAft>
-            </a:pPr>
-            <a:r>
-              <a:rPr lang="en-US" b="1" dirty="0">
-                <a:latin typeface="Times New Roman" panose="02020603050405020304" pitchFamily="18" charset="0"/>
-                <a:ea typeface="Calibri" panose="020F0502020204030204" pitchFamily="34" charset="0"/>
-                <a:cs typeface="Times New Roman" panose="02020603050405020304" pitchFamily="18" charset="0"/>
-              </a:rPr>
-              <a:t>UNIVERSITAS PAMULANG 2021</a:t>
-            </a:r>
-            <a:endParaRPr lang="en-US" dirty="0">
-              <a:effectLst/>
-              <a:latin typeface="Times New Roman" panose="02020603050405020304" pitchFamily="18" charset="0"/>
-              <a:ea typeface="Calibri" panose="020F0502020204030204" pitchFamily="34" charset="0"/>
-              <a:cs typeface="Times New Roman" panose="02020603050405020304" pitchFamily="18" charset="0"/>
-            </a:endParaRPr>
-          </a:p>
-        </p:txBody>
-      </p:sp>
-      <p:pic>
-        <p:nvPicPr>
-          <p:cNvPr id="6" name="Picture 5">
-            <a:extLst>
-              <a:ext uri="{FF2B5EF4-FFF2-40B4-BE49-F238E27FC236}">
-                <a16:creationId xmlns:a16="http://schemas.microsoft.com/office/drawing/2014/main" id="{FB27414F-0BB6-484D-8CD4-48A9B3B77FBD}"/>
-              </a:ext>
-            </a:extLst>
-          </p:cNvPr>
-          <p:cNvPicPr>
-            <a:picLocks noChangeAspect="1"/>
-          </p:cNvPicPr>
-          <p:nvPr/>
-        </p:nvPicPr>
-        <p:blipFill>
-          <a:blip r:embed="rId6">
-            <a:extLst>
-              <a:ext uri="{28A0092B-C50C-407E-A947-70E740481C1C}">
-                <a14:useLocalDpi xmlns:a14="http://schemas.microsoft.com/office/drawing/2010/main" val="0"/>
-              </a:ext>
-            </a:extLst>
-          </a:blip>
-          <a:stretch>
-            <a:fillRect/>
-          </a:stretch>
-        </p:blipFill>
-        <p:spPr>
-          <a:xfrm>
-            <a:off x="6798043" y="4263964"/>
-            <a:ext cx="3491395" cy="1971611"/>
-          </a:xfrm>
-          <a:prstGeom prst="rect">
-            <a:avLst/>
-          </a:prstGeom>
-        </p:spPr>
-      </p:pic>
-    </p:spTree>
-    <p:extLst>
-      <p:ext uri="{BB962C8B-B14F-4D97-AF65-F5344CB8AC3E}">
-        <p14:creationId xmlns:p14="http://schemas.microsoft.com/office/powerpoint/2010/main" val="63151350"/>
-      </p:ext>
-    </p:extLst>
-  </p:cSld>
-  <p:clrMapOvr>
-    <a:masterClrMapping/>
-  </p:clrMapOvr>
-</p:sld>
-</file>
-
-<file path=ppt/slides/slide13.xml><?xml version="1.0" encoding="utf-8"?>
-<p:sld xmlns:a="http://schemas.openxmlformats.org/drawingml/2006/main" xmlns:r="http://schemas.openxmlformats.org/officeDocument/2006/relationships" xmlns:p="http://schemas.openxmlformats.org/presentationml/2006/main">
-  <p:cSld>
-    <p:spTree>
-      <p:nvGrpSpPr>
-        <p:cNvPr id="1" name=""/>
-        <p:cNvGrpSpPr/>
-        <p:nvPr/>
-      </p:nvGrpSpPr>
-      <p:grpSpPr>
-        <a:xfrm>
-          <a:off x="0" y="0"/>
-          <a:ext cx="0" cy="0"/>
-          <a:chOff x="0" y="0"/>
-          <a:chExt cx="0" cy="0"/>
-        </a:xfrm>
-      </p:grpSpPr>
-      <p:sp>
-        <p:nvSpPr>
-          <p:cNvPr id="3" name="Arrow: Curved Left 2">
-            <a:extLst>
-              <a:ext uri="{FF2B5EF4-FFF2-40B4-BE49-F238E27FC236}">
-                <a16:creationId xmlns:a16="http://schemas.microsoft.com/office/drawing/2014/main" id="{53B6485E-7D22-426F-9178-E86B34A4E1F6}"/>
-              </a:ext>
-            </a:extLst>
-          </p:cNvPr>
-          <p:cNvSpPr/>
-          <p:nvPr/>
-        </p:nvSpPr>
-        <p:spPr>
-          <a:xfrm rot="9248176">
-            <a:off x="9497342" y="-1291775"/>
-            <a:ext cx="4003129" cy="3239550"/>
-          </a:xfrm>
-          <a:prstGeom prst="curvedLeftArrow">
-            <a:avLst/>
-          </a:prstGeom>
-          <a:solidFill>
-            <a:schemeClr val="accent4"/>
-          </a:solidFill>
-          <a:ln>
-            <a:noFill/>
-          </a:ln>
-        </p:spPr>
-        <p:style>
-          <a:lnRef idx="0">
-            <a:scrgbClr r="0" g="0" b="0"/>
-          </a:lnRef>
-          <a:fillRef idx="0">
-            <a:scrgbClr r="0" g="0" b="0"/>
-          </a:fillRef>
-          <a:effectRef idx="0">
-            <a:scrgbClr r="0" g="0" b="0"/>
-          </a:effectRef>
-          <a:fontRef idx="minor">
-            <a:schemeClr val="lt1"/>
-          </a:fontRef>
-        </p:style>
-        <p:txBody>
-          <a:bodyPr rtlCol="0" anchor="ctr"/>
-          <a:lstStyle/>
-          <a:p>
-            <a:pPr algn="ctr"/>
-            <a:endParaRPr lang="en-US">
-              <a:solidFill>
-                <a:schemeClr val="tx1"/>
-              </a:solidFill>
-            </a:endParaRPr>
-          </a:p>
-        </p:txBody>
-      </p:sp>
-      <p:sp>
-        <p:nvSpPr>
-          <p:cNvPr id="4" name="L-Shape 3">
-            <a:extLst>
-              <a:ext uri="{FF2B5EF4-FFF2-40B4-BE49-F238E27FC236}">
-                <a16:creationId xmlns:a16="http://schemas.microsoft.com/office/drawing/2014/main" id="{7AE73EFB-B90B-4355-8A59-A84EC123FBC0}"/>
-              </a:ext>
-            </a:extLst>
-          </p:cNvPr>
-          <p:cNvSpPr/>
-          <p:nvPr/>
-        </p:nvSpPr>
-        <p:spPr>
-          <a:xfrm>
-            <a:off x="-304800" y="6162260"/>
-            <a:ext cx="5870713" cy="543339"/>
-          </a:xfrm>
-          <a:prstGeom prst="corner">
-            <a:avLst/>
-          </a:prstGeom>
-          <a:gradFill flip="none" rotWithShape="1">
-            <a:gsLst>
-              <a:gs pos="0">
-                <a:schemeClr val="accent5">
-                  <a:lumMod val="67000"/>
-                </a:schemeClr>
-              </a:gs>
-              <a:gs pos="48000">
-                <a:schemeClr val="accent5">
-                  <a:lumMod val="97000"/>
-                  <a:lumOff val="3000"/>
-                </a:schemeClr>
-              </a:gs>
-              <a:gs pos="100000">
-                <a:schemeClr val="accent5">
-                  <a:lumMod val="60000"/>
-                  <a:lumOff val="40000"/>
-                </a:schemeClr>
-              </a:gs>
-            </a:gsLst>
-            <a:lin ang="16200000" scaled="1"/>
-            <a:tileRect/>
-          </a:gradFill>
-          <a:ln>
-            <a:noFill/>
-          </a:ln>
-        </p:spPr>
-        <p:style>
-          <a:lnRef idx="0">
-            <a:scrgbClr r="0" g="0" b="0"/>
-          </a:lnRef>
-          <a:fillRef idx="0">
-            <a:scrgbClr r="0" g="0" b="0"/>
-          </a:fillRef>
-          <a:effectRef idx="0">
-            <a:scrgbClr r="0" g="0" b="0"/>
-          </a:effectRef>
-          <a:fontRef idx="minor">
-            <a:schemeClr val="lt1"/>
-          </a:fontRef>
-        </p:style>
-        <p:txBody>
-          <a:bodyPr rtlCol="0" anchor="ctr"/>
-          <a:lstStyle/>
-          <a:p>
-            <a:pPr algn="ctr"/>
-            <a:endParaRPr lang="en-US"/>
-          </a:p>
-        </p:txBody>
-      </p:sp>
-      <p:sp>
-        <p:nvSpPr>
-          <p:cNvPr id="5" name="Rectangle: Rounded Corners 4">
-            <a:extLst>
-              <a:ext uri="{FF2B5EF4-FFF2-40B4-BE49-F238E27FC236}">
-                <a16:creationId xmlns:a16="http://schemas.microsoft.com/office/drawing/2014/main" id="{21EEA19F-FD1E-4E7F-B65A-A1506E03E1F5}"/>
-              </a:ext>
-            </a:extLst>
-          </p:cNvPr>
-          <p:cNvSpPr/>
-          <p:nvPr/>
-        </p:nvSpPr>
-        <p:spPr>
-          <a:xfrm>
-            <a:off x="-106015" y="6241772"/>
-            <a:ext cx="5870712" cy="251792"/>
-          </a:xfrm>
-          <a:prstGeom prst="roundRect">
-            <a:avLst/>
-          </a:prstGeom>
-        </p:spPr>
-        <p:style>
-          <a:lnRef idx="0">
-            <a:schemeClr val="accent4"/>
-          </a:lnRef>
-          <a:fillRef idx="3">
-            <a:schemeClr val="accent4"/>
-          </a:fillRef>
-          <a:effectRef idx="3">
-            <a:schemeClr val="accent4"/>
-          </a:effectRef>
-          <a:fontRef idx="minor">
-            <a:schemeClr val="lt1"/>
-          </a:fontRef>
-        </p:style>
-        <p:txBody>
-          <a:bodyPr rtlCol="0" anchor="ctr"/>
-          <a:lstStyle/>
-          <a:p>
-            <a:pPr algn="ctr"/>
-            <a:endParaRPr lang="en-US"/>
-          </a:p>
-        </p:txBody>
-      </p:sp>
-      <p:sp>
-        <p:nvSpPr>
-          <p:cNvPr id="12" name="Rectangle 11">
-            <a:extLst>
-              <a:ext uri="{FF2B5EF4-FFF2-40B4-BE49-F238E27FC236}">
-                <a16:creationId xmlns:a16="http://schemas.microsoft.com/office/drawing/2014/main" id="{5A5344D1-B2AD-4CCC-B728-004005A1F7AD}"/>
-              </a:ext>
-            </a:extLst>
-          </p:cNvPr>
-          <p:cNvSpPr/>
-          <p:nvPr/>
-        </p:nvSpPr>
-        <p:spPr>
-          <a:xfrm>
-            <a:off x="0" y="405760"/>
-            <a:ext cx="7342496" cy="397565"/>
-          </a:xfrm>
-          <a:prstGeom prst="rect">
-            <a:avLst/>
-          </a:prstGeom>
-          <a:gradFill flip="none" rotWithShape="1">
-            <a:gsLst>
-              <a:gs pos="0">
-                <a:schemeClr val="accent5">
-                  <a:lumMod val="67000"/>
-                </a:schemeClr>
-              </a:gs>
-              <a:gs pos="48000">
-                <a:schemeClr val="accent5">
-                  <a:lumMod val="97000"/>
-                  <a:lumOff val="3000"/>
-                </a:schemeClr>
-              </a:gs>
-              <a:gs pos="100000">
-                <a:schemeClr val="accent5">
-                  <a:lumMod val="60000"/>
-                  <a:lumOff val="40000"/>
-                </a:schemeClr>
-              </a:gs>
-            </a:gsLst>
-            <a:lin ang="16200000" scaled="1"/>
-            <a:tileRect/>
-          </a:gradFill>
-          <a:ln>
-            <a:noFill/>
-          </a:ln>
-        </p:spPr>
-        <p:style>
-          <a:lnRef idx="0">
-            <a:scrgbClr r="0" g="0" b="0"/>
-          </a:lnRef>
-          <a:fillRef idx="0">
-            <a:scrgbClr r="0" g="0" b="0"/>
-          </a:fillRef>
-          <a:effectRef idx="0">
-            <a:scrgbClr r="0" g="0" b="0"/>
-          </a:effectRef>
-          <a:fontRef idx="minor">
-            <a:schemeClr val="lt1"/>
-          </a:fontRef>
-        </p:style>
-        <p:txBody>
-          <a:bodyPr rtlCol="0" anchor="ctr"/>
-          <a:lstStyle/>
-          <a:p>
-            <a:pPr algn="ctr"/>
-            <a:endParaRPr lang="en-US"/>
-          </a:p>
-        </p:txBody>
-      </p:sp>
-      <p:sp>
-        <p:nvSpPr>
-          <p:cNvPr id="15" name="TextBox 14">
-            <a:extLst>
-              <a:ext uri="{FF2B5EF4-FFF2-40B4-BE49-F238E27FC236}">
-                <a16:creationId xmlns:a16="http://schemas.microsoft.com/office/drawing/2014/main" id="{1CC17C21-5533-43A8-8D35-7A0D3D4030A4}"/>
-              </a:ext>
-            </a:extLst>
-          </p:cNvPr>
-          <p:cNvSpPr txBox="1"/>
-          <p:nvPr/>
-        </p:nvSpPr>
-        <p:spPr>
-          <a:xfrm>
-            <a:off x="218365" y="354129"/>
-            <a:ext cx="3311163" cy="461665"/>
-          </a:xfrm>
-          <a:prstGeom prst="rect">
-            <a:avLst/>
-          </a:prstGeom>
-          <a:noFill/>
-        </p:spPr>
-        <p:txBody>
-          <a:bodyPr wrap="none" rtlCol="0">
-            <a:spAutoFit/>
-          </a:bodyPr>
-          <a:lstStyle/>
-          <a:p>
-            <a:r>
-              <a:rPr lang="en-US" sz="2400" dirty="0">
-                <a:latin typeface="Rockwell" panose="02060603020205020403" pitchFamily="18" charset="0"/>
-              </a:rPr>
-              <a:t>Kesimpulan dan Saran</a:t>
-            </a:r>
-          </a:p>
-        </p:txBody>
-      </p:sp>
-      <p:sp>
-        <p:nvSpPr>
-          <p:cNvPr id="9" name="TextBox 8">
-            <a:extLst>
-              <a:ext uri="{FF2B5EF4-FFF2-40B4-BE49-F238E27FC236}">
-                <a16:creationId xmlns:a16="http://schemas.microsoft.com/office/drawing/2014/main" id="{9A67264B-B662-414C-B487-8888495F2B2C}"/>
-              </a:ext>
-            </a:extLst>
-          </p:cNvPr>
-          <p:cNvSpPr txBox="1"/>
-          <p:nvPr/>
-        </p:nvSpPr>
-        <p:spPr>
-          <a:xfrm>
-            <a:off x="1944785" y="1163459"/>
-            <a:ext cx="7465325" cy="4801314"/>
-          </a:xfrm>
-          <a:prstGeom prst="rect">
-            <a:avLst/>
-          </a:prstGeom>
-          <a:noFill/>
-        </p:spPr>
-        <p:txBody>
-          <a:bodyPr wrap="square" rtlCol="0">
-            <a:spAutoFit/>
-          </a:bodyPr>
-          <a:lstStyle/>
-          <a:p>
-            <a:pPr algn="ctr"/>
-            <a:r>
-              <a:rPr lang="en-US" sz="1800" b="0" i="0" u="none" strike="noStrike" baseline="0" dirty="0">
-                <a:solidFill>
-                  <a:srgbClr val="000000"/>
-                </a:solidFill>
-                <a:latin typeface="Times New Roman" panose="02020603050405020304" pitchFamily="18" charset="0"/>
-              </a:rPr>
-              <a:t>Kesimpulan :</a:t>
-            </a:r>
-          </a:p>
-          <a:p>
-            <a:r>
-              <a:rPr lang="en-US" sz="1800" b="0" i="0" u="none" strike="noStrike" baseline="0" dirty="0" err="1">
-                <a:solidFill>
-                  <a:srgbClr val="000000"/>
-                </a:solidFill>
-                <a:latin typeface="Times New Roman" panose="02020603050405020304" pitchFamily="18" charset="0"/>
-              </a:rPr>
-              <a:t>Sistem</a:t>
-            </a:r>
-            <a:r>
-              <a:rPr lang="en-US" sz="1800" b="0" i="0" u="none" strike="noStrike" baseline="0" dirty="0">
-                <a:solidFill>
-                  <a:srgbClr val="000000"/>
-                </a:solidFill>
-                <a:latin typeface="Times New Roman" panose="02020603050405020304" pitchFamily="18" charset="0"/>
-              </a:rPr>
-              <a:t> monitoring </a:t>
-            </a:r>
-            <a:r>
-              <a:rPr lang="en-US" sz="1800" b="0" i="0" u="none" strike="noStrike" baseline="0" dirty="0" err="1">
-                <a:solidFill>
-                  <a:srgbClr val="000000"/>
-                </a:solidFill>
-                <a:latin typeface="Times New Roman" panose="02020603050405020304" pitchFamily="18" charset="0"/>
-              </a:rPr>
-              <a:t>dapat</a:t>
-            </a:r>
-            <a:r>
-              <a:rPr lang="en-US" sz="1800" b="0" i="0" u="none" strike="noStrike" baseline="0" dirty="0">
-                <a:solidFill>
-                  <a:srgbClr val="000000"/>
-                </a:solidFill>
-                <a:latin typeface="Times New Roman" panose="02020603050405020304" pitchFamily="18" charset="0"/>
-              </a:rPr>
-              <a:t> </a:t>
-            </a:r>
-            <a:r>
-              <a:rPr lang="en-US" sz="1800" b="0" i="0" u="none" strike="noStrike" baseline="0" dirty="0" err="1">
-                <a:solidFill>
-                  <a:srgbClr val="000000"/>
-                </a:solidFill>
-                <a:latin typeface="Times New Roman" panose="02020603050405020304" pitchFamily="18" charset="0"/>
-              </a:rPr>
-              <a:t>melakukan</a:t>
-            </a:r>
-            <a:r>
-              <a:rPr lang="en-US" sz="1800" b="0" i="0" u="none" strike="noStrike" baseline="0" dirty="0">
-                <a:solidFill>
-                  <a:srgbClr val="000000"/>
-                </a:solidFill>
-                <a:latin typeface="Times New Roman" panose="02020603050405020304" pitchFamily="18" charset="0"/>
-              </a:rPr>
-              <a:t> </a:t>
-            </a:r>
-            <a:r>
-              <a:rPr lang="en-US" sz="1800" b="0" i="0" u="none" strike="noStrike" baseline="0" dirty="0" err="1">
-                <a:solidFill>
-                  <a:srgbClr val="000000"/>
-                </a:solidFill>
-                <a:latin typeface="Times New Roman" panose="02020603050405020304" pitchFamily="18" charset="0"/>
-              </a:rPr>
-              <a:t>pemantauan</a:t>
-            </a:r>
-            <a:r>
-              <a:rPr lang="en-US" sz="1800" b="0" i="0" u="none" strike="noStrike" baseline="0" dirty="0">
-                <a:solidFill>
-                  <a:srgbClr val="000000"/>
-                </a:solidFill>
-                <a:latin typeface="Times New Roman" panose="02020603050405020304" pitchFamily="18" charset="0"/>
-              </a:rPr>
-              <a:t> </a:t>
-            </a:r>
-            <a:r>
-              <a:rPr lang="en-US" sz="1800" b="0" i="0" u="none" strike="noStrike" baseline="0" dirty="0" err="1">
-                <a:solidFill>
-                  <a:srgbClr val="000000"/>
-                </a:solidFill>
-                <a:latin typeface="Times New Roman" panose="02020603050405020304" pitchFamily="18" charset="0"/>
-              </a:rPr>
-              <a:t>suhu</a:t>
-            </a:r>
-            <a:r>
-              <a:rPr lang="en-US" sz="1800" b="0" i="0" u="none" strike="noStrike" baseline="0" dirty="0">
-                <a:solidFill>
-                  <a:srgbClr val="000000"/>
-                </a:solidFill>
-                <a:latin typeface="Times New Roman" panose="02020603050405020304" pitchFamily="18" charset="0"/>
-              </a:rPr>
-              <a:t> dan </a:t>
-            </a:r>
-            <a:r>
-              <a:rPr lang="en-US" sz="1800" b="0" i="0" u="none" strike="noStrike" baseline="0" dirty="0" err="1">
-                <a:solidFill>
-                  <a:srgbClr val="000000"/>
-                </a:solidFill>
-                <a:latin typeface="Times New Roman" panose="02020603050405020304" pitchFamily="18" charset="0"/>
-              </a:rPr>
-              <a:t>kelembaban</a:t>
-            </a:r>
-            <a:r>
-              <a:rPr lang="en-US" sz="1800" b="0" i="0" u="none" strike="noStrike" baseline="0" dirty="0">
-                <a:solidFill>
-                  <a:srgbClr val="000000"/>
-                </a:solidFill>
-                <a:latin typeface="Times New Roman" panose="02020603050405020304" pitchFamily="18" charset="0"/>
-              </a:rPr>
-              <a:t> </a:t>
-            </a:r>
-            <a:r>
-              <a:rPr lang="en-US" sz="1800" b="0" i="0" u="none" strike="noStrike" baseline="0" dirty="0" err="1">
-                <a:solidFill>
-                  <a:srgbClr val="000000"/>
-                </a:solidFill>
-                <a:latin typeface="Times New Roman" panose="02020603050405020304" pitchFamily="18" charset="0"/>
-              </a:rPr>
-              <a:t>dengan</a:t>
-            </a:r>
-            <a:r>
-              <a:rPr lang="en-US" sz="1800" b="0" i="0" u="none" strike="noStrike" baseline="0" dirty="0">
-                <a:solidFill>
-                  <a:srgbClr val="000000"/>
-                </a:solidFill>
-                <a:latin typeface="Times New Roman" panose="02020603050405020304" pitchFamily="18" charset="0"/>
-              </a:rPr>
-              <a:t> </a:t>
-            </a:r>
-            <a:r>
-              <a:rPr lang="en-US" sz="1800" b="0" i="0" u="none" strike="noStrike" baseline="0" dirty="0" err="1">
-                <a:solidFill>
-                  <a:srgbClr val="000000"/>
-                </a:solidFill>
-                <a:latin typeface="Times New Roman" panose="02020603050405020304" pitchFamily="18" charset="0"/>
-              </a:rPr>
-              <a:t>kurun</a:t>
-            </a:r>
-            <a:r>
-              <a:rPr lang="en-US" sz="1800" b="0" i="0" u="none" strike="noStrike" baseline="0" dirty="0">
-                <a:solidFill>
-                  <a:srgbClr val="000000"/>
-                </a:solidFill>
-                <a:latin typeface="Times New Roman" panose="02020603050405020304" pitchFamily="18" charset="0"/>
-              </a:rPr>
-              <a:t> </a:t>
-            </a:r>
-            <a:r>
-              <a:rPr lang="en-US" sz="1800" b="0" i="0" u="none" strike="noStrike" baseline="0" dirty="0" err="1">
-                <a:solidFill>
-                  <a:srgbClr val="000000"/>
-                </a:solidFill>
-                <a:latin typeface="Times New Roman" panose="02020603050405020304" pitchFamily="18" charset="0"/>
-              </a:rPr>
-              <a:t>waktu</a:t>
-            </a:r>
-            <a:r>
-              <a:rPr lang="en-US" sz="1800" b="0" i="0" u="none" strike="noStrike" baseline="0" dirty="0">
-                <a:solidFill>
-                  <a:srgbClr val="000000"/>
-                </a:solidFill>
-                <a:latin typeface="Times New Roman" panose="02020603050405020304" pitchFamily="18" charset="0"/>
-              </a:rPr>
-              <a:t> </a:t>
-            </a:r>
-            <a:r>
-              <a:rPr lang="en-US" sz="1800" b="0" i="0" u="none" strike="noStrike" baseline="0" dirty="0" err="1">
-                <a:solidFill>
-                  <a:srgbClr val="000000"/>
-                </a:solidFill>
-                <a:latin typeface="Times New Roman" panose="02020603050405020304" pitchFamily="18" charset="0"/>
-              </a:rPr>
-              <a:t>satu</a:t>
-            </a:r>
-            <a:r>
-              <a:rPr lang="en-US" sz="1800" b="0" i="0" u="none" strike="noStrike" baseline="0" dirty="0">
-                <a:solidFill>
-                  <a:srgbClr val="000000"/>
-                </a:solidFill>
-                <a:latin typeface="Times New Roman" panose="02020603050405020304" pitchFamily="18" charset="0"/>
-              </a:rPr>
-              <a:t> jam </a:t>
-            </a:r>
-            <a:r>
-              <a:rPr lang="en-US" sz="1800" b="0" i="0" u="none" strike="noStrike" baseline="0" dirty="0" err="1">
-                <a:solidFill>
-                  <a:srgbClr val="000000"/>
-                </a:solidFill>
-                <a:latin typeface="Times New Roman" panose="02020603050405020304" pitchFamily="18" charset="0"/>
-              </a:rPr>
-              <a:t>sekali</a:t>
-            </a:r>
-            <a:r>
-              <a:rPr lang="en-US" sz="1800" b="0" i="0" u="none" strike="noStrike" baseline="0" dirty="0">
-                <a:solidFill>
-                  <a:srgbClr val="000000"/>
-                </a:solidFill>
-                <a:latin typeface="Times New Roman" panose="02020603050405020304" pitchFamily="18" charset="0"/>
-              </a:rPr>
-              <a:t> </a:t>
-            </a:r>
-            <a:r>
-              <a:rPr lang="en-US" sz="1800" b="0" i="0" u="none" strike="noStrike" baseline="0" dirty="0" err="1">
-                <a:solidFill>
-                  <a:srgbClr val="000000"/>
-                </a:solidFill>
-                <a:latin typeface="Times New Roman" panose="02020603050405020304" pitchFamily="18" charset="0"/>
-              </a:rPr>
-              <a:t>secara</a:t>
-            </a:r>
-            <a:r>
-              <a:rPr lang="en-US" sz="1800" b="0" i="0" u="none" strike="noStrike" baseline="0" dirty="0">
-                <a:solidFill>
-                  <a:srgbClr val="000000"/>
-                </a:solidFill>
-                <a:latin typeface="Times New Roman" panose="02020603050405020304" pitchFamily="18" charset="0"/>
-              </a:rPr>
-              <a:t> </a:t>
-            </a:r>
-            <a:r>
-              <a:rPr lang="en-US" sz="1800" b="0" i="0" u="none" strike="noStrike" baseline="0" dirty="0" err="1">
-                <a:solidFill>
-                  <a:srgbClr val="000000"/>
-                </a:solidFill>
-                <a:latin typeface="Times New Roman" panose="02020603050405020304" pitchFamily="18" charset="0"/>
-              </a:rPr>
-              <a:t>otomastis</a:t>
-            </a:r>
-            <a:r>
-              <a:rPr lang="en-US" sz="1800" b="0" i="0" u="none" strike="noStrike" baseline="0" dirty="0">
-                <a:solidFill>
-                  <a:srgbClr val="000000"/>
-                </a:solidFill>
-                <a:latin typeface="Times New Roman" panose="02020603050405020304" pitchFamily="18" charset="0"/>
-              </a:rPr>
-              <a:t>, </a:t>
-            </a:r>
-            <a:r>
-              <a:rPr lang="en-US" sz="1800" b="0" i="0" u="none" strike="noStrike" baseline="0" dirty="0" err="1">
-                <a:solidFill>
-                  <a:srgbClr val="000000"/>
-                </a:solidFill>
-                <a:latin typeface="Times New Roman" panose="02020603050405020304" pitchFamily="18" charset="0"/>
-              </a:rPr>
-              <a:t>kemudian</a:t>
-            </a:r>
-            <a:r>
-              <a:rPr lang="en-US" sz="1800" b="0" i="0" u="none" strike="noStrike" baseline="0" dirty="0">
-                <a:solidFill>
-                  <a:srgbClr val="000000"/>
-                </a:solidFill>
-                <a:latin typeface="Times New Roman" panose="02020603050405020304" pitchFamily="18" charset="0"/>
-              </a:rPr>
-              <a:t> data yang </a:t>
-            </a:r>
-            <a:r>
-              <a:rPr lang="en-US" sz="1800" b="0" i="0" u="none" strike="noStrike" baseline="0" dirty="0" err="1">
-                <a:solidFill>
-                  <a:srgbClr val="000000"/>
-                </a:solidFill>
-                <a:latin typeface="Times New Roman" panose="02020603050405020304" pitchFamily="18" charset="0"/>
-              </a:rPr>
-              <a:t>tersimpan</a:t>
-            </a:r>
-            <a:r>
-              <a:rPr lang="en-US" sz="1800" b="0" i="0" u="none" strike="noStrike" baseline="0" dirty="0">
-                <a:solidFill>
-                  <a:srgbClr val="000000"/>
-                </a:solidFill>
-                <a:latin typeface="Times New Roman" panose="02020603050405020304" pitchFamily="18" charset="0"/>
-              </a:rPr>
-              <a:t> </a:t>
-            </a:r>
-            <a:r>
-              <a:rPr lang="en-US" sz="1800" b="0" i="0" u="none" strike="noStrike" baseline="0" dirty="0" err="1">
-                <a:solidFill>
-                  <a:srgbClr val="000000"/>
-                </a:solidFill>
-                <a:latin typeface="Times New Roman" panose="02020603050405020304" pitchFamily="18" charset="0"/>
-              </a:rPr>
-              <a:t>dalam</a:t>
-            </a:r>
-            <a:r>
-              <a:rPr lang="en-US" sz="1800" b="0" i="0" u="none" strike="noStrike" baseline="0" dirty="0">
-                <a:solidFill>
-                  <a:srgbClr val="000000"/>
-                </a:solidFill>
-                <a:latin typeface="Times New Roman" panose="02020603050405020304" pitchFamily="18" charset="0"/>
-              </a:rPr>
-              <a:t> database </a:t>
-            </a:r>
-            <a:r>
-              <a:rPr lang="en-US" sz="1800" b="0" i="0" u="none" strike="noStrike" baseline="0" dirty="0" err="1">
-                <a:solidFill>
-                  <a:srgbClr val="000000"/>
-                </a:solidFill>
-                <a:latin typeface="Times New Roman" panose="02020603050405020304" pitchFamily="18" charset="0"/>
-              </a:rPr>
-              <a:t>untuk</a:t>
-            </a:r>
-            <a:r>
-              <a:rPr lang="en-US" sz="1800" b="0" i="0" u="none" strike="noStrike" baseline="0" dirty="0">
-                <a:solidFill>
-                  <a:srgbClr val="000000"/>
-                </a:solidFill>
-                <a:latin typeface="Times New Roman" panose="02020603050405020304" pitchFamily="18" charset="0"/>
-              </a:rPr>
-              <a:t> </a:t>
-            </a:r>
-            <a:r>
-              <a:rPr lang="en-US" sz="1800" b="0" i="0" u="none" strike="noStrike" baseline="0" dirty="0" err="1">
-                <a:solidFill>
-                  <a:srgbClr val="000000"/>
-                </a:solidFill>
-                <a:latin typeface="Times New Roman" panose="02020603050405020304" pitchFamily="18" charset="0"/>
-              </a:rPr>
-              <a:t>memudahkan</a:t>
-            </a:r>
-            <a:r>
-              <a:rPr lang="en-US" sz="1800" b="0" i="0" u="none" strike="noStrike" baseline="0" dirty="0">
-                <a:solidFill>
-                  <a:srgbClr val="000000"/>
-                </a:solidFill>
-                <a:latin typeface="Times New Roman" panose="02020603050405020304" pitchFamily="18" charset="0"/>
-              </a:rPr>
-              <a:t> </a:t>
-            </a:r>
-            <a:r>
-              <a:rPr lang="en-US" sz="1800" b="0" i="0" u="none" strike="noStrike" baseline="0" dirty="0" err="1">
-                <a:solidFill>
-                  <a:srgbClr val="000000"/>
-                </a:solidFill>
-                <a:latin typeface="Times New Roman" panose="02020603050405020304" pitchFamily="18" charset="0"/>
-              </a:rPr>
-              <a:t>petugas</a:t>
-            </a:r>
-            <a:r>
-              <a:rPr lang="en-US" sz="1800" b="0" i="0" u="none" strike="noStrike" baseline="0" dirty="0">
-                <a:solidFill>
-                  <a:srgbClr val="000000"/>
-                </a:solidFill>
-                <a:latin typeface="Times New Roman" panose="02020603050405020304" pitchFamily="18" charset="0"/>
-              </a:rPr>
-              <a:t> </a:t>
-            </a:r>
-            <a:r>
-              <a:rPr lang="en-US" sz="1800" b="0" i="0" u="none" strike="noStrike" baseline="0" dirty="0" err="1">
-                <a:solidFill>
-                  <a:srgbClr val="000000"/>
-                </a:solidFill>
-                <a:latin typeface="Times New Roman" panose="02020603050405020304" pitchFamily="18" charset="0"/>
-              </a:rPr>
-              <a:t>dalam</a:t>
-            </a:r>
-            <a:r>
-              <a:rPr lang="en-US" sz="1800" b="0" i="0" u="none" strike="noStrike" baseline="0" dirty="0">
-                <a:solidFill>
-                  <a:srgbClr val="000000"/>
-                </a:solidFill>
-                <a:latin typeface="Times New Roman" panose="02020603050405020304" pitchFamily="18" charset="0"/>
-              </a:rPr>
-              <a:t> monitoring </a:t>
-            </a:r>
-            <a:r>
-              <a:rPr lang="en-US" sz="1800" b="0" i="0" u="none" strike="noStrike" baseline="0" dirty="0" err="1">
-                <a:solidFill>
-                  <a:srgbClr val="000000"/>
-                </a:solidFill>
-                <a:latin typeface="Times New Roman" panose="02020603050405020304" pitchFamily="18" charset="0"/>
-              </a:rPr>
-              <a:t>atau</a:t>
-            </a:r>
-            <a:r>
-              <a:rPr lang="en-US" sz="1800" b="0" i="0" u="none" strike="noStrike" baseline="0" dirty="0">
-                <a:solidFill>
-                  <a:srgbClr val="000000"/>
-                </a:solidFill>
-                <a:latin typeface="Times New Roman" panose="02020603050405020304" pitchFamily="18" charset="0"/>
-              </a:rPr>
-              <a:t> </a:t>
-            </a:r>
-            <a:r>
-              <a:rPr lang="en-US" sz="1800" b="0" i="0" u="none" strike="noStrike" baseline="0" dirty="0" err="1">
-                <a:solidFill>
-                  <a:srgbClr val="000000"/>
-                </a:solidFill>
-                <a:latin typeface="Times New Roman" panose="02020603050405020304" pitchFamily="18" charset="0"/>
-              </a:rPr>
-              <a:t>pematauan</a:t>
-            </a:r>
-            <a:r>
-              <a:rPr lang="en-US" sz="1800" b="0" i="0" u="none" strike="noStrike" baseline="0" dirty="0">
-                <a:solidFill>
-                  <a:srgbClr val="000000"/>
-                </a:solidFill>
-                <a:latin typeface="Times New Roman" panose="02020603050405020304" pitchFamily="18" charset="0"/>
-              </a:rPr>
-              <a:t> </a:t>
-            </a:r>
-            <a:r>
-              <a:rPr lang="en-US" sz="1800" b="0" i="0" u="none" strike="noStrike" baseline="0" dirty="0" err="1">
-                <a:solidFill>
-                  <a:srgbClr val="000000"/>
-                </a:solidFill>
-                <a:latin typeface="Times New Roman" panose="02020603050405020304" pitchFamily="18" charset="0"/>
-              </a:rPr>
-              <a:t>suhu</a:t>
-            </a:r>
-            <a:r>
-              <a:rPr lang="en-US" sz="1800" b="0" i="0" u="none" strike="noStrike" baseline="0" dirty="0">
-                <a:solidFill>
-                  <a:srgbClr val="000000"/>
-                </a:solidFill>
-                <a:latin typeface="Times New Roman" panose="02020603050405020304" pitchFamily="18" charset="0"/>
-              </a:rPr>
-              <a:t> dan </a:t>
-            </a:r>
-            <a:r>
-              <a:rPr lang="en-US" sz="1800" b="0" i="0" u="none" strike="noStrike" baseline="0" dirty="0" err="1">
-                <a:solidFill>
-                  <a:srgbClr val="000000"/>
-                </a:solidFill>
-                <a:latin typeface="Times New Roman" panose="02020603050405020304" pitchFamily="18" charset="0"/>
-              </a:rPr>
-              <a:t>kelembaban</a:t>
-            </a:r>
-            <a:r>
-              <a:rPr lang="en-US" sz="1800" b="0" i="0" u="none" strike="noStrike" baseline="0" dirty="0">
-                <a:solidFill>
-                  <a:srgbClr val="000000"/>
-                </a:solidFill>
-                <a:latin typeface="Times New Roman" panose="02020603050405020304" pitchFamily="18" charset="0"/>
-              </a:rPr>
-              <a:t> pada masing-masing </a:t>
-            </a:r>
-            <a:r>
-              <a:rPr lang="en-US" sz="1800" b="0" i="1" u="none" strike="noStrike" baseline="0" dirty="0">
-                <a:solidFill>
-                  <a:srgbClr val="000000"/>
-                </a:solidFill>
-                <a:latin typeface="Times New Roman" panose="02020603050405020304" pitchFamily="18" charset="0"/>
-              </a:rPr>
-              <a:t>chiller.</a:t>
-            </a:r>
-          </a:p>
-          <a:p>
-            <a:pPr algn="l"/>
-            <a:endParaRPr lang="en-US" sz="1800" b="0" i="0" u="none" strike="noStrike" baseline="0" dirty="0">
-              <a:solidFill>
-                <a:srgbClr val="000000"/>
-              </a:solidFill>
-              <a:latin typeface="Times New Roman" panose="02020603050405020304" pitchFamily="18" charset="0"/>
-            </a:endParaRPr>
-          </a:p>
-          <a:p>
-            <a:r>
-              <a:rPr lang="en-US" sz="1800" b="0" i="0" u="none" strike="noStrike" baseline="0" dirty="0" err="1">
-                <a:solidFill>
-                  <a:srgbClr val="000000"/>
-                </a:solidFill>
-                <a:latin typeface="Times New Roman" panose="02020603050405020304" pitchFamily="18" charset="0"/>
-              </a:rPr>
-              <a:t>Sistem</a:t>
-            </a:r>
-            <a:r>
-              <a:rPr lang="en-US" sz="1800" b="0" i="0" u="none" strike="noStrike" baseline="0" dirty="0">
-                <a:solidFill>
-                  <a:srgbClr val="000000"/>
-                </a:solidFill>
-                <a:latin typeface="Times New Roman" panose="02020603050405020304" pitchFamily="18" charset="0"/>
-              </a:rPr>
-              <a:t> monitoring </a:t>
-            </a:r>
-            <a:r>
-              <a:rPr lang="en-US" sz="1800" b="0" i="0" u="none" strike="noStrike" baseline="0" dirty="0" err="1">
-                <a:solidFill>
-                  <a:srgbClr val="000000"/>
-                </a:solidFill>
-                <a:latin typeface="Times New Roman" panose="02020603050405020304" pitchFamily="18" charset="0"/>
-              </a:rPr>
-              <a:t>melakukan</a:t>
-            </a:r>
-            <a:r>
-              <a:rPr lang="en-US" sz="1800" b="0" i="0" u="none" strike="noStrike" baseline="0" dirty="0">
-                <a:solidFill>
-                  <a:srgbClr val="000000"/>
-                </a:solidFill>
-                <a:latin typeface="Times New Roman" panose="02020603050405020304" pitchFamily="18" charset="0"/>
-              </a:rPr>
-              <a:t> </a:t>
-            </a:r>
-            <a:r>
-              <a:rPr lang="en-US" sz="1800" b="0" i="0" u="none" strike="noStrike" baseline="0" dirty="0" err="1">
-                <a:solidFill>
-                  <a:srgbClr val="000000"/>
-                </a:solidFill>
-                <a:latin typeface="Times New Roman" panose="02020603050405020304" pitchFamily="18" charset="0"/>
-              </a:rPr>
-              <a:t>pemantau</a:t>
-            </a:r>
-            <a:r>
-              <a:rPr lang="en-US" sz="1800" b="0" i="0" u="none" strike="noStrike" baseline="0" dirty="0">
-                <a:solidFill>
-                  <a:srgbClr val="000000"/>
-                </a:solidFill>
-                <a:latin typeface="Times New Roman" panose="02020603050405020304" pitchFamily="18" charset="0"/>
-              </a:rPr>
-              <a:t> </a:t>
-            </a:r>
-            <a:r>
-              <a:rPr lang="en-US" sz="1800" b="0" i="0" u="none" strike="noStrike" baseline="0" dirty="0" err="1">
-                <a:solidFill>
-                  <a:srgbClr val="000000"/>
-                </a:solidFill>
-                <a:latin typeface="Times New Roman" panose="02020603050405020304" pitchFamily="18" charset="0"/>
-              </a:rPr>
-              <a:t>suhu</a:t>
-            </a:r>
-            <a:r>
-              <a:rPr lang="en-US" sz="1800" b="0" i="0" u="none" strike="noStrike" baseline="0" dirty="0">
-                <a:solidFill>
-                  <a:srgbClr val="000000"/>
-                </a:solidFill>
-                <a:latin typeface="Times New Roman" panose="02020603050405020304" pitchFamily="18" charset="0"/>
-              </a:rPr>
-              <a:t> dan </a:t>
-            </a:r>
-            <a:r>
-              <a:rPr lang="en-US" sz="1800" b="0" i="0" u="none" strike="noStrike" baseline="0" dirty="0" err="1">
-                <a:solidFill>
-                  <a:srgbClr val="000000"/>
-                </a:solidFill>
-                <a:latin typeface="Times New Roman" panose="02020603050405020304" pitchFamily="18" charset="0"/>
-              </a:rPr>
-              <a:t>kelembaban</a:t>
-            </a:r>
-            <a:r>
-              <a:rPr lang="en-US" sz="1800" b="0" i="0" u="none" strike="noStrike" baseline="0" dirty="0">
-                <a:solidFill>
-                  <a:srgbClr val="000000"/>
-                </a:solidFill>
-                <a:latin typeface="Times New Roman" panose="02020603050405020304" pitchFamily="18" charset="0"/>
-              </a:rPr>
-              <a:t> </a:t>
-            </a:r>
-            <a:r>
-              <a:rPr lang="en-US" sz="1800" b="0" i="0" u="none" strike="noStrike" baseline="0" dirty="0" err="1">
-                <a:solidFill>
-                  <a:srgbClr val="000000"/>
-                </a:solidFill>
-                <a:latin typeface="Times New Roman" panose="02020603050405020304" pitchFamily="18" charset="0"/>
-              </a:rPr>
-              <a:t>secara</a:t>
-            </a:r>
-            <a:r>
-              <a:rPr lang="en-US" sz="1800" b="0" i="0" u="none" strike="noStrike" baseline="0" dirty="0">
-                <a:solidFill>
-                  <a:srgbClr val="000000"/>
-                </a:solidFill>
-                <a:latin typeface="Times New Roman" panose="02020603050405020304" pitchFamily="18" charset="0"/>
-              </a:rPr>
-              <a:t> </a:t>
-            </a:r>
-            <a:r>
-              <a:rPr lang="en-US" sz="1800" b="0" i="0" u="none" strike="noStrike" baseline="0" dirty="0" err="1">
-                <a:solidFill>
-                  <a:srgbClr val="000000"/>
-                </a:solidFill>
-                <a:latin typeface="Times New Roman" panose="02020603050405020304" pitchFamily="18" charset="0"/>
-              </a:rPr>
-              <a:t>berkala</a:t>
-            </a:r>
-            <a:r>
-              <a:rPr lang="en-US" sz="1800" b="0" i="0" u="none" strike="noStrike" baseline="0" dirty="0">
-                <a:solidFill>
-                  <a:srgbClr val="000000"/>
-                </a:solidFill>
-                <a:latin typeface="Times New Roman" panose="02020603050405020304" pitchFamily="18" charset="0"/>
-              </a:rPr>
-              <a:t> </a:t>
-            </a:r>
-            <a:r>
-              <a:rPr lang="en-US" sz="1800" b="0" i="0" u="none" strike="noStrike" baseline="0" dirty="0" err="1">
-                <a:solidFill>
-                  <a:srgbClr val="000000"/>
-                </a:solidFill>
-                <a:latin typeface="Times New Roman" panose="02020603050405020304" pitchFamily="18" charset="0"/>
-              </a:rPr>
-              <a:t>satu</a:t>
-            </a:r>
-            <a:r>
-              <a:rPr lang="en-US" sz="1800" b="0" i="0" u="none" strike="noStrike" baseline="0" dirty="0">
-                <a:solidFill>
-                  <a:srgbClr val="000000"/>
-                </a:solidFill>
-                <a:latin typeface="Times New Roman" panose="02020603050405020304" pitchFamily="18" charset="0"/>
-              </a:rPr>
-              <a:t> jam </a:t>
-            </a:r>
-            <a:r>
-              <a:rPr lang="en-US" sz="1800" b="0" i="0" u="none" strike="noStrike" baseline="0" dirty="0" err="1">
-                <a:solidFill>
-                  <a:srgbClr val="000000"/>
-                </a:solidFill>
-                <a:latin typeface="Times New Roman" panose="02020603050405020304" pitchFamily="18" charset="0"/>
-              </a:rPr>
-              <a:t>satu</a:t>
-            </a:r>
-            <a:r>
-              <a:rPr lang="en-US" sz="1800" b="0" i="0" u="none" strike="noStrike" baseline="0" dirty="0">
-                <a:solidFill>
-                  <a:srgbClr val="000000"/>
-                </a:solidFill>
-                <a:latin typeface="Times New Roman" panose="02020603050405020304" pitchFamily="18" charset="0"/>
-              </a:rPr>
-              <a:t> kali </a:t>
-            </a:r>
-            <a:r>
-              <a:rPr lang="en-US" sz="1800" b="0" i="0" u="none" strike="noStrike" baseline="0" dirty="0" err="1">
-                <a:solidFill>
-                  <a:srgbClr val="000000"/>
-                </a:solidFill>
-                <a:latin typeface="Times New Roman" panose="02020603050405020304" pitchFamily="18" charset="0"/>
-              </a:rPr>
-              <a:t>secara</a:t>
-            </a:r>
-            <a:r>
-              <a:rPr lang="en-US" sz="1800" b="0" i="0" u="none" strike="noStrike" baseline="0" dirty="0">
-                <a:solidFill>
-                  <a:srgbClr val="000000"/>
-                </a:solidFill>
-                <a:latin typeface="Times New Roman" panose="02020603050405020304" pitchFamily="18" charset="0"/>
-              </a:rPr>
-              <a:t> </a:t>
-            </a:r>
-            <a:r>
-              <a:rPr lang="en-US" sz="1800" b="0" i="0" u="none" strike="noStrike" baseline="0" dirty="0" err="1">
-                <a:solidFill>
-                  <a:srgbClr val="000000"/>
-                </a:solidFill>
-                <a:latin typeface="Times New Roman" panose="02020603050405020304" pitchFamily="18" charset="0"/>
-              </a:rPr>
-              <a:t>otomatis</a:t>
-            </a:r>
-            <a:r>
-              <a:rPr lang="en-US" sz="1800" b="0" i="0" u="none" strike="noStrike" baseline="0" dirty="0">
-                <a:solidFill>
-                  <a:srgbClr val="000000"/>
-                </a:solidFill>
-                <a:latin typeface="Times New Roman" panose="02020603050405020304" pitchFamily="18" charset="0"/>
-              </a:rPr>
-              <a:t>, dan </a:t>
-            </a:r>
-            <a:r>
-              <a:rPr lang="en-US" sz="1800" b="0" i="0" u="none" strike="noStrike" baseline="0" dirty="0" err="1">
-                <a:solidFill>
-                  <a:srgbClr val="000000"/>
-                </a:solidFill>
-                <a:latin typeface="Times New Roman" panose="02020603050405020304" pitchFamily="18" charset="0"/>
-              </a:rPr>
-              <a:t>kemudian</a:t>
-            </a:r>
-            <a:r>
-              <a:rPr lang="en-US" sz="1800" b="0" i="0" u="none" strike="noStrike" baseline="0" dirty="0">
-                <a:solidFill>
-                  <a:srgbClr val="000000"/>
-                </a:solidFill>
-                <a:latin typeface="Times New Roman" panose="02020603050405020304" pitchFamily="18" charset="0"/>
-              </a:rPr>
-              <a:t> data yang </a:t>
-            </a:r>
-            <a:r>
-              <a:rPr lang="en-US" sz="1800" b="0" i="0" u="none" strike="noStrike" baseline="0" dirty="0" err="1">
-                <a:solidFill>
-                  <a:srgbClr val="000000"/>
-                </a:solidFill>
-                <a:latin typeface="Times New Roman" panose="02020603050405020304" pitchFamily="18" charset="0"/>
-              </a:rPr>
-              <a:t>tersimpan</a:t>
-            </a:r>
-            <a:r>
-              <a:rPr lang="en-US" sz="1800" b="0" i="0" u="none" strike="noStrike" baseline="0" dirty="0">
-                <a:solidFill>
-                  <a:srgbClr val="000000"/>
-                </a:solidFill>
-                <a:latin typeface="Times New Roman" panose="02020603050405020304" pitchFamily="18" charset="0"/>
-              </a:rPr>
-              <a:t> </a:t>
-            </a:r>
-            <a:r>
-              <a:rPr lang="en-US" sz="1800" b="0" i="0" u="none" strike="noStrike" baseline="0" dirty="0" err="1">
-                <a:solidFill>
-                  <a:srgbClr val="000000"/>
-                </a:solidFill>
-                <a:latin typeface="Times New Roman" panose="02020603050405020304" pitchFamily="18" charset="0"/>
-              </a:rPr>
-              <a:t>dalam</a:t>
-            </a:r>
-            <a:r>
-              <a:rPr lang="en-US" sz="1800" b="0" i="0" u="none" strike="noStrike" baseline="0" dirty="0">
-                <a:solidFill>
-                  <a:srgbClr val="000000"/>
-                </a:solidFill>
-                <a:latin typeface="Times New Roman" panose="02020603050405020304" pitchFamily="18" charset="0"/>
-              </a:rPr>
-              <a:t> database </a:t>
-            </a:r>
-            <a:r>
-              <a:rPr lang="en-US" sz="1800" b="0" i="0" u="none" strike="noStrike" baseline="0" dirty="0" err="1">
-                <a:solidFill>
-                  <a:srgbClr val="000000"/>
-                </a:solidFill>
-                <a:latin typeface="Times New Roman" panose="02020603050405020304" pitchFamily="18" charset="0"/>
-              </a:rPr>
-              <a:t>ditampilkan</a:t>
-            </a:r>
-            <a:r>
-              <a:rPr lang="en-US" sz="1800" b="0" i="0" u="none" strike="noStrike" baseline="0" dirty="0">
-                <a:solidFill>
-                  <a:srgbClr val="000000"/>
-                </a:solidFill>
-                <a:latin typeface="Times New Roman" panose="02020603050405020304" pitchFamily="18" charset="0"/>
-              </a:rPr>
-              <a:t> </a:t>
-            </a:r>
-            <a:r>
-              <a:rPr lang="en-US" sz="1800" b="0" i="0" u="none" strike="noStrike" baseline="0" dirty="0" err="1">
-                <a:solidFill>
-                  <a:srgbClr val="000000"/>
-                </a:solidFill>
-                <a:latin typeface="Times New Roman" panose="02020603050405020304" pitchFamily="18" charset="0"/>
-              </a:rPr>
-              <a:t>dalam</a:t>
-            </a:r>
-            <a:r>
-              <a:rPr lang="en-US" sz="1800" b="0" i="0" u="none" strike="noStrike" baseline="0" dirty="0">
-                <a:solidFill>
-                  <a:srgbClr val="000000"/>
-                </a:solidFill>
-                <a:latin typeface="Times New Roman" panose="02020603050405020304" pitchFamily="18" charset="0"/>
-              </a:rPr>
-              <a:t> </a:t>
-            </a:r>
-            <a:r>
-              <a:rPr lang="en-US" sz="1800" b="0" i="0" u="none" strike="noStrike" baseline="0" dirty="0" err="1">
-                <a:solidFill>
-                  <a:srgbClr val="000000"/>
-                </a:solidFill>
-                <a:latin typeface="Times New Roman" panose="02020603050405020304" pitchFamily="18" charset="0"/>
-              </a:rPr>
-              <a:t>halaman</a:t>
-            </a:r>
-            <a:r>
-              <a:rPr lang="en-US" sz="1800" b="0" i="0" u="none" strike="noStrike" baseline="0" dirty="0">
-                <a:solidFill>
-                  <a:srgbClr val="000000"/>
-                </a:solidFill>
-                <a:latin typeface="Times New Roman" panose="02020603050405020304" pitchFamily="18" charset="0"/>
-              </a:rPr>
-              <a:t> web </a:t>
-            </a:r>
-            <a:r>
-              <a:rPr lang="en-US" sz="1800" b="0" i="0" u="none" strike="noStrike" baseline="0" dirty="0" err="1">
-                <a:solidFill>
-                  <a:srgbClr val="000000"/>
-                </a:solidFill>
-                <a:latin typeface="Times New Roman" panose="02020603050405020304" pitchFamily="18" charset="0"/>
-              </a:rPr>
-              <a:t>bertujuan</a:t>
-            </a:r>
-            <a:r>
-              <a:rPr lang="en-US" sz="1800" b="0" i="0" u="none" strike="noStrike" baseline="0" dirty="0">
-                <a:solidFill>
-                  <a:srgbClr val="000000"/>
-                </a:solidFill>
-                <a:latin typeface="Times New Roman" panose="02020603050405020304" pitchFamily="18" charset="0"/>
-              </a:rPr>
-              <a:t> agar </a:t>
-            </a:r>
-            <a:r>
-              <a:rPr lang="en-US" sz="1800" b="0" i="0" u="none" strike="noStrike" baseline="0" dirty="0" err="1">
-                <a:solidFill>
-                  <a:srgbClr val="000000"/>
-                </a:solidFill>
-                <a:latin typeface="Times New Roman" panose="02020603050405020304" pitchFamily="18" charset="0"/>
-              </a:rPr>
-              <a:t>petugas</a:t>
-            </a:r>
-            <a:r>
-              <a:rPr lang="en-US" sz="1800" b="0" i="0" u="none" strike="noStrike" baseline="0" dirty="0">
-                <a:solidFill>
-                  <a:srgbClr val="000000"/>
-                </a:solidFill>
-                <a:latin typeface="Times New Roman" panose="02020603050405020304" pitchFamily="18" charset="0"/>
-              </a:rPr>
-              <a:t> </a:t>
-            </a:r>
-            <a:r>
-              <a:rPr lang="en-US" sz="1800" b="0" i="0" u="none" strike="noStrike" baseline="0" dirty="0" err="1">
-                <a:solidFill>
-                  <a:srgbClr val="000000"/>
-                </a:solidFill>
-                <a:latin typeface="Times New Roman" panose="02020603050405020304" pitchFamily="18" charset="0"/>
-              </a:rPr>
-              <a:t>saat</a:t>
-            </a:r>
-            <a:r>
-              <a:rPr lang="en-US" sz="1800" b="0" i="0" u="none" strike="noStrike" baseline="0" dirty="0">
-                <a:solidFill>
-                  <a:srgbClr val="000000"/>
-                </a:solidFill>
-                <a:latin typeface="Times New Roman" panose="02020603050405020304" pitchFamily="18" charset="0"/>
-              </a:rPr>
-              <a:t> </a:t>
-            </a:r>
-            <a:r>
-              <a:rPr lang="en-US" sz="1800" b="0" i="0" u="none" strike="noStrike" baseline="0" dirty="0" err="1">
-                <a:solidFill>
-                  <a:srgbClr val="000000"/>
-                </a:solidFill>
-                <a:latin typeface="Times New Roman" panose="02020603050405020304" pitchFamily="18" charset="0"/>
-              </a:rPr>
-              <a:t>terlewat</a:t>
-            </a:r>
-            <a:r>
-              <a:rPr lang="en-US" sz="1800" b="0" i="0" u="none" strike="noStrike" baseline="0" dirty="0">
-                <a:solidFill>
-                  <a:srgbClr val="000000"/>
-                </a:solidFill>
-                <a:latin typeface="Times New Roman" panose="02020603050405020304" pitchFamily="18" charset="0"/>
-              </a:rPr>
-              <a:t> </a:t>
-            </a:r>
-            <a:r>
-              <a:rPr lang="en-US" sz="1800" b="0" i="0" u="none" strike="noStrike" baseline="0" dirty="0" err="1">
-                <a:solidFill>
-                  <a:srgbClr val="000000"/>
-                </a:solidFill>
-                <a:latin typeface="Times New Roman" panose="02020603050405020304" pitchFamily="18" charset="0"/>
-              </a:rPr>
-              <a:t>dalam</a:t>
-            </a:r>
-            <a:r>
-              <a:rPr lang="en-US" sz="1800" b="0" i="0" u="none" strike="noStrike" baseline="0" dirty="0">
-                <a:solidFill>
-                  <a:srgbClr val="000000"/>
-                </a:solidFill>
-                <a:latin typeface="Times New Roman" panose="02020603050405020304" pitchFamily="18" charset="0"/>
-              </a:rPr>
-              <a:t> </a:t>
-            </a:r>
-            <a:r>
-              <a:rPr lang="en-US" sz="1800" b="0" i="0" u="none" strike="noStrike" baseline="0" dirty="0" err="1">
-                <a:solidFill>
-                  <a:srgbClr val="000000"/>
-                </a:solidFill>
-                <a:latin typeface="Times New Roman" panose="02020603050405020304" pitchFamily="18" charset="0"/>
-              </a:rPr>
-              <a:t>pemantauan</a:t>
-            </a:r>
-            <a:r>
-              <a:rPr lang="en-US" sz="1800" b="0" i="0" u="none" strike="noStrike" baseline="0" dirty="0">
-                <a:solidFill>
-                  <a:srgbClr val="000000"/>
-                </a:solidFill>
-                <a:latin typeface="Times New Roman" panose="02020603050405020304" pitchFamily="18" charset="0"/>
-              </a:rPr>
-              <a:t> </a:t>
-            </a:r>
-            <a:r>
-              <a:rPr lang="en-US" sz="1800" b="0" i="0" u="none" strike="noStrike" baseline="0" dirty="0" err="1">
-                <a:solidFill>
-                  <a:srgbClr val="000000"/>
-                </a:solidFill>
-                <a:latin typeface="Times New Roman" panose="02020603050405020304" pitchFamily="18" charset="0"/>
-              </a:rPr>
-              <a:t>suhu</a:t>
-            </a:r>
-            <a:r>
-              <a:rPr lang="en-US" sz="1800" b="0" i="0" u="none" strike="noStrike" baseline="0" dirty="0">
-                <a:solidFill>
-                  <a:srgbClr val="000000"/>
-                </a:solidFill>
-                <a:latin typeface="Times New Roman" panose="02020603050405020304" pitchFamily="18" charset="0"/>
-              </a:rPr>
-              <a:t> dan </a:t>
-            </a:r>
-            <a:r>
-              <a:rPr lang="en-US" sz="1800" b="0" i="0" u="none" strike="noStrike" baseline="0" dirty="0" err="1">
-                <a:solidFill>
-                  <a:srgbClr val="000000"/>
-                </a:solidFill>
-                <a:latin typeface="Times New Roman" panose="02020603050405020304" pitchFamily="18" charset="0"/>
-              </a:rPr>
-              <a:t>kelembaban</a:t>
-            </a:r>
-            <a:r>
-              <a:rPr lang="en-US" sz="1800" b="0" i="0" u="none" strike="noStrike" baseline="0" dirty="0">
-                <a:solidFill>
-                  <a:srgbClr val="000000"/>
-                </a:solidFill>
-                <a:latin typeface="Times New Roman" panose="02020603050405020304" pitchFamily="18" charset="0"/>
-              </a:rPr>
-              <a:t> chiller data </a:t>
-            </a:r>
-            <a:r>
-              <a:rPr lang="en-US" sz="1800" b="0" i="0" u="none" strike="noStrike" baseline="0" dirty="0" err="1">
-                <a:solidFill>
-                  <a:srgbClr val="000000"/>
-                </a:solidFill>
-                <a:latin typeface="Times New Roman" panose="02020603050405020304" pitchFamily="18" charset="0"/>
-              </a:rPr>
-              <a:t>suhu</a:t>
-            </a:r>
-            <a:r>
-              <a:rPr lang="en-US" sz="1800" b="0" i="0" u="none" strike="noStrike" baseline="0" dirty="0">
-                <a:solidFill>
-                  <a:srgbClr val="000000"/>
-                </a:solidFill>
-                <a:latin typeface="Times New Roman" panose="02020603050405020304" pitchFamily="18" charset="0"/>
-              </a:rPr>
-              <a:t> </a:t>
-            </a:r>
-            <a:r>
-              <a:rPr lang="en-US" sz="1800" b="0" i="0" u="none" strike="noStrike" baseline="0" dirty="0" err="1">
-                <a:solidFill>
-                  <a:srgbClr val="000000"/>
-                </a:solidFill>
-                <a:latin typeface="Times New Roman" panose="02020603050405020304" pitchFamily="18" charset="0"/>
-              </a:rPr>
-              <a:t>sudah</a:t>
-            </a:r>
-            <a:r>
-              <a:rPr lang="en-US" sz="1800" b="0" i="0" u="none" strike="noStrike" baseline="0" dirty="0">
-                <a:solidFill>
-                  <a:srgbClr val="000000"/>
-                </a:solidFill>
-                <a:latin typeface="Times New Roman" panose="02020603050405020304" pitchFamily="18" charset="0"/>
-              </a:rPr>
-              <a:t> </a:t>
-            </a:r>
-            <a:r>
-              <a:rPr lang="en-US" sz="1800" b="0" i="0" u="none" strike="noStrike" baseline="0" dirty="0" err="1">
-                <a:solidFill>
-                  <a:srgbClr val="000000"/>
-                </a:solidFill>
-                <a:latin typeface="Times New Roman" panose="02020603050405020304" pitchFamily="18" charset="0"/>
-              </a:rPr>
-              <a:t>tersimpan</a:t>
-            </a:r>
-            <a:r>
-              <a:rPr lang="en-US" sz="1800" b="0" i="0" u="none" strike="noStrike" baseline="0" dirty="0">
-                <a:solidFill>
-                  <a:srgbClr val="000000"/>
-                </a:solidFill>
-                <a:latin typeface="Times New Roman" panose="02020603050405020304" pitchFamily="18" charset="0"/>
-              </a:rPr>
-              <a:t> </a:t>
-            </a:r>
-            <a:r>
-              <a:rPr lang="en-US" sz="1800" b="0" i="0" u="none" strike="noStrike" baseline="0" dirty="0" err="1">
-                <a:solidFill>
-                  <a:srgbClr val="000000"/>
-                </a:solidFill>
-                <a:latin typeface="Times New Roman" panose="02020603050405020304" pitchFamily="18" charset="0"/>
-              </a:rPr>
-              <a:t>rapih</a:t>
-            </a:r>
-            <a:r>
-              <a:rPr lang="en-US" sz="1800" b="0" i="0" u="none" strike="noStrike" baseline="0" dirty="0">
-                <a:solidFill>
-                  <a:srgbClr val="000000"/>
-                </a:solidFill>
-                <a:latin typeface="Times New Roman" panose="02020603050405020304" pitchFamily="18" charset="0"/>
-              </a:rPr>
-              <a:t> </a:t>
-            </a:r>
-            <a:r>
-              <a:rPr lang="en-US" sz="1800" b="0" i="0" u="none" strike="noStrike" baseline="0" dirty="0" err="1">
-                <a:solidFill>
-                  <a:srgbClr val="000000"/>
-                </a:solidFill>
-                <a:latin typeface="Times New Roman" panose="02020603050405020304" pitchFamily="18" charset="0"/>
-              </a:rPr>
-              <a:t>didatabase</a:t>
-            </a:r>
-            <a:r>
-              <a:rPr lang="en-US" sz="1800" b="0" i="0" u="none" strike="noStrike" baseline="0" dirty="0">
-                <a:solidFill>
-                  <a:srgbClr val="000000"/>
-                </a:solidFill>
-                <a:latin typeface="Times New Roman" panose="02020603050405020304" pitchFamily="18" charset="0"/>
-              </a:rPr>
-              <a:t>. </a:t>
-            </a:r>
-            <a:endParaRPr lang="en-US" sz="1800" b="0" i="1" u="none" strike="noStrike" baseline="0" dirty="0">
-              <a:solidFill>
-                <a:srgbClr val="000000"/>
-              </a:solidFill>
-              <a:latin typeface="Times New Roman" panose="02020603050405020304" pitchFamily="18" charset="0"/>
-            </a:endParaRPr>
-          </a:p>
-          <a:p>
-            <a:endParaRPr lang="en-US" i="1" dirty="0">
-              <a:solidFill>
-                <a:srgbClr val="000000"/>
-              </a:solidFill>
-              <a:latin typeface="Times New Roman" panose="02020603050405020304" pitchFamily="18" charset="0"/>
-            </a:endParaRPr>
-          </a:p>
-          <a:p>
-            <a:pPr algn="ctr"/>
-            <a:r>
-              <a:rPr lang="en-US" dirty="0">
-                <a:solidFill>
-                  <a:srgbClr val="000000"/>
-                </a:solidFill>
-                <a:latin typeface="Times New Roman" panose="02020603050405020304" pitchFamily="18" charset="0"/>
-              </a:rPr>
-              <a:t>Saran:</a:t>
-            </a:r>
-          </a:p>
-          <a:p>
-            <a:r>
-              <a:rPr lang="en-US" sz="1800" b="0" i="0" u="none" strike="noStrike" baseline="0" dirty="0">
-                <a:solidFill>
-                  <a:srgbClr val="000000"/>
-                </a:solidFill>
-                <a:latin typeface="Times New Roman" panose="02020603050405020304" pitchFamily="18" charset="0"/>
-              </a:rPr>
-              <a:t>Backup </a:t>
-            </a:r>
-            <a:r>
-              <a:rPr lang="en-US" sz="1800" b="0" i="0" u="none" strike="noStrike" baseline="0" dirty="0" err="1">
-                <a:solidFill>
-                  <a:srgbClr val="000000"/>
-                </a:solidFill>
-                <a:latin typeface="Times New Roman" panose="02020603050405020304" pitchFamily="18" charset="0"/>
-              </a:rPr>
-              <a:t>jaringan</a:t>
-            </a:r>
-            <a:r>
-              <a:rPr lang="en-US" sz="1800" b="0" i="0" u="none" strike="noStrike" baseline="0" dirty="0">
-                <a:solidFill>
-                  <a:srgbClr val="000000"/>
-                </a:solidFill>
-                <a:latin typeface="Times New Roman" panose="02020603050405020304" pitchFamily="18" charset="0"/>
-              </a:rPr>
-              <a:t> </a:t>
-            </a:r>
-            <a:r>
-              <a:rPr lang="en-US" sz="1800" b="0" i="0" u="none" strike="noStrike" baseline="0" dirty="0" err="1">
-                <a:solidFill>
-                  <a:srgbClr val="000000"/>
-                </a:solidFill>
-                <a:latin typeface="Times New Roman" panose="02020603050405020304" pitchFamily="18" charset="0"/>
-              </a:rPr>
-              <a:t>saat</a:t>
-            </a:r>
-            <a:r>
-              <a:rPr lang="en-US" sz="1800" b="0" i="0" u="none" strike="noStrike" baseline="0" dirty="0">
-                <a:solidFill>
-                  <a:srgbClr val="000000"/>
-                </a:solidFill>
-                <a:latin typeface="Times New Roman" panose="02020603050405020304" pitchFamily="18" charset="0"/>
-              </a:rPr>
-              <a:t> </a:t>
-            </a:r>
-            <a:r>
-              <a:rPr lang="en-US" sz="1800" b="0" i="0" u="none" strike="noStrike" baseline="0" dirty="0" err="1">
-                <a:solidFill>
-                  <a:srgbClr val="000000"/>
-                </a:solidFill>
-                <a:latin typeface="Times New Roman" panose="02020603050405020304" pitchFamily="18" charset="0"/>
-              </a:rPr>
-              <a:t>tidak</a:t>
-            </a:r>
-            <a:r>
-              <a:rPr lang="en-US" sz="1800" b="0" i="0" u="none" strike="noStrike" baseline="0" dirty="0">
-                <a:solidFill>
-                  <a:srgbClr val="000000"/>
-                </a:solidFill>
-                <a:latin typeface="Times New Roman" panose="02020603050405020304" pitchFamily="18" charset="0"/>
-              </a:rPr>
-              <a:t> </a:t>
-            </a:r>
-            <a:r>
-              <a:rPr lang="en-US" sz="1800" b="0" i="0" u="none" strike="noStrike" baseline="0" dirty="0" err="1">
-                <a:solidFill>
-                  <a:srgbClr val="000000"/>
-                </a:solidFill>
-                <a:latin typeface="Times New Roman" panose="02020603050405020304" pitchFamily="18" charset="0"/>
-              </a:rPr>
-              <a:t>terkoneksi</a:t>
-            </a:r>
-            <a:r>
-              <a:rPr lang="en-US" sz="1800" b="0" i="0" u="none" strike="noStrike" baseline="0" dirty="0">
-                <a:solidFill>
-                  <a:srgbClr val="000000"/>
-                </a:solidFill>
-                <a:latin typeface="Times New Roman" panose="02020603050405020304" pitchFamily="18" charset="0"/>
-              </a:rPr>
-              <a:t>, Backup </a:t>
-            </a:r>
-            <a:r>
-              <a:rPr lang="en-US" sz="1800" b="0" i="0" u="none" strike="noStrike" baseline="0" dirty="0" err="1">
-                <a:solidFill>
-                  <a:srgbClr val="000000"/>
-                </a:solidFill>
-                <a:latin typeface="Times New Roman" panose="02020603050405020304" pitchFamily="18" charset="0"/>
-              </a:rPr>
-              <a:t>daya</a:t>
-            </a:r>
-            <a:r>
-              <a:rPr lang="en-US" sz="1800" b="0" i="0" u="none" strike="noStrike" baseline="0" dirty="0">
-                <a:solidFill>
-                  <a:srgbClr val="000000"/>
-                </a:solidFill>
-                <a:latin typeface="Times New Roman" panose="02020603050405020304" pitchFamily="18" charset="0"/>
-              </a:rPr>
-              <a:t> </a:t>
-            </a:r>
-            <a:r>
-              <a:rPr lang="en-US" sz="1800" b="0" i="0" u="none" strike="noStrike" baseline="0" dirty="0" err="1">
-                <a:solidFill>
-                  <a:srgbClr val="000000"/>
-                </a:solidFill>
-                <a:latin typeface="Times New Roman" panose="02020603050405020304" pitchFamily="18" charset="0"/>
-              </a:rPr>
-              <a:t>listrik</a:t>
-            </a:r>
-            <a:r>
-              <a:rPr lang="en-US" sz="1800" b="0" i="0" u="none" strike="noStrike" baseline="0" dirty="0">
-                <a:solidFill>
-                  <a:srgbClr val="000000"/>
-                </a:solidFill>
-                <a:latin typeface="Times New Roman" panose="02020603050405020304" pitchFamily="18" charset="0"/>
-              </a:rPr>
-              <a:t>, </a:t>
-            </a:r>
-            <a:r>
-              <a:rPr lang="en-US" sz="1800" b="0" i="0" u="none" strike="noStrike" baseline="0" dirty="0" err="1">
-                <a:solidFill>
-                  <a:srgbClr val="000000"/>
-                </a:solidFill>
-                <a:latin typeface="Times New Roman" panose="02020603050405020304" pitchFamily="18" charset="0"/>
-              </a:rPr>
-              <a:t>Tempat</a:t>
-            </a:r>
-            <a:r>
-              <a:rPr lang="en-US" sz="1800" b="0" i="0" u="none" strike="noStrike" baseline="0" dirty="0">
-                <a:solidFill>
-                  <a:srgbClr val="000000"/>
-                </a:solidFill>
-                <a:latin typeface="Times New Roman" panose="02020603050405020304" pitchFamily="18" charset="0"/>
-              </a:rPr>
-              <a:t>/box </a:t>
-            </a:r>
-            <a:r>
-              <a:rPr lang="en-US" sz="1800" b="0" i="0" u="none" strike="noStrike" baseline="0" dirty="0" err="1">
-                <a:solidFill>
-                  <a:srgbClr val="000000"/>
-                </a:solidFill>
-                <a:latin typeface="Times New Roman" panose="02020603050405020304" pitchFamily="18" charset="0"/>
-              </a:rPr>
-              <a:t>untuk</a:t>
-            </a:r>
-            <a:r>
-              <a:rPr lang="en-US" sz="1800" b="0" i="0" u="none" strike="noStrike" baseline="0" dirty="0">
-                <a:solidFill>
-                  <a:srgbClr val="000000"/>
-                </a:solidFill>
-                <a:latin typeface="Times New Roman" panose="02020603050405020304" pitchFamily="18" charset="0"/>
-              </a:rPr>
-              <a:t> </a:t>
-            </a:r>
-            <a:r>
-              <a:rPr lang="en-US" sz="1800" b="0" i="0" u="none" strike="noStrike" baseline="0" dirty="0" err="1">
-                <a:solidFill>
-                  <a:srgbClr val="000000"/>
-                </a:solidFill>
-                <a:latin typeface="Times New Roman" panose="02020603050405020304" pitchFamily="18" charset="0"/>
-              </a:rPr>
-              <a:t>modul</a:t>
-            </a:r>
-            <a:r>
-              <a:rPr lang="en-US" sz="1800" b="0" i="0" u="none" strike="noStrike" baseline="0" dirty="0">
-                <a:solidFill>
-                  <a:srgbClr val="000000"/>
-                </a:solidFill>
-                <a:latin typeface="Times New Roman" panose="02020603050405020304" pitchFamily="18" charset="0"/>
-              </a:rPr>
-              <a:t>.</a:t>
-            </a:r>
-          </a:p>
-          <a:p>
-            <a:r>
-              <a:rPr lang="en-US" sz="1800" b="0" i="1" u="none" strike="noStrike" baseline="0" dirty="0">
-                <a:solidFill>
-                  <a:srgbClr val="000000"/>
-                </a:solidFill>
-                <a:latin typeface="Times New Roman" panose="02020603050405020304" pitchFamily="18" charset="0"/>
-              </a:rPr>
-              <a:t> </a:t>
-            </a:r>
-            <a:endParaRPr lang="en-US" sz="1800" b="0" i="0" u="none" strike="noStrike" baseline="0" dirty="0">
-              <a:solidFill>
-                <a:srgbClr val="000000"/>
-              </a:solidFill>
-              <a:latin typeface="Times New Roman" panose="02020603050405020304" pitchFamily="18" charset="0"/>
-            </a:endParaRPr>
-          </a:p>
-          <a:p>
-            <a:endParaRPr lang="en-US" dirty="0"/>
-          </a:p>
-        </p:txBody>
-      </p:sp>
-      <p:pic>
-        <p:nvPicPr>
-          <p:cNvPr id="16" name="Picture 15">
-            <a:extLst>
-              <a:ext uri="{FF2B5EF4-FFF2-40B4-BE49-F238E27FC236}">
-                <a16:creationId xmlns:a16="http://schemas.microsoft.com/office/drawing/2014/main" id="{D8004344-0588-4032-9CD7-3ED7C2C4D2DE}"/>
-              </a:ext>
-            </a:extLst>
-          </p:cNvPr>
-          <p:cNvPicPr>
-            <a:picLocks noChangeAspect="1"/>
-          </p:cNvPicPr>
-          <p:nvPr/>
-        </p:nvPicPr>
-        <p:blipFill>
-          <a:blip r:embed="rId2">
-            <a:extLst>
-              <a:ext uri="{28A0092B-C50C-407E-A947-70E740481C1C}">
-                <a14:useLocalDpi xmlns:a14="http://schemas.microsoft.com/office/drawing/2010/main" val="0"/>
-              </a:ext>
-            </a:extLst>
-          </a:blip>
-          <a:stretch>
-            <a:fillRect/>
-          </a:stretch>
-        </p:blipFill>
-        <p:spPr>
-          <a:xfrm>
-            <a:off x="10289438" y="328000"/>
-            <a:ext cx="1253414" cy="1215811"/>
-          </a:xfrm>
-          <a:prstGeom prst="rect">
-            <a:avLst/>
-          </a:prstGeom>
-        </p:spPr>
-      </p:pic>
-      <p:sp>
-        <p:nvSpPr>
-          <p:cNvPr id="17" name="TextBox 16">
-            <a:extLst>
-              <a:ext uri="{FF2B5EF4-FFF2-40B4-BE49-F238E27FC236}">
-                <a16:creationId xmlns:a16="http://schemas.microsoft.com/office/drawing/2014/main" id="{C7B14FC5-25CC-4F49-AEA4-EEABD625DA14}"/>
-              </a:ext>
-            </a:extLst>
-          </p:cNvPr>
-          <p:cNvSpPr txBox="1"/>
-          <p:nvPr/>
-        </p:nvSpPr>
-        <p:spPr>
-          <a:xfrm>
-            <a:off x="193076" y="6162260"/>
-            <a:ext cx="3719964" cy="369332"/>
-          </a:xfrm>
-          <a:prstGeom prst="rect">
-            <a:avLst/>
-          </a:prstGeom>
-          <a:noFill/>
-        </p:spPr>
-        <p:txBody>
-          <a:bodyPr wrap="square">
-            <a:spAutoFit/>
-          </a:bodyPr>
-          <a:lstStyle/>
-          <a:p>
-            <a:pPr marL="0" marR="0" algn="ctr">
-              <a:spcBef>
-                <a:spcPts val="0"/>
-              </a:spcBef>
-              <a:spcAft>
-                <a:spcPts val="0"/>
-              </a:spcAft>
-            </a:pPr>
-            <a:r>
-              <a:rPr lang="en-US" b="1" dirty="0">
-                <a:latin typeface="Times New Roman" panose="02020603050405020304" pitchFamily="18" charset="0"/>
-                <a:ea typeface="Calibri" panose="020F0502020204030204" pitchFamily="34" charset="0"/>
-                <a:cs typeface="Times New Roman" panose="02020603050405020304" pitchFamily="18" charset="0"/>
-              </a:rPr>
-              <a:t>UNIVERSITAS PAMULANG 2021</a:t>
-            </a:r>
-            <a:endParaRPr lang="en-US" dirty="0">
-              <a:effectLst/>
-              <a:latin typeface="Times New Roman" panose="02020603050405020304" pitchFamily="18" charset="0"/>
-              <a:ea typeface="Calibri" panose="020F0502020204030204" pitchFamily="34" charset="0"/>
-              <a:cs typeface="Times New Roman" panose="02020603050405020304" pitchFamily="18" charset="0"/>
-            </a:endParaRPr>
-          </a:p>
-        </p:txBody>
-      </p:sp>
-    </p:spTree>
-    <p:extLst>
-      <p:ext uri="{BB962C8B-B14F-4D97-AF65-F5344CB8AC3E}">
-        <p14:creationId xmlns:p14="http://schemas.microsoft.com/office/powerpoint/2010/main" val="4009928069"/>
-      </p:ext>
-    </p:extLst>
-  </p:cSld>
-  <p:clrMapOvr>
-    <a:masterClrMapping/>
-  </p:clrMapOvr>
-</p:sld>
-</file>
-
-<file path=ppt/slides/slide14.xml><?xml version="1.0" encoding="utf-8"?>
-<p:sld xmlns:a="http://schemas.openxmlformats.org/drawingml/2006/main" xmlns:r="http://schemas.openxmlformats.org/officeDocument/2006/relationships" xmlns:p="http://schemas.openxmlformats.org/presentationml/2006/main">
-  <p:cSld>
-    <p:spTree>
-      <p:nvGrpSpPr>
-        <p:cNvPr id="1" name=""/>
-        <p:cNvGrpSpPr/>
-        <p:nvPr/>
-      </p:nvGrpSpPr>
-      <p:grpSpPr>
-        <a:xfrm>
-          <a:off x="0" y="0"/>
-          <a:ext cx="0" cy="0"/>
-          <a:chOff x="0" y="0"/>
-          <a:chExt cx="0" cy="0"/>
-        </a:xfrm>
-      </p:grpSpPr>
-      <p:sp>
-        <p:nvSpPr>
-          <p:cNvPr id="4" name="Arrow: Pentagon 3">
-            <a:extLst>
-              <a:ext uri="{FF2B5EF4-FFF2-40B4-BE49-F238E27FC236}">
-                <a16:creationId xmlns:a16="http://schemas.microsoft.com/office/drawing/2014/main" id="{A8D63573-6727-457B-9712-BEC9C103CE30}"/>
-              </a:ext>
-            </a:extLst>
-          </p:cNvPr>
-          <p:cNvSpPr/>
-          <p:nvPr/>
-        </p:nvSpPr>
-        <p:spPr>
-          <a:xfrm>
-            <a:off x="0" y="379827"/>
-            <a:ext cx="5219114" cy="478302"/>
+          <a:xfrm rot="10800000">
+            <a:off x="9678536" y="6134915"/>
+            <a:ext cx="3123062" cy="340699"/>
           </a:xfrm>
           <a:prstGeom prst="homePlate">
-            <a:avLst/>
-          </a:prstGeom>
-          <a:gradFill flip="none" rotWithShape="1">
-            <a:gsLst>
-              <a:gs pos="0">
-                <a:schemeClr val="accent5">
-                  <a:lumMod val="67000"/>
-                </a:schemeClr>
-              </a:gs>
-              <a:gs pos="48000">
-                <a:schemeClr val="accent5">
-                  <a:lumMod val="97000"/>
-                  <a:lumOff val="3000"/>
-                </a:schemeClr>
-              </a:gs>
-              <a:gs pos="100000">
-                <a:schemeClr val="accent5">
-                  <a:lumMod val="60000"/>
-                  <a:lumOff val="40000"/>
-                </a:schemeClr>
-              </a:gs>
-            </a:gsLst>
-            <a:lin ang="16200000" scaled="1"/>
-            <a:tileRect/>
-          </a:gradFill>
-          <a:ln>
-            <a:noFill/>
-          </a:ln>
-        </p:spPr>
-        <p:style>
-          <a:lnRef idx="0">
-            <a:scrgbClr r="0" g="0" b="0"/>
-          </a:lnRef>
-          <a:fillRef idx="0">
-            <a:scrgbClr r="0" g="0" b="0"/>
-          </a:fillRef>
-          <a:effectRef idx="0">
-            <a:scrgbClr r="0" g="0" b="0"/>
-          </a:effectRef>
-          <a:fontRef idx="minor">
-            <a:schemeClr val="lt1"/>
-          </a:fontRef>
-        </p:style>
-        <p:txBody>
-          <a:bodyPr rtlCol="0" anchor="ctr"/>
-          <a:lstStyle/>
-          <a:p>
-            <a:pPr algn="ctr"/>
-            <a:endParaRPr lang="en-US"/>
-          </a:p>
-        </p:txBody>
-      </p:sp>
-      <p:sp>
-        <p:nvSpPr>
-          <p:cNvPr id="5" name="Arrow: Pentagon 4">
-            <a:extLst>
-              <a:ext uri="{FF2B5EF4-FFF2-40B4-BE49-F238E27FC236}">
-                <a16:creationId xmlns:a16="http://schemas.microsoft.com/office/drawing/2014/main" id="{DF05BD9A-A447-49E2-B805-3D358EE4B470}"/>
-              </a:ext>
-            </a:extLst>
-          </p:cNvPr>
-          <p:cNvSpPr/>
-          <p:nvPr/>
-        </p:nvSpPr>
-        <p:spPr>
-          <a:xfrm rot="10800000">
-            <a:off x="7118251" y="379826"/>
-            <a:ext cx="4921347" cy="478302"/>
-          </a:xfrm>
-          <a:prstGeom prst="homePlate">
-            <a:avLst/>
-          </a:prstGeom>
-          <a:gradFill flip="none" rotWithShape="1">
-            <a:gsLst>
-              <a:gs pos="0">
-                <a:schemeClr val="accent4">
-                  <a:lumMod val="67000"/>
-                </a:schemeClr>
-              </a:gs>
-              <a:gs pos="48000">
-                <a:schemeClr val="accent4">
-                  <a:lumMod val="97000"/>
-                  <a:lumOff val="3000"/>
-                </a:schemeClr>
-              </a:gs>
-              <a:gs pos="100000">
-                <a:schemeClr val="accent4">
-                  <a:lumMod val="60000"/>
-                  <a:lumOff val="40000"/>
-                </a:schemeClr>
-              </a:gs>
-            </a:gsLst>
-            <a:lin ang="16200000" scaled="1"/>
-            <a:tileRect/>
-          </a:gradFill>
-          <a:ln>
-            <a:noFill/>
-          </a:ln>
-        </p:spPr>
-        <p:style>
-          <a:lnRef idx="0">
-            <a:scrgbClr r="0" g="0" b="0"/>
-          </a:lnRef>
-          <a:fillRef idx="0">
-            <a:scrgbClr r="0" g="0" b="0"/>
-          </a:fillRef>
-          <a:effectRef idx="0">
-            <a:scrgbClr r="0" g="0" b="0"/>
-          </a:effectRef>
-          <a:fontRef idx="minor">
-            <a:schemeClr val="lt1"/>
-          </a:fontRef>
-        </p:style>
-        <p:txBody>
-          <a:bodyPr rtlCol="0" anchor="ctr"/>
-          <a:lstStyle/>
-          <a:p>
-            <a:pPr algn="ctr"/>
-            <a:endParaRPr lang="en-US"/>
-          </a:p>
-        </p:txBody>
-      </p:sp>
-      <p:sp>
-        <p:nvSpPr>
-          <p:cNvPr id="2" name="Rectangle 1">
-            <a:extLst>
-              <a:ext uri="{FF2B5EF4-FFF2-40B4-BE49-F238E27FC236}">
-                <a16:creationId xmlns:a16="http://schemas.microsoft.com/office/drawing/2014/main" id="{04727BB1-E556-48AE-82C0-D99B23B0A5A8}"/>
-              </a:ext>
-            </a:extLst>
-          </p:cNvPr>
-          <p:cNvSpPr/>
-          <p:nvPr/>
-        </p:nvSpPr>
-        <p:spPr>
-          <a:xfrm>
-            <a:off x="3907671" y="3087174"/>
-            <a:ext cx="4376655" cy="923330"/>
-          </a:xfrm>
-          <a:prstGeom prst="rect">
-            <a:avLst/>
-          </a:prstGeom>
-          <a:gradFill flip="none" rotWithShape="1">
-            <a:gsLst>
-              <a:gs pos="0">
-                <a:schemeClr val="accent4">
-                  <a:lumMod val="67000"/>
-                </a:schemeClr>
-              </a:gs>
-              <a:gs pos="48000">
-                <a:schemeClr val="accent4">
-                  <a:lumMod val="97000"/>
-                  <a:lumOff val="3000"/>
-                </a:schemeClr>
-              </a:gs>
-              <a:gs pos="100000">
-                <a:schemeClr val="accent4">
-                  <a:lumMod val="60000"/>
-                  <a:lumOff val="40000"/>
-                </a:schemeClr>
-              </a:gs>
-            </a:gsLst>
-            <a:lin ang="16200000" scaled="1"/>
-            <a:tileRect/>
-          </a:gradFill>
-          <a:ln>
-            <a:noFill/>
-          </a:ln>
-        </p:spPr>
-        <p:style>
-          <a:lnRef idx="0">
-            <a:scrgbClr r="0" g="0" b="0"/>
-          </a:lnRef>
-          <a:fillRef idx="0">
-            <a:scrgbClr r="0" g="0" b="0"/>
-          </a:fillRef>
-          <a:effectRef idx="0">
-            <a:scrgbClr r="0" g="0" b="0"/>
-          </a:effectRef>
-          <a:fontRef idx="minor">
-            <a:schemeClr val="lt1"/>
-          </a:fontRef>
-        </p:style>
-        <p:txBody>
-          <a:bodyPr wrap="square" lIns="91440" tIns="45720" rIns="91440" bIns="45720">
-            <a:spAutoFit/>
-          </a:bodyPr>
-          <a:lstStyle/>
-          <a:p>
-            <a:pPr algn="ctr"/>
-            <a:r>
-              <a:rPr lang="en-US" sz="5400" b="1" dirty="0">
-                <a:ln/>
-                <a:pattFill prst="dkUpDiag">
-                  <a:fgClr>
-                    <a:schemeClr val="bg1">
-                      <a:lumMod val="50000"/>
-                    </a:schemeClr>
-                  </a:fgClr>
-                  <a:bgClr>
-                    <a:schemeClr val="tx1">
-                      <a:lumMod val="75000"/>
-                      <a:lumOff val="25000"/>
-                    </a:schemeClr>
-                  </a:bgClr>
-                </a:pattFill>
-                <a:effectLst>
-                  <a:outerShdw blurRad="38100" dist="19050" dir="2700000" algn="tl" rotWithShape="0">
-                    <a:schemeClr val="dk1">
-                      <a:lumMod val="50000"/>
-                      <a:alpha val="40000"/>
-                    </a:schemeClr>
-                  </a:outerShdw>
-                </a:effectLst>
-              </a:rPr>
-              <a:t>Thank you</a:t>
-            </a:r>
-            <a:endParaRPr lang="en-US" sz="5400" b="1" cap="none" spc="0" dirty="0">
-              <a:ln w="9525">
-                <a:solidFill>
-                  <a:schemeClr val="bg1"/>
-                </a:solidFill>
-                <a:prstDash val="solid"/>
-              </a:ln>
-              <a:solidFill>
-                <a:schemeClr val="tx1"/>
-              </a:solidFill>
-              <a:effectLst>
-                <a:outerShdw blurRad="12700" dist="38100" dir="2700000" algn="tl" rotWithShape="0">
-                  <a:schemeClr val="bg1">
-                    <a:lumMod val="50000"/>
-                  </a:schemeClr>
-                </a:outerShdw>
-              </a:effectLst>
-            </a:endParaRPr>
-          </a:p>
-        </p:txBody>
-      </p:sp>
-      <p:sp>
-        <p:nvSpPr>
-          <p:cNvPr id="3" name="TextBox 2">
-            <a:extLst>
-              <a:ext uri="{FF2B5EF4-FFF2-40B4-BE49-F238E27FC236}">
-                <a16:creationId xmlns:a16="http://schemas.microsoft.com/office/drawing/2014/main" id="{030F513F-68FF-4A12-8185-F3C69F9336E4}"/>
-              </a:ext>
-            </a:extLst>
-          </p:cNvPr>
-          <p:cNvSpPr txBox="1"/>
-          <p:nvPr/>
-        </p:nvSpPr>
-        <p:spPr>
-          <a:xfrm>
-            <a:off x="2272796" y="4222538"/>
-            <a:ext cx="8129919" cy="646331"/>
-          </a:xfrm>
-          <a:prstGeom prst="rect">
-            <a:avLst/>
-          </a:prstGeom>
-          <a:noFill/>
-        </p:spPr>
-        <p:txBody>
-          <a:bodyPr wrap="none" rtlCol="0">
-            <a:spAutoFit/>
-          </a:bodyPr>
-          <a:lstStyle/>
-          <a:p>
-            <a:pPr algn="ctr"/>
-            <a:r>
-              <a:rPr lang="en-US" b="1" i="1" dirty="0">
-                <a:latin typeface="Rockwell" panose="02060603020205020403" pitchFamily="18" charset="0"/>
-              </a:rPr>
-              <a:t>“</a:t>
-            </a:r>
-            <a:r>
-              <a:rPr lang="en-US" b="1" i="1" dirty="0" err="1">
-                <a:latin typeface="Rockwell" panose="02060603020205020403" pitchFamily="18" charset="0"/>
-              </a:rPr>
-              <a:t>Imajinasi</a:t>
-            </a:r>
-            <a:r>
-              <a:rPr lang="en-US" b="1" i="1" dirty="0">
-                <a:latin typeface="Rockwell" panose="02060603020205020403" pitchFamily="18" charset="0"/>
-              </a:rPr>
-              <a:t> </a:t>
-            </a:r>
-            <a:r>
-              <a:rPr lang="en-US" b="1" i="1" dirty="0" err="1">
-                <a:latin typeface="Rockwell" panose="02060603020205020403" pitchFamily="18" charset="0"/>
-              </a:rPr>
-              <a:t>adalah</a:t>
-            </a:r>
-            <a:r>
-              <a:rPr lang="en-US" b="1" i="1" dirty="0">
-                <a:latin typeface="Rockwell" panose="02060603020205020403" pitchFamily="18" charset="0"/>
-              </a:rPr>
-              <a:t> </a:t>
-            </a:r>
-            <a:r>
-              <a:rPr lang="en-US" b="1" i="1" dirty="0" err="1">
-                <a:latin typeface="Rockwell" panose="02060603020205020403" pitchFamily="18" charset="0"/>
-              </a:rPr>
-              <a:t>segalanya</a:t>
-            </a:r>
-            <a:r>
-              <a:rPr lang="en-US" b="1" i="1" dirty="0">
-                <a:latin typeface="Rockwell" panose="02060603020205020403" pitchFamily="18" charset="0"/>
-              </a:rPr>
-              <a:t>,</a:t>
-            </a:r>
-          </a:p>
-          <a:p>
-            <a:pPr algn="ctr"/>
-            <a:r>
-              <a:rPr lang="en-US" b="1" i="1" dirty="0" err="1">
-                <a:latin typeface="Rockwell" panose="02060603020205020403" pitchFamily="18" charset="0"/>
-              </a:rPr>
-              <a:t>imajinasi</a:t>
-            </a:r>
-            <a:r>
-              <a:rPr lang="en-US" b="1" i="1" dirty="0">
-                <a:latin typeface="Rockwell" panose="02060603020205020403" pitchFamily="18" charset="0"/>
-              </a:rPr>
-              <a:t> </a:t>
-            </a:r>
-            <a:r>
-              <a:rPr lang="en-US" b="1" i="1" dirty="0" err="1">
-                <a:latin typeface="Rockwell" panose="02060603020205020403" pitchFamily="18" charset="0"/>
-              </a:rPr>
-              <a:t>merupakan</a:t>
-            </a:r>
-            <a:r>
-              <a:rPr lang="en-US" b="1" i="1" dirty="0">
-                <a:latin typeface="Rockwell" panose="02060603020205020403" pitchFamily="18" charset="0"/>
-              </a:rPr>
-              <a:t> </a:t>
-            </a:r>
-            <a:r>
-              <a:rPr lang="en-US" b="1" i="1" dirty="0" err="1">
-                <a:latin typeface="Rockwell" panose="02060603020205020403" pitchFamily="18" charset="0"/>
-              </a:rPr>
-              <a:t>gambaran</a:t>
-            </a:r>
-            <a:r>
-              <a:rPr lang="en-US" b="1" i="1" dirty="0">
-                <a:latin typeface="Rockwell" panose="02060603020205020403" pitchFamily="18" charset="0"/>
-              </a:rPr>
-              <a:t> </a:t>
-            </a:r>
-            <a:r>
-              <a:rPr lang="en-US" b="1" i="1" dirty="0" err="1">
-                <a:latin typeface="Rockwell" panose="02060603020205020403" pitchFamily="18" charset="0"/>
-              </a:rPr>
-              <a:t>awal</a:t>
-            </a:r>
-            <a:r>
-              <a:rPr lang="en-US" b="1" i="1" dirty="0">
-                <a:latin typeface="Rockwell" panose="02060603020205020403" pitchFamily="18" charset="0"/>
-              </a:rPr>
-              <a:t> </a:t>
-            </a:r>
-            <a:r>
-              <a:rPr lang="en-US" b="1" i="1" dirty="0" err="1">
-                <a:latin typeface="Rockwell" panose="02060603020205020403" pitchFamily="18" charset="0"/>
-              </a:rPr>
-              <a:t>daya</a:t>
-            </a:r>
-            <a:r>
-              <a:rPr lang="en-US" b="1" i="1" dirty="0">
-                <a:latin typeface="Rockwell" panose="02060603020205020403" pitchFamily="18" charset="0"/>
-              </a:rPr>
-              <a:t> </a:t>
-            </a:r>
-            <a:r>
-              <a:rPr lang="en-US" b="1" i="1" dirty="0" err="1">
-                <a:latin typeface="Rockwell" panose="02060603020205020403" pitchFamily="18" charset="0"/>
-              </a:rPr>
-              <a:t>tarik</a:t>
-            </a:r>
-            <a:r>
-              <a:rPr lang="en-US" b="1" i="1" dirty="0">
-                <a:latin typeface="Rockwell" panose="02060603020205020403" pitchFamily="18" charset="0"/>
-              </a:rPr>
-              <a:t> </a:t>
-            </a:r>
-            <a:r>
-              <a:rPr lang="en-US" b="1" i="1" dirty="0" err="1">
-                <a:latin typeface="Rockwell" panose="02060603020205020403" pitchFamily="18" charset="0"/>
-              </a:rPr>
-              <a:t>kehidupan</a:t>
-            </a:r>
-            <a:r>
-              <a:rPr lang="en-US" b="1" i="1" dirty="0">
-                <a:latin typeface="Rockwell" panose="02060603020205020403" pitchFamily="18" charset="0"/>
-              </a:rPr>
-              <a:t> </a:t>
-            </a:r>
-            <a:r>
-              <a:rPr lang="en-US" b="1" i="1" dirty="0" err="1">
-                <a:latin typeface="Rockwell" panose="02060603020205020403" pitchFamily="18" charset="0"/>
-              </a:rPr>
-              <a:t>mendatang</a:t>
-            </a:r>
-            <a:r>
-              <a:rPr lang="en-US" b="1" i="1" dirty="0">
-                <a:latin typeface="Rockwell" panose="02060603020205020403" pitchFamily="18" charset="0"/>
-              </a:rPr>
-              <a:t>”</a:t>
-            </a:r>
-            <a:endParaRPr lang="en-US" b="1" dirty="0">
-              <a:latin typeface="Rockwell" panose="02060603020205020403" pitchFamily="18" charset="0"/>
-            </a:endParaRPr>
-          </a:p>
-        </p:txBody>
-      </p:sp>
-      <p:pic>
-        <p:nvPicPr>
-          <p:cNvPr id="7" name="Picture 6">
-            <a:extLst>
-              <a:ext uri="{FF2B5EF4-FFF2-40B4-BE49-F238E27FC236}">
-                <a16:creationId xmlns:a16="http://schemas.microsoft.com/office/drawing/2014/main" id="{BCDF7C23-67BB-46FD-998B-202F1C05CCEA}"/>
-              </a:ext>
-            </a:extLst>
-          </p:cNvPr>
-          <p:cNvPicPr>
-            <a:picLocks noChangeAspect="1"/>
-          </p:cNvPicPr>
-          <p:nvPr/>
-        </p:nvPicPr>
-        <p:blipFill>
-          <a:blip r:embed="rId2">
-            <a:extLst>
-              <a:ext uri="{28A0092B-C50C-407E-A947-70E740481C1C}">
-                <a14:useLocalDpi xmlns:a14="http://schemas.microsoft.com/office/drawing/2010/main" val="0"/>
-              </a:ext>
-            </a:extLst>
-          </a:blip>
-          <a:stretch>
-            <a:fillRect/>
-          </a:stretch>
-        </p:blipFill>
-        <p:spPr>
-          <a:xfrm>
-            <a:off x="5469291" y="379825"/>
-            <a:ext cx="1253414" cy="1215811"/>
-          </a:xfrm>
-          <a:prstGeom prst="rect">
-            <a:avLst/>
-          </a:prstGeom>
-        </p:spPr>
-      </p:pic>
-      <p:sp>
-        <p:nvSpPr>
-          <p:cNvPr id="10" name="TextBox 9">
-            <a:extLst>
-              <a:ext uri="{FF2B5EF4-FFF2-40B4-BE49-F238E27FC236}">
-                <a16:creationId xmlns:a16="http://schemas.microsoft.com/office/drawing/2014/main" id="{FDED0E09-7166-46D3-A059-F568BADC1A46}"/>
-              </a:ext>
-            </a:extLst>
-          </p:cNvPr>
-          <p:cNvSpPr txBox="1"/>
-          <p:nvPr/>
-        </p:nvSpPr>
-        <p:spPr>
-          <a:xfrm>
-            <a:off x="4236016" y="1595636"/>
-            <a:ext cx="3719964" cy="369332"/>
-          </a:xfrm>
-          <a:prstGeom prst="rect">
-            <a:avLst/>
-          </a:prstGeom>
-          <a:noFill/>
-        </p:spPr>
-        <p:txBody>
-          <a:bodyPr wrap="square">
-            <a:spAutoFit/>
-          </a:bodyPr>
-          <a:lstStyle/>
-          <a:p>
-            <a:pPr marL="0" marR="0" algn="ctr">
-              <a:spcBef>
-                <a:spcPts val="0"/>
-              </a:spcBef>
-              <a:spcAft>
-                <a:spcPts val="0"/>
-              </a:spcAft>
-            </a:pPr>
-            <a:r>
-              <a:rPr lang="en-US" b="1" dirty="0">
-                <a:latin typeface="Times New Roman" panose="02020603050405020304" pitchFamily="18" charset="0"/>
-                <a:ea typeface="Calibri" panose="020F0502020204030204" pitchFamily="34" charset="0"/>
-                <a:cs typeface="Times New Roman" panose="02020603050405020304" pitchFamily="18" charset="0"/>
-              </a:rPr>
-              <a:t>UNIVERSITAS PAMULANG</a:t>
-            </a:r>
-            <a:endParaRPr lang="en-US" dirty="0">
-              <a:effectLst/>
-              <a:latin typeface="Times New Roman" panose="02020603050405020304" pitchFamily="18" charset="0"/>
-              <a:ea typeface="Calibri" panose="020F0502020204030204" pitchFamily="34" charset="0"/>
-              <a:cs typeface="Times New Roman" panose="02020603050405020304" pitchFamily="18" charset="0"/>
-            </a:endParaRPr>
-          </a:p>
-        </p:txBody>
-      </p:sp>
-    </p:spTree>
-    <p:extLst>
-      <p:ext uri="{BB962C8B-B14F-4D97-AF65-F5344CB8AC3E}">
-        <p14:creationId xmlns:p14="http://schemas.microsoft.com/office/powerpoint/2010/main" val="2447825969"/>
-      </p:ext>
-    </p:extLst>
-  </p:cSld>
-  <p:clrMapOvr>
-    <a:masterClrMapping/>
-  </p:clrMapOvr>
-</p:sld>
-</file>
-
-<file path=ppt/slides/slide2.xml><?xml version="1.0" encoding="utf-8"?>
-<p:sld xmlns:a="http://schemas.openxmlformats.org/drawingml/2006/main" xmlns:r="http://schemas.openxmlformats.org/officeDocument/2006/relationships" xmlns:p="http://schemas.openxmlformats.org/presentationml/2006/main">
-  <p:cSld>
-    <p:spTree>
-      <p:nvGrpSpPr>
-        <p:cNvPr id="1" name=""/>
-        <p:cNvGrpSpPr/>
-        <p:nvPr/>
-      </p:nvGrpSpPr>
-      <p:grpSpPr>
-        <a:xfrm>
-          <a:off x="0" y="0"/>
-          <a:ext cx="0" cy="0"/>
-          <a:chOff x="0" y="0"/>
-          <a:chExt cx="0" cy="0"/>
-        </a:xfrm>
-      </p:grpSpPr>
-      <p:sp>
-        <p:nvSpPr>
-          <p:cNvPr id="4" name="Flowchart: Data 3">
-            <a:extLst>
-              <a:ext uri="{FF2B5EF4-FFF2-40B4-BE49-F238E27FC236}">
-                <a16:creationId xmlns:a16="http://schemas.microsoft.com/office/drawing/2014/main" id="{9C89988B-7B51-403B-988B-9E78A06F397E}"/>
-              </a:ext>
-            </a:extLst>
-          </p:cNvPr>
-          <p:cNvSpPr/>
-          <p:nvPr/>
-        </p:nvSpPr>
-        <p:spPr>
-          <a:xfrm>
-            <a:off x="10860156" y="662610"/>
-            <a:ext cx="4147930" cy="6679096"/>
-          </a:xfrm>
-          <a:prstGeom prst="flowChartInputOutput">
             <a:avLst/>
           </a:prstGeom>
         </p:spPr>
@@ -8160,10 +4105,10 @@
       </p:sp>
       <p:sp>
         <p:nvSpPr>
-          <p:cNvPr id="8" name="Flowchart: Data 7">
-            <a:extLst>
-              <a:ext uri="{FF2B5EF4-FFF2-40B4-BE49-F238E27FC236}">
-                <a16:creationId xmlns:a16="http://schemas.microsoft.com/office/drawing/2014/main" id="{F4F96CE4-7398-4006-BA99-29BDF3EA1978}"/>
+          <p:cNvPr id="5" name="Rectangle 4">
+            <a:extLst>
+              <a:ext uri="{FF2B5EF4-FFF2-40B4-BE49-F238E27FC236}">
+                <a16:creationId xmlns:a16="http://schemas.microsoft.com/office/drawing/2014/main" id="{8100C813-1169-76AF-236D-322FDCC1CC4A}"/>
               </a:ext>
             </a:extLst>
           </p:cNvPr>
@@ -8172,58 +4117,8 @@
         </p:nvSpPr>
         <p:spPr>
           <a:xfrm>
-            <a:off x="10118034" y="823301"/>
-            <a:ext cx="2816087" cy="6679096"/>
-          </a:xfrm>
-          <a:prstGeom prst="flowChartInputOutput">
-            <a:avLst/>
-          </a:prstGeom>
-          <a:solidFill>
-            <a:schemeClr val="accent4"/>
-          </a:solidFill>
-          <a:ln>
-            <a:noFill/>
-          </a:ln>
-        </p:spPr>
-        <p:style>
-          <a:lnRef idx="0">
-            <a:scrgbClr r="0" g="0" b="0"/>
-          </a:lnRef>
-          <a:fillRef idx="0">
-            <a:scrgbClr r="0" g="0" b="0"/>
-          </a:fillRef>
-          <a:effectRef idx="0">
-            <a:scrgbClr r="0" g="0" b="0"/>
-          </a:effectRef>
-          <a:fontRef idx="minor">
-            <a:schemeClr val="lt1"/>
-          </a:fontRef>
-        </p:style>
-        <p:txBody>
-          <a:bodyPr rtlCol="0" anchor="ctr"/>
-          <a:lstStyle/>
-          <a:p>
-            <a:pPr algn="ctr"/>
-            <a:endParaRPr lang="en-US"/>
-          </a:p>
-        </p:txBody>
-      </p:sp>
-      <p:sp>
-        <p:nvSpPr>
-          <p:cNvPr id="3" name="Rectangle 2">
-            <a:extLst>
-              <a:ext uri="{FF2B5EF4-FFF2-40B4-BE49-F238E27FC236}">
-                <a16:creationId xmlns:a16="http://schemas.microsoft.com/office/drawing/2014/main" id="{197E43EF-E10A-4C5F-B51C-37E2516FE931}"/>
-              </a:ext>
-            </a:extLst>
-          </p:cNvPr>
-          <p:cNvSpPr/>
-          <p:nvPr/>
-        </p:nvSpPr>
-        <p:spPr>
-          <a:xfrm>
-            <a:off x="386734" y="1536812"/>
-            <a:ext cx="2923364" cy="369332"/>
+            <a:off x="395646" y="2748370"/>
+            <a:ext cx="2646751" cy="369332"/>
           </a:xfrm>
           <a:prstGeom prst="rect">
             <a:avLst/>
@@ -8237,80 +4132,6 @@
           <a:lstStyle/>
           <a:p>
             <a:pPr algn="ctr"/>
-            <a:r>
-              <a:rPr lang="en-US" dirty="0">
-                <a:ln w="0"/>
-                <a:effectLst>
-                  <a:outerShdw blurRad="38100" dist="19050" dir="2700000" algn="tl" rotWithShape="0">
-                    <a:schemeClr val="dk1">
-                      <a:alpha val="40000"/>
-                    </a:schemeClr>
-                  </a:outerShdw>
-                </a:effectLst>
-                <a:latin typeface="Rockwell" panose="02060603020205020403" pitchFamily="18" charset="0"/>
-              </a:rPr>
-              <a:t>1. FILTERING REGISTRASI</a:t>
-            </a:r>
-            <a:endParaRPr lang="en-US" b="0" cap="none" spc="0" dirty="0">
-              <a:ln w="0"/>
-              <a:solidFill>
-                <a:schemeClr val="tx1"/>
-              </a:solidFill>
-              <a:effectLst>
-                <a:outerShdw blurRad="38100" dist="19050" dir="2700000" algn="tl" rotWithShape="0">
-                  <a:schemeClr val="dk1">
-                    <a:alpha val="40000"/>
-                  </a:schemeClr>
-                </a:outerShdw>
-              </a:effectLst>
-              <a:latin typeface="Rockwell" panose="02060603020205020403" pitchFamily="18" charset="0"/>
-            </a:endParaRPr>
-          </a:p>
-        </p:txBody>
-      </p:sp>
-      <p:sp>
-        <p:nvSpPr>
-          <p:cNvPr id="39" name="Rectangle 38">
-            <a:extLst>
-              <a:ext uri="{FF2B5EF4-FFF2-40B4-BE49-F238E27FC236}">
-                <a16:creationId xmlns:a16="http://schemas.microsoft.com/office/drawing/2014/main" id="{EC5A828B-7CDA-4D9E-AAFC-2ABE70509B72}"/>
-              </a:ext>
-            </a:extLst>
-          </p:cNvPr>
-          <p:cNvSpPr/>
-          <p:nvPr/>
-        </p:nvSpPr>
-        <p:spPr>
-          <a:xfrm>
-            <a:off x="386734" y="2111470"/>
-            <a:ext cx="2655663" cy="369332"/>
-          </a:xfrm>
-          <a:prstGeom prst="rect">
-            <a:avLst/>
-          </a:prstGeom>
-          <a:noFill/>
-        </p:spPr>
-        <p:txBody>
-          <a:bodyPr wrap="none" lIns="91440" tIns="45720" rIns="91440" bIns="45720">
-            <a:spAutoFit/>
-          </a:bodyPr>
-          <a:lstStyle/>
-          <a:p>
-            <a:pPr algn="ctr"/>
-            <a:r>
-              <a:rPr lang="en-US" dirty="0">
-                <a:ln w="0"/>
-                <a:effectLst>
-                  <a:outerShdw blurRad="38100" dist="19050" dir="2700000" algn="tl" rotWithShape="0">
-                    <a:schemeClr val="dk1">
-                      <a:alpha val="40000"/>
-                    </a:schemeClr>
-                  </a:outerShdw>
-                </a:effectLst>
-                <a:latin typeface="Rockwell" panose="02060603020205020403" pitchFamily="18" charset="0"/>
-              </a:rPr>
-              <a:t>2. </a:t>
-            </a:r>
             <a:r>
               <a:rPr lang="en-US" b="0" cap="none" spc="0" dirty="0">
                 <a:ln w="0"/>
@@ -8326,17 +4147,17 @@
                 </a:effectLst>
                 <a:latin typeface="Rockwell" panose="02060603020205020403" pitchFamily="18" charset="0"/>
               </a:rPr>
-              <a:t>UNGGAH DOKUMEN</a:t>
-            </a:r>
-          </a:p>
-        </p:txBody>
-      </p:sp>
-      <p:sp>
-        <p:nvSpPr>
-          <p:cNvPr id="32" name="Rectangle 31">
-            <a:extLst>
-              <a:ext uri="{FF2B5EF4-FFF2-40B4-BE49-F238E27FC236}">
-                <a16:creationId xmlns:a16="http://schemas.microsoft.com/office/drawing/2014/main" id="{DD98E04A-1A10-4332-841A-A8A07900628E}"/>
+              <a:t>3. VALIDASI DOKUMEN</a:t>
+            </a:r>
+          </a:p>
+        </p:txBody>
+      </p:sp>
+      <p:sp>
+        <p:nvSpPr>
+          <p:cNvPr id="7" name="Rectangle 6">
+            <a:extLst>
+              <a:ext uri="{FF2B5EF4-FFF2-40B4-BE49-F238E27FC236}">
+                <a16:creationId xmlns:a16="http://schemas.microsoft.com/office/drawing/2014/main" id="{F66A8B76-2BC1-14C4-A0AB-A36378AAFE99}"/>
               </a:ext>
             </a:extLst>
           </p:cNvPr>
@@ -8345,201 +4166,38 @@
         </p:nvSpPr>
         <p:spPr>
           <a:xfrm>
-            <a:off x="0" y="297021"/>
-            <a:ext cx="7342496" cy="397565"/>
+            <a:off x="386734" y="3302124"/>
+            <a:ext cx="4338816" cy="369332"/>
           </a:xfrm>
           <a:prstGeom prst="rect">
             <a:avLst/>
           </a:prstGeom>
-          <a:gradFill flip="none" rotWithShape="1">
-            <a:gsLst>
-              <a:gs pos="0">
-                <a:schemeClr val="accent5">
-                  <a:lumMod val="67000"/>
-                </a:schemeClr>
-              </a:gs>
-              <a:gs pos="48000">
-                <a:schemeClr val="accent5">
-                  <a:lumMod val="97000"/>
-                  <a:lumOff val="3000"/>
-                </a:schemeClr>
-              </a:gs>
-              <a:gs pos="100000">
-                <a:schemeClr val="accent5">
-                  <a:lumMod val="60000"/>
-                  <a:lumOff val="40000"/>
-                </a:schemeClr>
-              </a:gs>
-            </a:gsLst>
-            <a:lin ang="16200000" scaled="1"/>
-            <a:tileRect/>
-          </a:gradFill>
-          <a:ln>
-            <a:noFill/>
-          </a:ln>
-        </p:spPr>
-        <p:style>
-          <a:lnRef idx="0">
-            <a:scrgbClr r="0" g="0" b="0"/>
-          </a:lnRef>
-          <a:fillRef idx="0">
-            <a:scrgbClr r="0" g="0" b="0"/>
-          </a:fillRef>
-          <a:effectRef idx="0">
-            <a:scrgbClr r="0" g="0" b="0"/>
-          </a:effectRef>
-          <a:fontRef idx="minor">
-            <a:schemeClr val="lt1"/>
-          </a:fontRef>
-        </p:style>
-        <p:txBody>
-          <a:bodyPr rtlCol="0" anchor="ctr"/>
-          <a:lstStyle/>
-          <a:p>
-            <a:pPr algn="ctr"/>
-            <a:endParaRPr lang="en-US"/>
-          </a:p>
-        </p:txBody>
-      </p:sp>
-      <p:sp>
-        <p:nvSpPr>
-          <p:cNvPr id="35" name="TextBox 34">
-            <a:extLst>
-              <a:ext uri="{FF2B5EF4-FFF2-40B4-BE49-F238E27FC236}">
-                <a16:creationId xmlns:a16="http://schemas.microsoft.com/office/drawing/2014/main" id="{F12014FC-716A-4288-A0FD-E656D71F3296}"/>
-              </a:ext>
-            </a:extLst>
-          </p:cNvPr>
-          <p:cNvSpPr txBox="1"/>
-          <p:nvPr/>
-        </p:nvSpPr>
-        <p:spPr>
-          <a:xfrm>
-            <a:off x="-3086092" y="315486"/>
-            <a:ext cx="8619369" cy="369332"/>
-          </a:xfrm>
-          <a:prstGeom prst="rect">
-            <a:avLst/>
-          </a:prstGeom>
           <a:noFill/>
         </p:spPr>
         <p:txBody>
-          <a:bodyPr wrap="square">
+          <a:bodyPr wrap="none" lIns="91440" tIns="45720" rIns="91440" bIns="45720">
             <a:spAutoFit/>
           </a:bodyPr>
           <a:lstStyle/>
           <a:p>
-            <a:pPr marL="0" marR="0" algn="ctr">
-              <a:spcBef>
-                <a:spcPts val="0"/>
-              </a:spcBef>
-              <a:spcAft>
-                <a:spcPts val="0"/>
-              </a:spcAft>
-            </a:pPr>
-            <a:r>
-              <a:rPr lang="en-US" sz="1800" b="1" dirty="0">
-                <a:effectLst/>
-                <a:latin typeface="Times New Roman" panose="02020603050405020304" pitchFamily="18" charset="0"/>
-                <a:ea typeface="Calibri" panose="020F0502020204030204" pitchFamily="34" charset="0"/>
-                <a:cs typeface="Times New Roman" panose="02020603050405020304" pitchFamily="18" charset="0"/>
+            <a:pPr algn="ctr"/>
+            <a:r>
+              <a:rPr lang="en-US" b="0" cap="none" spc="0" dirty="0">
+                <a:ln w="0"/>
+                <a:solidFill>
+                  <a:schemeClr val="tx1"/>
+                </a:solidFill>
+                <a:effectLst>
+                  <a:outerShdw blurRad="38100" dist="19050" dir="2700000" algn="tl" rotWithShape="0">
+                    <a:schemeClr val="dk1">
+                      <a:alpha val="40000"/>
+                    </a:schemeClr>
+                  </a:outerShdw>
+                </a:effectLst>
+                <a:latin typeface="Rockwell" panose="02060603020205020403" pitchFamily="18" charset="0"/>
               </a:rPr>
-              <a:t>PEMBAHASAN</a:t>
-            </a:r>
-            <a:endParaRPr lang="en-US" sz="1400" dirty="0">
-              <a:effectLst/>
-              <a:latin typeface="Calibri" panose="020F0502020204030204" pitchFamily="34" charset="0"/>
-              <a:ea typeface="Calibri" panose="020F0502020204030204" pitchFamily="34" charset="0"/>
-              <a:cs typeface="Times New Roman" panose="02020603050405020304" pitchFamily="18" charset="0"/>
-            </a:endParaRPr>
-          </a:p>
-        </p:txBody>
-      </p:sp>
-      <p:sp>
-        <p:nvSpPr>
-          <p:cNvPr id="38" name="Arrow: Pentagon 37">
-            <a:extLst>
-              <a:ext uri="{FF2B5EF4-FFF2-40B4-BE49-F238E27FC236}">
-                <a16:creationId xmlns:a16="http://schemas.microsoft.com/office/drawing/2014/main" id="{9F25CD45-1149-446B-ABDE-7A6636B7CDA2}"/>
-              </a:ext>
-            </a:extLst>
-          </p:cNvPr>
-          <p:cNvSpPr/>
-          <p:nvPr/>
-        </p:nvSpPr>
-        <p:spPr>
-          <a:xfrm rot="10800000">
-            <a:off x="9403306" y="6305265"/>
-            <a:ext cx="3398293" cy="340699"/>
-          </a:xfrm>
-          <a:prstGeom prst="homePlate">
-            <a:avLst/>
-          </a:prstGeom>
-        </p:spPr>
-        <p:style>
-          <a:lnRef idx="1">
-            <a:schemeClr val="accent4"/>
-          </a:lnRef>
-          <a:fillRef idx="3">
-            <a:schemeClr val="accent4"/>
-          </a:fillRef>
-          <a:effectRef idx="2">
-            <a:schemeClr val="accent4"/>
-          </a:effectRef>
-          <a:fontRef idx="minor">
-            <a:schemeClr val="lt1"/>
-          </a:fontRef>
-        </p:style>
-        <p:txBody>
-          <a:bodyPr rtlCol="0" anchor="ctr"/>
-          <a:lstStyle/>
-          <a:p>
-            <a:pPr algn="ctr"/>
-            <a:endParaRPr lang="en-US"/>
-          </a:p>
-        </p:txBody>
-      </p:sp>
-      <p:sp>
-        <p:nvSpPr>
-          <p:cNvPr id="40" name="Arrow: Pentagon 39">
-            <a:extLst>
-              <a:ext uri="{FF2B5EF4-FFF2-40B4-BE49-F238E27FC236}">
-                <a16:creationId xmlns:a16="http://schemas.microsoft.com/office/drawing/2014/main" id="{E2B6A269-55CB-4829-BA94-40EFB6DD6A1A}"/>
-              </a:ext>
-            </a:extLst>
-          </p:cNvPr>
-          <p:cNvSpPr/>
-          <p:nvPr/>
-        </p:nvSpPr>
-        <p:spPr>
-          <a:xfrm rot="10800000">
-            <a:off x="9678536" y="6134915"/>
-            <a:ext cx="3123062" cy="340699"/>
-          </a:xfrm>
-          <a:prstGeom prst="homePlate">
-            <a:avLst/>
-          </a:prstGeom>
-        </p:spPr>
-        <p:style>
-          <a:lnRef idx="0">
-            <a:schemeClr val="accent5"/>
-          </a:lnRef>
-          <a:fillRef idx="3">
-            <a:schemeClr val="accent5"/>
-          </a:fillRef>
-          <a:effectRef idx="3">
-            <a:schemeClr val="accent5"/>
-          </a:effectRef>
-          <a:fontRef idx="minor">
-            <a:schemeClr val="lt1"/>
-          </a:fontRef>
-        </p:style>
-        <p:txBody>
-          <a:bodyPr rtlCol="0" anchor="ctr"/>
-          <a:lstStyle/>
-          <a:p>
-            <a:pPr algn="ctr"/>
-            <a:endParaRPr lang="en-US"/>
+              <a:t>4. CONFIRMASI USER AKSES via EMAIL</a:t>
+            </a:r>
           </a:p>
         </p:txBody>
       </p:sp>
@@ -11278,6 +6936,149 @@
           </a:p>
         </p:txBody>
       </p:sp>
+      <p:pic>
+        <p:nvPicPr>
+          <p:cNvPr id="6" name="Picture 5">
+            <a:extLst>
+              <a:ext uri="{FF2B5EF4-FFF2-40B4-BE49-F238E27FC236}">
+                <a16:creationId xmlns:a16="http://schemas.microsoft.com/office/drawing/2014/main" id="{67CE9F40-F687-6757-E893-D3079C267751}"/>
+              </a:ext>
+            </a:extLst>
+          </p:cNvPr>
+          <p:cNvPicPr>
+            <a:picLocks noChangeAspect="1"/>
+          </p:cNvPicPr>
+          <p:nvPr/>
+        </p:nvPicPr>
+        <p:blipFill>
+          <a:blip r:embed="rId2">
+            <a:extLst>
+              <a:ext uri="{28A0092B-C50C-407E-A947-70E740481C1C}">
+                <a14:useLocalDpi xmlns:a14="http://schemas.microsoft.com/office/drawing/2010/main" val="0"/>
+              </a:ext>
+            </a:extLst>
+          </a:blip>
+          <a:stretch>
+            <a:fillRect/>
+          </a:stretch>
+        </p:blipFill>
+        <p:spPr>
+          <a:xfrm>
+            <a:off x="223562" y="1000565"/>
+            <a:ext cx="6629776" cy="2428435"/>
+          </a:xfrm>
+          <a:prstGeom prst="rect">
+            <a:avLst/>
+          </a:prstGeom>
+        </p:spPr>
+      </p:pic>
+      <p:sp>
+        <p:nvSpPr>
+          <p:cNvPr id="7" name="TextBox 6">
+            <a:extLst>
+              <a:ext uri="{FF2B5EF4-FFF2-40B4-BE49-F238E27FC236}">
+                <a16:creationId xmlns:a16="http://schemas.microsoft.com/office/drawing/2014/main" id="{404D002F-6423-4B1D-FCC5-D3DDA7BD1A38}"/>
+              </a:ext>
+            </a:extLst>
+          </p:cNvPr>
+          <p:cNvSpPr txBox="1"/>
+          <p:nvPr/>
+        </p:nvSpPr>
+        <p:spPr>
+          <a:xfrm>
+            <a:off x="223562" y="3616097"/>
+            <a:ext cx="5323445" cy="369332"/>
+          </a:xfrm>
+          <a:prstGeom prst="rect">
+            <a:avLst/>
+          </a:prstGeom>
+          <a:noFill/>
+        </p:spPr>
+        <p:txBody>
+          <a:bodyPr wrap="none" rtlCol="0">
+            <a:spAutoFit/>
+          </a:bodyPr>
+          <a:lstStyle/>
+          <a:p>
+            <a:r>
+              <a:rPr lang="en-US" dirty="0" err="1"/>
+              <a:t>Dokumen</a:t>
+            </a:r>
+            <a:r>
+              <a:rPr lang="en-US" dirty="0"/>
+              <a:t> </a:t>
+            </a:r>
+            <a:r>
+              <a:rPr lang="en-US" dirty="0" err="1"/>
+              <a:t>bisa</a:t>
+            </a:r>
+            <a:r>
+              <a:rPr lang="en-US" dirty="0"/>
+              <a:t> di </a:t>
+            </a:r>
+            <a:r>
+              <a:rPr lang="en-US" dirty="0" err="1"/>
+              <a:t>unduh</a:t>
+            </a:r>
+            <a:r>
+              <a:rPr lang="en-US" dirty="0"/>
+              <a:t> </a:t>
+            </a:r>
+            <a:r>
+              <a:rPr lang="en-US" dirty="0" err="1"/>
+              <a:t>untuk</a:t>
+            </a:r>
+            <a:r>
+              <a:rPr lang="en-US" dirty="0"/>
+              <a:t> </a:t>
+            </a:r>
+            <a:r>
+              <a:rPr lang="en-US" dirty="0" err="1"/>
+              <a:t>validasi</a:t>
+            </a:r>
+            <a:r>
+              <a:rPr lang="en-US" dirty="0"/>
+              <a:t> user oleh admin</a:t>
+            </a:r>
+          </a:p>
+        </p:txBody>
+      </p:sp>
+      <p:pic>
+        <p:nvPicPr>
+          <p:cNvPr id="9" name="Picture 8">
+            <a:extLst>
+              <a:ext uri="{FF2B5EF4-FFF2-40B4-BE49-F238E27FC236}">
+                <a16:creationId xmlns:a16="http://schemas.microsoft.com/office/drawing/2014/main" id="{6E7702C3-D42C-D13F-367B-A22A8FCE90AC}"/>
+              </a:ext>
+            </a:extLst>
+          </p:cNvPr>
+          <p:cNvPicPr>
+            <a:picLocks noChangeAspect="1"/>
+          </p:cNvPicPr>
+          <p:nvPr/>
+        </p:nvPicPr>
+        <p:blipFill>
+          <a:blip r:embed="rId3">
+            <a:extLst>
+              <a:ext uri="{28A0092B-C50C-407E-A947-70E740481C1C}">
+                <a14:useLocalDpi xmlns:a14="http://schemas.microsoft.com/office/drawing/2010/main" val="0"/>
+              </a:ext>
+            </a:extLst>
+          </a:blip>
+          <a:stretch>
+            <a:fillRect/>
+          </a:stretch>
+        </p:blipFill>
+        <p:spPr>
+          <a:xfrm>
+            <a:off x="6199093" y="4034463"/>
+            <a:ext cx="5072611" cy="1943603"/>
+          </a:xfrm>
+          <a:prstGeom prst="rect">
+            <a:avLst/>
+          </a:prstGeom>
+        </p:spPr>
+      </p:pic>
     </p:spTree>
     <p:extLst>
       <p:ext uri="{BB962C8B-B14F-4D97-AF65-F5344CB8AC3E}">
@@ -11478,94 +7279,10 @@
       </p:sp>
       <p:sp>
         <p:nvSpPr>
-          <p:cNvPr id="12" name="TextBox 11">
-            <a:extLst>
-              <a:ext uri="{FF2B5EF4-FFF2-40B4-BE49-F238E27FC236}">
-                <a16:creationId xmlns:a16="http://schemas.microsoft.com/office/drawing/2014/main" id="{89926E4F-A591-440F-B628-EEE00A33A2DD}"/>
-              </a:ext>
-            </a:extLst>
-          </p:cNvPr>
-          <p:cNvSpPr txBox="1"/>
-          <p:nvPr/>
-        </p:nvSpPr>
-        <p:spPr>
-          <a:xfrm>
-            <a:off x="649148" y="1302656"/>
-            <a:ext cx="2417393" cy="369332"/>
-          </a:xfrm>
-          <a:prstGeom prst="rect">
-            <a:avLst/>
-          </a:prstGeom>
-          <a:noFill/>
-        </p:spPr>
-        <p:txBody>
-          <a:bodyPr wrap="none" rtlCol="0">
-            <a:spAutoFit/>
-          </a:bodyPr>
-          <a:lstStyle/>
-          <a:p>
-            <a:r>
-              <a:rPr lang="en-US" dirty="0" err="1">
-                <a:latin typeface="Rockwell" panose="02060603020205020403" pitchFamily="18" charset="0"/>
-              </a:rPr>
-              <a:t>Perancang</a:t>
-            </a:r>
-            <a:r>
-              <a:rPr lang="en-US" dirty="0">
-                <a:latin typeface="Rockwell" panose="02060603020205020403" pitchFamily="18" charset="0"/>
-              </a:rPr>
-              <a:t> </a:t>
-            </a:r>
-            <a:r>
-              <a:rPr lang="en-US" dirty="0" err="1">
-                <a:latin typeface="Rockwell" panose="02060603020205020403" pitchFamily="18" charset="0"/>
-              </a:rPr>
-              <a:t>Penelitian</a:t>
-            </a:r>
-            <a:endParaRPr lang="en-US" dirty="0">
-              <a:latin typeface="Rockwell" panose="02060603020205020403" pitchFamily="18" charset="0"/>
-            </a:endParaRPr>
-          </a:p>
-        </p:txBody>
-      </p:sp>
-      <p:sp>
-        <p:nvSpPr>
-          <p:cNvPr id="25" name="TextBox 24">
-            <a:extLst>
-              <a:ext uri="{FF2B5EF4-FFF2-40B4-BE49-F238E27FC236}">
-                <a16:creationId xmlns:a16="http://schemas.microsoft.com/office/drawing/2014/main" id="{4AC3AB20-85FD-4EE6-BB08-A1FD77AE5E68}"/>
-              </a:ext>
-            </a:extLst>
-          </p:cNvPr>
-          <p:cNvSpPr txBox="1"/>
-          <p:nvPr/>
-        </p:nvSpPr>
-        <p:spPr>
-          <a:xfrm>
-            <a:off x="2053058" y="4612943"/>
-            <a:ext cx="184731" cy="369332"/>
-          </a:xfrm>
-          <a:prstGeom prst="rect">
-            <a:avLst/>
-          </a:prstGeom>
-          <a:noFill/>
-        </p:spPr>
-        <p:txBody>
-          <a:bodyPr wrap="none" rtlCol="0">
-            <a:spAutoFit/>
-          </a:bodyPr>
-          <a:lstStyle/>
-          <a:p>
-            <a:endParaRPr lang="en-US" dirty="0"/>
-          </a:p>
-        </p:txBody>
-      </p:sp>
-      <p:sp>
-        <p:nvSpPr>
-          <p:cNvPr id="23" name="Rectangle 22">
-            <a:extLst>
-              <a:ext uri="{FF2B5EF4-FFF2-40B4-BE49-F238E27FC236}">
-                <a16:creationId xmlns:a16="http://schemas.microsoft.com/office/drawing/2014/main" id="{528038A4-FA01-495C-8DE2-8A2BE2DD9525}"/>
+          <p:cNvPr id="14" name="Rectangle 13">
+            <a:extLst>
+              <a:ext uri="{FF2B5EF4-FFF2-40B4-BE49-F238E27FC236}">
+                <a16:creationId xmlns:a16="http://schemas.microsoft.com/office/drawing/2014/main" id="{17D93B11-F2D3-4FBE-84FA-48A3067C40E5}"/>
               </a:ext>
             </a:extLst>
           </p:cNvPr>
@@ -11630,117 +7347,12 @@
           </a:p>
         </p:txBody>
       </p:sp>
-      <p:sp>
-        <p:nvSpPr>
-          <p:cNvPr id="26" name="TextBox 25">
-            <a:extLst>
-              <a:ext uri="{FF2B5EF4-FFF2-40B4-BE49-F238E27FC236}">
-                <a16:creationId xmlns:a16="http://schemas.microsoft.com/office/drawing/2014/main" id="{90EBAF59-19B1-436F-B8ED-7DCAE59AB932}"/>
-              </a:ext>
-            </a:extLst>
-          </p:cNvPr>
-          <p:cNvSpPr txBox="1"/>
-          <p:nvPr/>
-        </p:nvSpPr>
-        <p:spPr>
-          <a:xfrm>
-            <a:off x="218365" y="354129"/>
-            <a:ext cx="2743508" cy="461665"/>
-          </a:xfrm>
-          <a:prstGeom prst="rect">
-            <a:avLst/>
-          </a:prstGeom>
-          <a:noFill/>
-        </p:spPr>
-        <p:txBody>
-          <a:bodyPr wrap="none" rtlCol="0">
-            <a:spAutoFit/>
-          </a:bodyPr>
-          <a:lstStyle/>
-          <a:p>
-            <a:r>
-              <a:rPr lang="en-US" sz="2400" dirty="0" err="1">
-                <a:latin typeface="Rockwell" panose="02060603020205020403" pitchFamily="18" charset="0"/>
-              </a:rPr>
-              <a:t>Metode</a:t>
-            </a:r>
-            <a:r>
-              <a:rPr lang="en-US" sz="2400" dirty="0">
-                <a:latin typeface="Rockwell" panose="02060603020205020403" pitchFamily="18" charset="0"/>
-              </a:rPr>
-              <a:t> </a:t>
-            </a:r>
-            <a:r>
-              <a:rPr lang="en-US" sz="2400" dirty="0" err="1">
-                <a:latin typeface="Rockwell" panose="02060603020205020403" pitchFamily="18" charset="0"/>
-              </a:rPr>
-              <a:t>Penelitian</a:t>
-            </a:r>
-            <a:endParaRPr lang="en-US" sz="2400" dirty="0">
-              <a:latin typeface="Rockwell" panose="02060603020205020403" pitchFamily="18" charset="0"/>
-            </a:endParaRPr>
-          </a:p>
-        </p:txBody>
-      </p:sp>
-      <p:sp>
-        <p:nvSpPr>
-          <p:cNvPr id="28" name="TextBox 27">
-            <a:extLst>
-              <a:ext uri="{FF2B5EF4-FFF2-40B4-BE49-F238E27FC236}">
-                <a16:creationId xmlns:a16="http://schemas.microsoft.com/office/drawing/2014/main" id="{302245C1-180E-49B3-BFA3-997EE7D6317A}"/>
-              </a:ext>
-            </a:extLst>
-          </p:cNvPr>
-          <p:cNvSpPr txBox="1"/>
-          <p:nvPr/>
-        </p:nvSpPr>
-        <p:spPr>
-          <a:xfrm>
-            <a:off x="193076" y="6162260"/>
-            <a:ext cx="3719964" cy="369332"/>
-          </a:xfrm>
-          <a:prstGeom prst="rect">
-            <a:avLst/>
-          </a:prstGeom>
-          <a:noFill/>
-        </p:spPr>
-        <p:txBody>
-          <a:bodyPr wrap="square">
-            <a:spAutoFit/>
-          </a:bodyPr>
-          <a:lstStyle/>
-          <a:p>
-            <a:pPr marL="0" marR="0" algn="ctr">
-              <a:spcBef>
-                <a:spcPts val="0"/>
-              </a:spcBef>
-              <a:spcAft>
-                <a:spcPts val="0"/>
-              </a:spcAft>
-            </a:pPr>
-            <a:r>
-              <a:rPr lang="en-US" b="1" dirty="0">
-                <a:latin typeface="Times New Roman" panose="02020603050405020304" pitchFamily="18" charset="0"/>
-                <a:ea typeface="Calibri" panose="020F0502020204030204" pitchFamily="34" charset="0"/>
-                <a:cs typeface="Times New Roman" panose="02020603050405020304" pitchFamily="18" charset="0"/>
-              </a:rPr>
-              <a:t>UNIVERSITAS PAMULANG 2021</a:t>
-            </a:r>
-            <a:endParaRPr lang="en-US" dirty="0">
-              <a:effectLst/>
-              <a:latin typeface="Times New Roman" panose="02020603050405020304" pitchFamily="18" charset="0"/>
-              <a:ea typeface="Calibri" panose="020F0502020204030204" pitchFamily="34" charset="0"/>
-              <a:cs typeface="Times New Roman" panose="02020603050405020304" pitchFamily="18" charset="0"/>
-            </a:endParaRPr>
-          </a:p>
-        </p:txBody>
-      </p:sp>
       <p:pic>
         <p:nvPicPr>
-          <p:cNvPr id="30" name="Picture 29">
-            <a:extLst>
-              <a:ext uri="{FF2B5EF4-FFF2-40B4-BE49-F238E27FC236}">
-                <a16:creationId xmlns:a16="http://schemas.microsoft.com/office/drawing/2014/main" id="{E25E65B7-CCCA-4222-A0D9-9E8677CC064C}"/>
+          <p:cNvPr id="9" name="Picture 8">
+            <a:extLst>
+              <a:ext uri="{FF2B5EF4-FFF2-40B4-BE49-F238E27FC236}">
+                <a16:creationId xmlns:a16="http://schemas.microsoft.com/office/drawing/2014/main" id="{6E7702C3-D42C-D13F-367B-A22A8FCE90AC}"/>
               </a:ext>
             </a:extLst>
           </p:cNvPr>
@@ -11763,8 +7375,8 @@
         </p:blipFill>
         <p:spPr>
           <a:xfrm>
-            <a:off x="4128065" y="1671988"/>
-            <a:ext cx="5458587" cy="3496163"/>
+            <a:off x="479855" y="1062663"/>
+            <a:ext cx="6491765" cy="2487361"/>
           </a:xfrm>
           <a:prstGeom prst="rect">
             <a:avLst/>
@@ -11773,10 +7385,10 @@
       </p:pic>
       <p:pic>
         <p:nvPicPr>
-          <p:cNvPr id="35" name="Picture 34">
-            <a:extLst>
-              <a:ext uri="{FF2B5EF4-FFF2-40B4-BE49-F238E27FC236}">
-                <a16:creationId xmlns:a16="http://schemas.microsoft.com/office/drawing/2014/main" id="{CFCEA578-8637-48EB-B88D-15084FFD2C1F}"/>
+          <p:cNvPr id="8" name="Picture 7">
+            <a:extLst>
+              <a:ext uri="{FF2B5EF4-FFF2-40B4-BE49-F238E27FC236}">
+                <a16:creationId xmlns:a16="http://schemas.microsoft.com/office/drawing/2014/main" id="{6DBBD3A2-9689-7579-4ECE-9F57063C05D5}"/>
               </a:ext>
             </a:extLst>
           </p:cNvPr>
@@ -11799,54 +7411,242 @@
         </p:blipFill>
         <p:spPr>
           <a:xfrm>
-            <a:off x="758142" y="1973872"/>
-            <a:ext cx="2990791" cy="3581472"/>
+            <a:off x="6048627" y="2477583"/>
+            <a:ext cx="5663518" cy="3443484"/>
           </a:xfrm>
           <a:prstGeom prst="rect">
             <a:avLst/>
           </a:prstGeom>
         </p:spPr>
       </p:pic>
-      <p:pic>
-        <p:nvPicPr>
-          <p:cNvPr id="36" name="Picture 35">
-            <a:extLst>
-              <a:ext uri="{FF2B5EF4-FFF2-40B4-BE49-F238E27FC236}">
-                <a16:creationId xmlns:a16="http://schemas.microsoft.com/office/drawing/2014/main" id="{432063D0-FD51-4EDE-B5BC-D014029087EE}"/>
-              </a:ext>
-            </a:extLst>
-          </p:cNvPr>
-          <p:cNvPicPr>
-            <a:picLocks noChangeAspect="1"/>
-          </p:cNvPicPr>
+      <p:cxnSp>
+        <p:nvCxnSpPr>
+          <p:cNvPr id="11" name="Connector: Elbow 10">
+            <a:extLst>
+              <a:ext uri="{FF2B5EF4-FFF2-40B4-BE49-F238E27FC236}">
+                <a16:creationId xmlns:a16="http://schemas.microsoft.com/office/drawing/2014/main" id="{ADEE35A2-77DA-BA85-57EF-2FA81D7189D1}"/>
+              </a:ext>
+            </a:extLst>
+          </p:cNvPr>
+          <p:cNvCxnSpPr>
+            <a:stCxn id="9" idx="2"/>
+          </p:cNvCxnSpPr>
           <p:nvPr/>
-        </p:nvPicPr>
-        <p:blipFill>
-          <a:blip r:embed="rId4">
-            <a:extLst>
-              <a:ext uri="{28A0092B-C50C-407E-A947-70E740481C1C}">
-                <a14:useLocalDpi xmlns:a14="http://schemas.microsoft.com/office/drawing/2010/main" val="0"/>
-              </a:ext>
-            </a:extLst>
-          </a:blip>
-          <a:stretch>
-            <a:fillRect/>
-          </a:stretch>
-        </p:blipFill>
-        <p:spPr>
-          <a:xfrm>
-            <a:off x="10103907" y="405760"/>
-            <a:ext cx="1253414" cy="1215811"/>
+        </p:nvCxnSpPr>
+        <p:spPr>
+          <a:xfrm rot="16200000" flipH="1">
+            <a:off x="4281294" y="2994467"/>
+            <a:ext cx="927847" cy="2038959"/>
+          </a:xfrm>
+          <a:prstGeom prst="bentConnector2">
+            <a:avLst/>
+          </a:prstGeom>
+          <a:ln>
+            <a:solidFill>
+              <a:srgbClr val="FF0000"/>
+            </a:solidFill>
+            <a:tailEnd type="triangle"/>
+          </a:ln>
+        </p:spPr>
+        <p:style>
+          <a:lnRef idx="1">
+            <a:schemeClr val="accent1"/>
+          </a:lnRef>
+          <a:fillRef idx="0">
+            <a:schemeClr val="accent1"/>
+          </a:fillRef>
+          <a:effectRef idx="0">
+            <a:schemeClr val="accent1"/>
+          </a:effectRef>
+          <a:fontRef idx="minor">
+            <a:schemeClr val="tx1"/>
+          </a:fontRef>
+        </p:style>
+      </p:cxnSp>
+      <p:sp>
+        <p:nvSpPr>
+          <p:cNvPr id="12" name="Rectangle 11">
+            <a:extLst>
+              <a:ext uri="{FF2B5EF4-FFF2-40B4-BE49-F238E27FC236}">
+                <a16:creationId xmlns:a16="http://schemas.microsoft.com/office/drawing/2014/main" id="{A5EC9D31-DD62-3F21-9DD8-5E93EF5E1368}"/>
+              </a:ext>
+            </a:extLst>
+          </p:cNvPr>
+          <p:cNvSpPr/>
+          <p:nvPr/>
+        </p:nvSpPr>
+        <p:spPr>
+          <a:xfrm>
+            <a:off x="6048627" y="3765176"/>
+            <a:ext cx="3767726" cy="1459106"/>
           </a:xfrm>
           <a:prstGeom prst="rect">
             <a:avLst/>
           </a:prstGeom>
-        </p:spPr>
-      </p:pic>
+          <a:noFill/>
+          <a:ln>
+            <a:solidFill>
+              <a:srgbClr val="FF0000"/>
+            </a:solidFill>
+          </a:ln>
+        </p:spPr>
+        <p:style>
+          <a:lnRef idx="2">
+            <a:schemeClr val="accent1">
+              <a:shade val="50000"/>
+            </a:schemeClr>
+          </a:lnRef>
+          <a:fillRef idx="1">
+            <a:schemeClr val="accent1"/>
+          </a:fillRef>
+          <a:effectRef idx="0">
+            <a:schemeClr val="accent1"/>
+          </a:effectRef>
+          <a:fontRef idx="minor">
+            <a:schemeClr val="lt1"/>
+          </a:fontRef>
+        </p:style>
+        <p:txBody>
+          <a:bodyPr rtlCol="0" anchor="ctr"/>
+          <a:lstStyle/>
+          <a:p>
+            <a:pPr algn="ctr"/>
+            <a:endParaRPr lang="en-US"/>
+          </a:p>
+        </p:txBody>
+      </p:sp>
+      <p:sp>
+        <p:nvSpPr>
+          <p:cNvPr id="15" name="TextBox 14">
+            <a:extLst>
+              <a:ext uri="{FF2B5EF4-FFF2-40B4-BE49-F238E27FC236}">
+                <a16:creationId xmlns:a16="http://schemas.microsoft.com/office/drawing/2014/main" id="{0E6541DE-3321-CDB2-90D6-3D07F4A3966F}"/>
+              </a:ext>
+            </a:extLst>
+          </p:cNvPr>
+          <p:cNvSpPr txBox="1"/>
+          <p:nvPr/>
+        </p:nvSpPr>
+        <p:spPr>
+          <a:xfrm>
+            <a:off x="346162" y="4772749"/>
+            <a:ext cx="5418535" cy="923330"/>
+          </a:xfrm>
+          <a:prstGeom prst="rect">
+            <a:avLst/>
+          </a:prstGeom>
+          <a:noFill/>
+        </p:spPr>
+        <p:txBody>
+          <a:bodyPr wrap="none" rtlCol="0">
+            <a:spAutoFit/>
+          </a:bodyPr>
+          <a:lstStyle/>
+          <a:p>
+            <a:r>
+              <a:rPr lang="en-US" dirty="0"/>
+              <a:t>Status </a:t>
+            </a:r>
+            <a:r>
+              <a:rPr lang="en-US" dirty="0" err="1"/>
+              <a:t>Akses</a:t>
+            </a:r>
+            <a:r>
+              <a:rPr lang="en-US" dirty="0"/>
+              <a:t> Vendor </a:t>
+            </a:r>
+            <a:r>
+              <a:rPr lang="en-US" dirty="0" err="1"/>
+              <a:t>untuk</a:t>
+            </a:r>
+            <a:r>
+              <a:rPr lang="en-US" dirty="0"/>
+              <a:t> Login </a:t>
+            </a:r>
+            <a:r>
+              <a:rPr lang="en-US" dirty="0" err="1"/>
+              <a:t>masih</a:t>
+            </a:r>
+            <a:r>
+              <a:rPr lang="en-US" dirty="0"/>
+              <a:t> pending,</a:t>
+            </a:r>
+          </a:p>
+          <a:p>
+            <a:r>
+              <a:rPr lang="en-US" dirty="0"/>
+              <a:t>Bisa login </a:t>
+            </a:r>
+            <a:r>
+              <a:rPr lang="en-US" dirty="0" err="1"/>
+              <a:t>tapi</a:t>
+            </a:r>
+            <a:r>
+              <a:rPr lang="en-US" dirty="0"/>
+              <a:t> </a:t>
+            </a:r>
+            <a:r>
+              <a:rPr lang="en-US" dirty="0" err="1"/>
+              <a:t>tidak</a:t>
+            </a:r>
+            <a:r>
+              <a:rPr lang="en-US" dirty="0"/>
+              <a:t> </a:t>
+            </a:r>
+            <a:r>
+              <a:rPr lang="en-US" dirty="0" err="1"/>
+              <a:t>bisa</a:t>
+            </a:r>
+            <a:r>
+              <a:rPr lang="en-US" dirty="0"/>
+              <a:t> </a:t>
+            </a:r>
+            <a:r>
+              <a:rPr lang="en-US" dirty="0" err="1"/>
+              <a:t>untuk</a:t>
+            </a:r>
+            <a:r>
+              <a:rPr lang="en-US" dirty="0"/>
+              <a:t> </a:t>
+            </a:r>
+            <a:r>
+              <a:rPr lang="en-US" dirty="0" err="1"/>
+              <a:t>melakukan</a:t>
+            </a:r>
+            <a:r>
+              <a:rPr lang="en-US" dirty="0"/>
+              <a:t> Bid </a:t>
+            </a:r>
+            <a:r>
+              <a:rPr lang="en-US" dirty="0" err="1"/>
+              <a:t>terhadap</a:t>
+            </a:r>
+            <a:r>
+              <a:rPr lang="en-US" dirty="0"/>
+              <a:t> </a:t>
+            </a:r>
+          </a:p>
+          <a:p>
+            <a:r>
+              <a:rPr lang="en-US" dirty="0" err="1"/>
+              <a:t>Lelang</a:t>
+            </a:r>
+            <a:r>
+              <a:rPr lang="en-US" dirty="0"/>
+              <a:t> yang </a:t>
+            </a:r>
+            <a:r>
+              <a:rPr lang="en-US" dirty="0" err="1"/>
+              <a:t>ada</a:t>
+            </a:r>
+            <a:endParaRPr lang="en-US" dirty="0"/>
+          </a:p>
+        </p:txBody>
+      </p:sp>
     </p:spTree>
     <p:extLst>
       <p:ext uri="{BB962C8B-B14F-4D97-AF65-F5344CB8AC3E}">
-        <p14:creationId xmlns:p14="http://schemas.microsoft.com/office/powerpoint/2010/main" val="2701911166"/>
+        <p14:creationId xmlns:p14="http://schemas.microsoft.com/office/powerpoint/2010/main" val="3221497229"/>
       </p:ext>
     </p:extLst>
   </p:cSld>
@@ -11875,10 +7675,10 @@
       </p:grpSpPr>
       <p:sp>
         <p:nvSpPr>
-          <p:cNvPr id="3" name="Arrow: Curved Left 2">
-            <a:extLst>
-              <a:ext uri="{FF2B5EF4-FFF2-40B4-BE49-F238E27FC236}">
-                <a16:creationId xmlns:a16="http://schemas.microsoft.com/office/drawing/2014/main" id="{53B6485E-7D22-426F-9178-E86B34A4E1F6}"/>
+          <p:cNvPr id="4" name="Arrow: Pentagon 3">
+            <a:extLst>
+              <a:ext uri="{FF2B5EF4-FFF2-40B4-BE49-F238E27FC236}">
+                <a16:creationId xmlns:a16="http://schemas.microsoft.com/office/drawing/2014/main" id="{A8D63573-6727-457B-9712-BEC9C103CE30}"/>
               </a:ext>
             </a:extLst>
           </p:cNvPr>
@@ -11886,65 +7686,11 @@
           <p:nvPr/>
         </p:nvSpPr>
         <p:spPr>
-          <a:xfrm rot="9248176">
-            <a:off x="9497342" y="-1291775"/>
-            <a:ext cx="4003129" cy="3239550"/>
-          </a:xfrm>
-          <a:prstGeom prst="curvedLeftArrow">
-            <a:avLst/>
-          </a:prstGeom>
-          <a:solidFill>
-            <a:schemeClr val="accent4"/>
-          </a:solidFill>
-          <a:ln>
-            <a:noFill/>
-          </a:ln>
-        </p:spPr>
-        <p:style>
-          <a:lnRef idx="0">
-            <a:scrgbClr r="0" g="0" b="0"/>
-          </a:lnRef>
-          <a:fillRef idx="0">
-            <a:scrgbClr r="0" g="0" b="0"/>
-          </a:fillRef>
-          <a:effectRef idx="0">
-            <a:scrgbClr r="0" g="0" b="0"/>
-          </a:effectRef>
-          <a:fontRef idx="minor">
-            <a:schemeClr val="lt1"/>
-          </a:fontRef>
-        </p:style>
-        <p:txBody>
-          <a:bodyPr rtlCol="0" anchor="ctr"/>
-          <a:lstStyle/>
-          <a:p>
-            <a:pPr algn="ctr"/>
-            <a:endParaRPr lang="en-US">
-              <a:solidFill>
-                <a:schemeClr val="tx1"/>
-              </a:solidFill>
-            </a:endParaRPr>
-          </a:p>
-        </p:txBody>
-      </p:sp>
-      <p:sp>
-        <p:nvSpPr>
-          <p:cNvPr id="4" name="L-Shape 3">
-            <a:extLst>
-              <a:ext uri="{FF2B5EF4-FFF2-40B4-BE49-F238E27FC236}">
-                <a16:creationId xmlns:a16="http://schemas.microsoft.com/office/drawing/2014/main" id="{7AE73EFB-B90B-4355-8A59-A84EC123FBC0}"/>
-              </a:ext>
-            </a:extLst>
-          </p:cNvPr>
-          <p:cNvSpPr/>
-          <p:nvPr/>
-        </p:nvSpPr>
-        <p:spPr>
-          <a:xfrm>
-            <a:off x="-304800" y="6162260"/>
-            <a:ext cx="5870713" cy="543339"/>
-          </a:xfrm>
-          <a:prstGeom prst="corner">
+          <a:xfrm>
+            <a:off x="0" y="379827"/>
+            <a:ext cx="5219114" cy="478302"/>
+          </a:xfrm>
+          <a:prstGeom prst="homePlate">
             <a:avLst/>
           </a:prstGeom>
           <a:gradFill flip="none" rotWithShape="1">
@@ -11999,10 +7745,10 @@
       </p:sp>
       <p:sp>
         <p:nvSpPr>
-          <p:cNvPr id="5" name="Rectangle: Rounded Corners 4">
-            <a:extLst>
-              <a:ext uri="{FF2B5EF4-FFF2-40B4-BE49-F238E27FC236}">
-                <a16:creationId xmlns:a16="http://schemas.microsoft.com/office/drawing/2014/main" id="{21EEA19F-FD1E-4E7F-B65A-A1506E03E1F5}"/>
+          <p:cNvPr id="5" name="Arrow: Pentagon 4">
+            <a:extLst>
+              <a:ext uri="{FF2B5EF4-FFF2-40B4-BE49-F238E27FC236}">
+                <a16:creationId xmlns:a16="http://schemas.microsoft.com/office/drawing/2014/main" id="{DF05BD9A-A447-49E2-B805-3D358EE4B470}"/>
               </a:ext>
             </a:extLst>
           </p:cNvPr>
@@ -12010,125 +7756,28 @@
           <p:nvPr/>
         </p:nvSpPr>
         <p:spPr>
-          <a:xfrm>
-            <a:off x="-106015" y="6241772"/>
-            <a:ext cx="5870712" cy="251792"/>
-          </a:xfrm>
-          <a:prstGeom prst="roundRect">
-            <a:avLst/>
-          </a:prstGeom>
-        </p:spPr>
-        <p:style>
-          <a:lnRef idx="0">
-            <a:schemeClr val="accent4"/>
-          </a:lnRef>
-          <a:fillRef idx="3">
-            <a:schemeClr val="accent4"/>
-          </a:fillRef>
-          <a:effectRef idx="3">
-            <a:schemeClr val="accent4"/>
-          </a:effectRef>
-          <a:fontRef idx="minor">
-            <a:schemeClr val="lt1"/>
-          </a:fontRef>
-        </p:style>
-        <p:txBody>
-          <a:bodyPr rtlCol="0" anchor="ctr"/>
-          <a:lstStyle/>
-          <a:p>
-            <a:pPr algn="ctr"/>
-            <a:endParaRPr lang="en-US"/>
-          </a:p>
-        </p:txBody>
-      </p:sp>
-      <p:sp>
-        <p:nvSpPr>
-          <p:cNvPr id="13" name="TextBox 12">
-            <a:extLst>
-              <a:ext uri="{FF2B5EF4-FFF2-40B4-BE49-F238E27FC236}">
-                <a16:creationId xmlns:a16="http://schemas.microsoft.com/office/drawing/2014/main" id="{C0C391FE-0472-4185-AB8B-2339AA0E93D4}"/>
-              </a:ext>
-            </a:extLst>
-          </p:cNvPr>
-          <p:cNvSpPr txBox="1"/>
-          <p:nvPr/>
-        </p:nvSpPr>
-        <p:spPr>
-          <a:xfrm>
-            <a:off x="193076" y="6162260"/>
-            <a:ext cx="3719964" cy="369332"/>
-          </a:xfrm>
-          <a:prstGeom prst="rect">
-            <a:avLst/>
-          </a:prstGeom>
-          <a:noFill/>
-        </p:spPr>
-        <p:txBody>
-          <a:bodyPr wrap="square">
-            <a:spAutoFit/>
-          </a:bodyPr>
-          <a:lstStyle/>
-          <a:p>
-            <a:pPr marL="0" marR="0" algn="ctr">
-              <a:spcBef>
-                <a:spcPts val="0"/>
-              </a:spcBef>
-              <a:spcAft>
-                <a:spcPts val="0"/>
-              </a:spcAft>
-            </a:pPr>
-            <a:r>
-              <a:rPr lang="en-US" b="1" dirty="0">
-                <a:latin typeface="Times New Roman" panose="02020603050405020304" pitchFamily="18" charset="0"/>
-                <a:ea typeface="Calibri" panose="020F0502020204030204" pitchFamily="34" charset="0"/>
-                <a:cs typeface="Times New Roman" panose="02020603050405020304" pitchFamily="18" charset="0"/>
-              </a:rPr>
-              <a:t>UNIVERSITAS PAMULANG 2021</a:t>
-            </a:r>
-            <a:endParaRPr lang="en-US" dirty="0">
-              <a:effectLst/>
-              <a:latin typeface="Times New Roman" panose="02020603050405020304" pitchFamily="18" charset="0"/>
-              <a:ea typeface="Calibri" panose="020F0502020204030204" pitchFamily="34" charset="0"/>
-              <a:cs typeface="Times New Roman" panose="02020603050405020304" pitchFamily="18" charset="0"/>
-            </a:endParaRPr>
-          </a:p>
-        </p:txBody>
-      </p:sp>
-      <p:sp>
-        <p:nvSpPr>
-          <p:cNvPr id="14" name="Rectangle 13">
-            <a:extLst>
-              <a:ext uri="{FF2B5EF4-FFF2-40B4-BE49-F238E27FC236}">
-                <a16:creationId xmlns:a16="http://schemas.microsoft.com/office/drawing/2014/main" id="{E6213591-AB97-476F-92BC-9E870B4F324E}"/>
-              </a:ext>
-            </a:extLst>
-          </p:cNvPr>
-          <p:cNvSpPr/>
-          <p:nvPr/>
-        </p:nvSpPr>
-        <p:spPr>
-          <a:xfrm>
-            <a:off x="0" y="405760"/>
-            <a:ext cx="7342496" cy="397565"/>
-          </a:xfrm>
-          <a:prstGeom prst="rect">
+          <a:xfrm rot="10800000">
+            <a:off x="7118251" y="379826"/>
+            <a:ext cx="4921347" cy="478302"/>
+          </a:xfrm>
+          <a:prstGeom prst="homePlate">
             <a:avLst/>
           </a:prstGeom>
           <a:gradFill flip="none" rotWithShape="1">
             <a:gsLst>
               <a:gs pos="0">
-                <a:schemeClr val="accent5">
+                <a:schemeClr val="accent4">
                   <a:lumMod val="67000"/>
                 </a:schemeClr>
               </a:gs>
               <a:gs pos="48000">
-                <a:schemeClr val="accent5">
+                <a:schemeClr val="accent4">
                   <a:lumMod val="97000"/>
                   <a:lumOff val="3000"/>
                 </a:schemeClr>
               </a:gs>
               <a:gs pos="100000">
-                <a:schemeClr val="accent5">
+                <a:schemeClr val="accent4">
                   <a:lumMod val="60000"/>
                   <a:lumOff val="40000"/>
                 </a:schemeClr>
@@ -12166,200 +7815,353 @@
       </p:sp>
       <p:sp>
         <p:nvSpPr>
-          <p:cNvPr id="15" name="TextBox 14">
-            <a:extLst>
-              <a:ext uri="{FF2B5EF4-FFF2-40B4-BE49-F238E27FC236}">
-                <a16:creationId xmlns:a16="http://schemas.microsoft.com/office/drawing/2014/main" id="{6C9D445A-FEFE-4A52-8771-D1B6FDED5DAA}"/>
-              </a:ext>
-            </a:extLst>
-          </p:cNvPr>
-          <p:cNvSpPr txBox="1"/>
+          <p:cNvPr id="2" name="Rectangle 1">
+            <a:extLst>
+              <a:ext uri="{FF2B5EF4-FFF2-40B4-BE49-F238E27FC236}">
+                <a16:creationId xmlns:a16="http://schemas.microsoft.com/office/drawing/2014/main" id="{04727BB1-E556-48AE-82C0-D99B23B0A5A8}"/>
+              </a:ext>
+            </a:extLst>
+          </p:cNvPr>
+          <p:cNvSpPr/>
           <p:nvPr/>
         </p:nvSpPr>
         <p:spPr>
           <a:xfrm>
-            <a:off x="218365" y="354129"/>
-            <a:ext cx="2743508" cy="461665"/>
+            <a:off x="3907671" y="3087174"/>
+            <a:ext cx="4376655" cy="923330"/>
           </a:xfrm>
           <a:prstGeom prst="rect">
             <a:avLst/>
           </a:prstGeom>
-          <a:noFill/>
-        </p:spPr>
-        <p:txBody>
-          <a:bodyPr wrap="none" rtlCol="0">
+          <a:gradFill flip="none" rotWithShape="1">
+            <a:gsLst>
+              <a:gs pos="0">
+                <a:schemeClr val="accent4">
+                  <a:lumMod val="67000"/>
+                </a:schemeClr>
+              </a:gs>
+              <a:gs pos="48000">
+                <a:schemeClr val="accent4">
+                  <a:lumMod val="97000"/>
+                  <a:lumOff val="3000"/>
+                </a:schemeClr>
+              </a:gs>
+              <a:gs pos="100000">
+                <a:schemeClr val="accent4">
+                  <a:lumMod val="60000"/>
+                  <a:lumOff val="40000"/>
+                </a:schemeClr>
+              </a:gs>
+            </a:gsLst>
+            <a:lin ang="16200000" scaled="1"/>
+            <a:tileRect/>
+          </a:gradFill>
+          <a:ln>
+            <a:noFill/>
+          </a:ln>
+        </p:spPr>
+        <p:style>
+          <a:lnRef idx="0">
+            <a:scrgbClr r="0" g="0" b="0"/>
+          </a:lnRef>
+          <a:fillRef idx="0">
+            <a:scrgbClr r="0" g="0" b="0"/>
+          </a:fillRef>
+          <a:effectRef idx="0">
+            <a:scrgbClr r="0" g="0" b="0"/>
+          </a:effectRef>
+          <a:fontRef idx="minor">
+            <a:schemeClr val="lt1"/>
+          </a:fontRef>
+        </p:style>
+        <p:txBody>
+          <a:bodyPr wrap="square" lIns="91440" tIns="45720" rIns="91440" bIns="45720">
             <a:spAutoFit/>
           </a:bodyPr>
           <a:lstStyle/>
           <a:p>
-            <a:r>
-              <a:rPr lang="en-US" sz="2400" dirty="0" err="1">
-                <a:latin typeface="Rockwell" panose="02060603020205020403" pitchFamily="18" charset="0"/>
-              </a:rPr>
-              <a:t>Metode</a:t>
-            </a:r>
-            <a:r>
-              <a:rPr lang="en-US" sz="2400" dirty="0">
-                <a:latin typeface="Rockwell" panose="02060603020205020403" pitchFamily="18" charset="0"/>
-              </a:rPr>
-              <a:t> </a:t>
-            </a:r>
-            <a:r>
-              <a:rPr lang="en-US" sz="2400" dirty="0" err="1">
-                <a:latin typeface="Rockwell" panose="02060603020205020403" pitchFamily="18" charset="0"/>
-              </a:rPr>
-              <a:t>Penelitian</a:t>
-            </a:r>
-            <a:endParaRPr lang="en-US" sz="2400" dirty="0">
-              <a:latin typeface="Rockwell" panose="02060603020205020403" pitchFamily="18" charset="0"/>
-            </a:endParaRPr>
-          </a:p>
-        </p:txBody>
-      </p:sp>
-      <p:sp>
-        <p:nvSpPr>
-          <p:cNvPr id="16" name="TextBox 15">
-            <a:extLst>
-              <a:ext uri="{FF2B5EF4-FFF2-40B4-BE49-F238E27FC236}">
-                <a16:creationId xmlns:a16="http://schemas.microsoft.com/office/drawing/2014/main" id="{48B6958E-5BA3-4D07-9617-5072A5F2F478}"/>
-              </a:ext>
-            </a:extLst>
-          </p:cNvPr>
-          <p:cNvSpPr txBox="1"/>
-          <p:nvPr/>
-        </p:nvSpPr>
-        <p:spPr>
-          <a:xfrm>
-            <a:off x="649148" y="1302656"/>
-            <a:ext cx="1793824" cy="369332"/>
-          </a:xfrm>
-          <a:prstGeom prst="rect">
-            <a:avLst/>
-          </a:prstGeom>
-          <a:noFill/>
-        </p:spPr>
-        <p:txBody>
-          <a:bodyPr wrap="none" rtlCol="0">
-            <a:spAutoFit/>
-          </a:bodyPr>
-          <a:lstStyle/>
-          <a:p>
-            <a:r>
-              <a:rPr lang="en-US" b="0" cap="none" spc="0" dirty="0">
-                <a:ln w="0"/>
-                <a:solidFill>
-                  <a:schemeClr val="tx1"/>
-                </a:solidFill>
+            <a:pPr algn="ctr"/>
+            <a:r>
+              <a:rPr lang="en-US" sz="5400" b="1" dirty="0">
+                <a:ln/>
+                <a:pattFill prst="dkUpDiag">
+                  <a:fgClr>
+                    <a:schemeClr val="bg1">
+                      <a:lumMod val="50000"/>
+                    </a:schemeClr>
+                  </a:fgClr>
+                  <a:bgClr>
+                    <a:schemeClr val="tx1">
+                      <a:lumMod val="75000"/>
+                      <a:lumOff val="25000"/>
+                    </a:schemeClr>
+                  </a:bgClr>
+                </a:pattFill>
                 <a:effectLst>
                   <a:outerShdw blurRad="38100" dist="19050" dir="2700000" algn="tl" rotWithShape="0">
                     <a:schemeClr val="dk1">
+                      <a:lumMod val="50000"/>
                       <a:alpha val="40000"/>
                     </a:schemeClr>
                   </a:outerShdw>
                 </a:effectLst>
+              </a:rPr>
+              <a:t>Thank you</a:t>
+            </a:r>
+            <a:endParaRPr lang="en-US" sz="5400" b="1" cap="none" spc="0" dirty="0">
+              <a:ln w="9525">
+                <a:solidFill>
+                  <a:schemeClr val="bg1"/>
+                </a:solidFill>
+                <a:prstDash val="solid"/>
+              </a:ln>
+              <a:solidFill>
+                <a:schemeClr val="tx1"/>
+              </a:solidFill>
+              <a:effectLst>
+                <a:outerShdw blurRad="12700" dist="38100" dir="2700000" algn="tl" rotWithShape="0">
+                  <a:schemeClr val="bg1">
+                    <a:lumMod val="50000"/>
+                  </a:schemeClr>
+                </a:outerShdw>
+              </a:effectLst>
+            </a:endParaRPr>
+          </a:p>
+        </p:txBody>
+      </p:sp>
+      <p:sp>
+        <p:nvSpPr>
+          <p:cNvPr id="3" name="TextBox 2">
+            <a:extLst>
+              <a:ext uri="{FF2B5EF4-FFF2-40B4-BE49-F238E27FC236}">
+                <a16:creationId xmlns:a16="http://schemas.microsoft.com/office/drawing/2014/main" id="{030F513F-68FF-4A12-8185-F3C69F9336E4}"/>
+              </a:ext>
+            </a:extLst>
+          </p:cNvPr>
+          <p:cNvSpPr txBox="1"/>
+          <p:nvPr/>
+        </p:nvSpPr>
+        <p:spPr>
+          <a:xfrm>
+            <a:off x="2272796" y="4222538"/>
+            <a:ext cx="8129919" cy="646331"/>
+          </a:xfrm>
+          <a:prstGeom prst="rect">
+            <a:avLst/>
+          </a:prstGeom>
+          <a:noFill/>
+        </p:spPr>
+        <p:txBody>
+          <a:bodyPr wrap="none" rtlCol="0">
+            <a:spAutoFit/>
+          </a:bodyPr>
+          <a:lstStyle/>
+          <a:p>
+            <a:pPr algn="ctr"/>
+            <a:r>
+              <a:rPr lang="en-US" b="1" i="1" dirty="0">
                 <a:latin typeface="Rockwell" panose="02060603020205020403" pitchFamily="18" charset="0"/>
               </a:rPr>
-              <a:t>Teknik </a:t>
-            </a:r>
-            <a:r>
-              <a:rPr lang="en-US" b="0" cap="none" spc="0" dirty="0" err="1">
-                <a:ln w="0"/>
-                <a:solidFill>
-                  <a:schemeClr val="tx1"/>
-                </a:solidFill>
-                <a:effectLst>
-                  <a:outerShdw blurRad="38100" dist="19050" dir="2700000" algn="tl" rotWithShape="0">
-                    <a:schemeClr val="dk1">
-                      <a:alpha val="40000"/>
-                    </a:schemeClr>
-                  </a:outerShdw>
-                </a:effectLst>
+              <a:t>“</a:t>
+            </a:r>
+            <a:r>
+              <a:rPr lang="en-US" b="1" i="1" dirty="0" err="1">
                 <a:latin typeface="Rockwell" panose="02060603020205020403" pitchFamily="18" charset="0"/>
               </a:rPr>
-              <a:t>Analisis</a:t>
-            </a:r>
-            <a:endParaRPr lang="en-US" dirty="0">
+              <a:t>Imajinasi</a:t>
+            </a:r>
+            <a:r>
+              <a:rPr lang="en-US" b="1" i="1" dirty="0">
+                <a:latin typeface="Rockwell" panose="02060603020205020403" pitchFamily="18" charset="0"/>
+              </a:rPr>
+              <a:t> </a:t>
+            </a:r>
+            <a:r>
+              <a:rPr lang="en-US" b="1" i="1" dirty="0" err="1">
+                <a:latin typeface="Rockwell" panose="02060603020205020403" pitchFamily="18" charset="0"/>
+              </a:rPr>
+              <a:t>adalah</a:t>
+            </a:r>
+            <a:r>
+              <a:rPr lang="en-US" b="1" i="1" dirty="0">
+                <a:latin typeface="Rockwell" panose="02060603020205020403" pitchFamily="18" charset="0"/>
+              </a:rPr>
+              <a:t> </a:t>
+            </a:r>
+            <a:r>
+              <a:rPr lang="en-US" b="1" i="1" dirty="0" err="1">
+                <a:latin typeface="Rockwell" panose="02060603020205020403" pitchFamily="18" charset="0"/>
+              </a:rPr>
+              <a:t>segalanya</a:t>
+            </a:r>
+            <a:r>
+              <a:rPr lang="en-US" b="1" i="1" dirty="0">
+                <a:latin typeface="Rockwell" panose="02060603020205020403" pitchFamily="18" charset="0"/>
+              </a:rPr>
+              <a:t>,</a:t>
+            </a:r>
+          </a:p>
+          <a:p>
+            <a:pPr algn="ctr"/>
+            <a:r>
+              <a:rPr lang="en-US" b="1" i="1" dirty="0" err="1">
+                <a:latin typeface="Rockwell" panose="02060603020205020403" pitchFamily="18" charset="0"/>
+              </a:rPr>
+              <a:t>imajinasi</a:t>
+            </a:r>
+            <a:r>
+              <a:rPr lang="en-US" b="1" i="1" dirty="0">
+                <a:latin typeface="Rockwell" panose="02060603020205020403" pitchFamily="18" charset="0"/>
+              </a:rPr>
+              <a:t> </a:t>
+            </a:r>
+            <a:r>
+              <a:rPr lang="en-US" b="1" i="1" dirty="0" err="1">
+                <a:latin typeface="Rockwell" panose="02060603020205020403" pitchFamily="18" charset="0"/>
+              </a:rPr>
+              <a:t>merupakan</a:t>
+            </a:r>
+            <a:r>
+              <a:rPr lang="en-US" b="1" i="1" dirty="0">
+                <a:latin typeface="Rockwell" panose="02060603020205020403" pitchFamily="18" charset="0"/>
+              </a:rPr>
+              <a:t> </a:t>
+            </a:r>
+            <a:r>
+              <a:rPr lang="en-US" b="1" i="1" dirty="0" err="1">
+                <a:latin typeface="Rockwell" panose="02060603020205020403" pitchFamily="18" charset="0"/>
+              </a:rPr>
+              <a:t>gambaran</a:t>
+            </a:r>
+            <a:r>
+              <a:rPr lang="en-US" b="1" i="1" dirty="0">
+                <a:latin typeface="Rockwell" panose="02060603020205020403" pitchFamily="18" charset="0"/>
+              </a:rPr>
+              <a:t> </a:t>
+            </a:r>
+            <a:r>
+              <a:rPr lang="en-US" b="1" i="1" dirty="0" err="1">
+                <a:latin typeface="Rockwell" panose="02060603020205020403" pitchFamily="18" charset="0"/>
+              </a:rPr>
+              <a:t>awal</a:t>
+            </a:r>
+            <a:r>
+              <a:rPr lang="en-US" b="1" i="1" dirty="0">
+                <a:latin typeface="Rockwell" panose="02060603020205020403" pitchFamily="18" charset="0"/>
+              </a:rPr>
+              <a:t> </a:t>
+            </a:r>
+            <a:r>
+              <a:rPr lang="en-US" b="1" i="1" dirty="0" err="1">
+                <a:latin typeface="Rockwell" panose="02060603020205020403" pitchFamily="18" charset="0"/>
+              </a:rPr>
+              <a:t>daya</a:t>
+            </a:r>
+            <a:r>
+              <a:rPr lang="en-US" b="1" i="1" dirty="0">
+                <a:latin typeface="Rockwell" panose="02060603020205020403" pitchFamily="18" charset="0"/>
+              </a:rPr>
+              <a:t> </a:t>
+            </a:r>
+            <a:r>
+              <a:rPr lang="en-US" b="1" i="1" dirty="0" err="1">
+                <a:latin typeface="Rockwell" panose="02060603020205020403" pitchFamily="18" charset="0"/>
+              </a:rPr>
+              <a:t>tarik</a:t>
+            </a:r>
+            <a:r>
+              <a:rPr lang="en-US" b="1" i="1" dirty="0">
+                <a:latin typeface="Rockwell" panose="02060603020205020403" pitchFamily="18" charset="0"/>
+              </a:rPr>
+              <a:t> </a:t>
+            </a:r>
+            <a:r>
+              <a:rPr lang="en-US" b="1" i="1" dirty="0" err="1">
+                <a:latin typeface="Rockwell" panose="02060603020205020403" pitchFamily="18" charset="0"/>
+              </a:rPr>
+              <a:t>kehidupan</a:t>
+            </a:r>
+            <a:r>
+              <a:rPr lang="en-US" b="1" i="1" dirty="0">
+                <a:latin typeface="Rockwell" panose="02060603020205020403" pitchFamily="18" charset="0"/>
+              </a:rPr>
+              <a:t> </a:t>
+            </a:r>
+            <a:r>
+              <a:rPr lang="en-US" b="1" i="1" dirty="0" err="1">
+                <a:latin typeface="Rockwell" panose="02060603020205020403" pitchFamily="18" charset="0"/>
+              </a:rPr>
+              <a:t>mendatang</a:t>
+            </a:r>
+            <a:r>
+              <a:rPr lang="en-US" b="1" i="1" dirty="0">
+                <a:latin typeface="Rockwell" panose="02060603020205020403" pitchFamily="18" charset="0"/>
+              </a:rPr>
+              <a:t>”</a:t>
+            </a:r>
+            <a:endParaRPr lang="en-US" b="1" dirty="0">
               <a:latin typeface="Rockwell" panose="02060603020205020403" pitchFamily="18" charset="0"/>
             </a:endParaRPr>
           </a:p>
         </p:txBody>
       </p:sp>
-      <p:pic>
-        <p:nvPicPr>
-          <p:cNvPr id="17" name="Picture 16">
-            <a:extLst>
-              <a:ext uri="{FF2B5EF4-FFF2-40B4-BE49-F238E27FC236}">
-                <a16:creationId xmlns:a16="http://schemas.microsoft.com/office/drawing/2014/main" id="{DD1C5251-16BF-43F9-ABBF-286A7D072C77}"/>
-              </a:ext>
-            </a:extLst>
-          </p:cNvPr>
-          <p:cNvPicPr>
-            <a:picLocks noChangeAspect="1"/>
-          </p:cNvPicPr>
+      <p:sp>
+        <p:nvSpPr>
+          <p:cNvPr id="10" name="TextBox 9">
+            <a:extLst>
+              <a:ext uri="{FF2B5EF4-FFF2-40B4-BE49-F238E27FC236}">
+                <a16:creationId xmlns:a16="http://schemas.microsoft.com/office/drawing/2014/main" id="{FDED0E09-7166-46D3-A059-F568BADC1A46}"/>
+              </a:ext>
+            </a:extLst>
+          </p:cNvPr>
+          <p:cNvSpPr txBox="1"/>
           <p:nvPr/>
-        </p:nvPicPr>
-        <p:blipFill>
-          <a:blip r:embed="rId2">
-            <a:extLst>
-              <a:ext uri="{28A0092B-C50C-407E-A947-70E740481C1C}">
-                <a14:useLocalDpi xmlns:a14="http://schemas.microsoft.com/office/drawing/2010/main" val="0"/>
-              </a:ext>
-            </a:extLst>
-          </a:blip>
-          <a:stretch>
-            <a:fillRect/>
-          </a:stretch>
-        </p:blipFill>
-        <p:spPr>
-          <a:xfrm>
-            <a:off x="3314542" y="882837"/>
-            <a:ext cx="4286076" cy="5238920"/>
+        </p:nvSpPr>
+        <p:spPr>
+          <a:xfrm>
+            <a:off x="4236016" y="2355667"/>
+            <a:ext cx="3719964" cy="369332"/>
           </a:xfrm>
           <a:prstGeom prst="rect">
             <a:avLst/>
           </a:prstGeom>
-        </p:spPr>
-      </p:pic>
-      <p:pic>
-        <p:nvPicPr>
-          <p:cNvPr id="18" name="Picture 17">
-            <a:extLst>
-              <a:ext uri="{FF2B5EF4-FFF2-40B4-BE49-F238E27FC236}">
-                <a16:creationId xmlns:a16="http://schemas.microsoft.com/office/drawing/2014/main" id="{59458E88-3165-4C86-A666-0E613BB0FBCB}"/>
-              </a:ext>
-            </a:extLst>
-          </p:cNvPr>
-          <p:cNvPicPr>
-            <a:picLocks noChangeAspect="1"/>
-          </p:cNvPicPr>
-          <p:nvPr/>
-        </p:nvPicPr>
-        <p:blipFill>
-          <a:blip r:embed="rId3">
-            <a:extLst>
-              <a:ext uri="{28A0092B-C50C-407E-A947-70E740481C1C}">
-                <a14:useLocalDpi xmlns:a14="http://schemas.microsoft.com/office/drawing/2010/main" val="0"/>
-              </a:ext>
-            </a:extLst>
-          </a:blip>
-          <a:stretch>
-            <a:fillRect/>
-          </a:stretch>
-        </p:blipFill>
-        <p:spPr>
-          <a:xfrm>
-            <a:off x="10289438" y="328000"/>
-            <a:ext cx="1253414" cy="1215811"/>
-          </a:xfrm>
-          <a:prstGeom prst="rect">
-            <a:avLst/>
-          </a:prstGeom>
-        </p:spPr>
-      </p:pic>
+          <a:noFill/>
+        </p:spPr>
+        <p:txBody>
+          <a:bodyPr wrap="square">
+            <a:spAutoFit/>
+          </a:bodyPr>
+          <a:lstStyle/>
+          <a:p>
+            <a:pPr marL="0" marR="0" algn="ctr">
+              <a:spcBef>
+                <a:spcPts val="0"/>
+              </a:spcBef>
+              <a:spcAft>
+                <a:spcPts val="0"/>
+              </a:spcAft>
+            </a:pPr>
+            <a:r>
+              <a:rPr lang="en-US" b="1" dirty="0">
+                <a:latin typeface="Times New Roman" panose="02020603050405020304" pitchFamily="18" charset="0"/>
+                <a:ea typeface="Calibri" panose="020F0502020204030204" pitchFamily="34" charset="0"/>
+                <a:cs typeface="Times New Roman" panose="02020603050405020304" pitchFamily="18" charset="0"/>
+              </a:rPr>
+              <a:t>SISTEM E-LELANG</a:t>
+            </a:r>
+            <a:endParaRPr lang="en-US" dirty="0">
+              <a:effectLst/>
+              <a:latin typeface="Times New Roman" panose="02020603050405020304" pitchFamily="18" charset="0"/>
+              <a:ea typeface="Calibri" panose="020F0502020204030204" pitchFamily="34" charset="0"/>
+              <a:cs typeface="Times New Roman" panose="02020603050405020304" pitchFamily="18" charset="0"/>
+            </a:endParaRPr>
+          </a:p>
+        </p:txBody>
+      </p:sp>
     </p:spTree>
     <p:extLst>
       <p:ext uri="{BB962C8B-B14F-4D97-AF65-F5344CB8AC3E}">
-        <p14:creationId xmlns:p14="http://schemas.microsoft.com/office/powerpoint/2010/main" val="3794604322"/>
+        <p14:creationId xmlns:p14="http://schemas.microsoft.com/office/powerpoint/2010/main" val="2447825969"/>
       </p:ext>
     </p:extLst>
   </p:cSld>
